--- a/lecture_classification/presentation/lecture_classification.pptx
+++ b/lecture_classification/presentation/lecture_classification.pptx
@@ -5,10 +5,10 @@
     <p:sldMasterId id="2147483648" r:id="rId1"/>
   </p:sldMasterIdLst>
   <p:notesMasterIdLst>
-    <p:notesMasterId r:id="rId27"/>
+    <p:notesMasterId r:id="rId28"/>
   </p:notesMasterIdLst>
   <p:handoutMasterIdLst>
-    <p:handoutMasterId r:id="rId28"/>
+    <p:handoutMasterId r:id="rId29"/>
   </p:handoutMasterIdLst>
   <p:sldIdLst>
     <p:sldId id="256" r:id="rId2"/>
@@ -16,26 +16,27 @@
     <p:sldId id="364" r:id="rId4"/>
     <p:sldId id="369" r:id="rId5"/>
     <p:sldId id="298" r:id="rId6"/>
-    <p:sldId id="305" r:id="rId7"/>
-    <p:sldId id="368" r:id="rId8"/>
-    <p:sldId id="336" r:id="rId9"/>
-    <p:sldId id="337" r:id="rId10"/>
-    <p:sldId id="338" r:id="rId11"/>
-    <p:sldId id="341" r:id="rId12"/>
-    <p:sldId id="366" r:id="rId13"/>
-    <p:sldId id="335" r:id="rId14"/>
-    <p:sldId id="370" r:id="rId15"/>
-    <p:sldId id="299" r:id="rId16"/>
-    <p:sldId id="348" r:id="rId17"/>
-    <p:sldId id="350" r:id="rId18"/>
-    <p:sldId id="345" r:id="rId19"/>
-    <p:sldId id="346" r:id="rId20"/>
-    <p:sldId id="347" r:id="rId21"/>
-    <p:sldId id="355" r:id="rId22"/>
-    <p:sldId id="356" r:id="rId23"/>
-    <p:sldId id="361" r:id="rId24"/>
-    <p:sldId id="357" r:id="rId25"/>
-    <p:sldId id="294" r:id="rId26"/>
+    <p:sldId id="299" r:id="rId7"/>
+    <p:sldId id="305" r:id="rId8"/>
+    <p:sldId id="368" r:id="rId9"/>
+    <p:sldId id="336" r:id="rId10"/>
+    <p:sldId id="337" r:id="rId11"/>
+    <p:sldId id="338" r:id="rId12"/>
+    <p:sldId id="341" r:id="rId13"/>
+    <p:sldId id="366" r:id="rId14"/>
+    <p:sldId id="335" r:id="rId15"/>
+    <p:sldId id="370" r:id="rId16"/>
+    <p:sldId id="347" r:id="rId17"/>
+    <p:sldId id="348" r:id="rId18"/>
+    <p:sldId id="350" r:id="rId19"/>
+    <p:sldId id="371" r:id="rId20"/>
+    <p:sldId id="345" r:id="rId21"/>
+    <p:sldId id="346" r:id="rId22"/>
+    <p:sldId id="355" r:id="rId23"/>
+    <p:sldId id="356" r:id="rId24"/>
+    <p:sldId id="361" r:id="rId25"/>
+    <p:sldId id="357" r:id="rId26"/>
+    <p:sldId id="294" r:id="rId27"/>
   </p:sldIdLst>
   <p:sldSz cx="9144000" cy="6858000" type="screen4x3"/>
   <p:notesSz cx="6858000" cy="9947275"/>
@@ -235,7 +236,7 @@
           <a:p>
             <a:fld id="{8CCD710B-DBEB-48B9-BE37-6CC35DC50D83}" type="datetimeFigureOut">
               <a:rPr lang="ru-RU" smtClean="0"/>
-              <a:t>01.05.2018</a:t>
+              <a:t>30.05.2018</a:t>
             </a:fld>
             <a:endParaRPr lang="ru-RU"/>
           </a:p>
@@ -400,7 +401,7 @@
           <a:p>
             <a:fld id="{599FBC4C-1749-4424-9522-1B6D127EF272}" type="datetimeFigureOut">
               <a:rPr lang="ru-RU" smtClean="0"/>
-              <a:t>01.05.2018</a:t>
+              <a:t>30.05.2018</a:t>
             </a:fld>
             <a:endParaRPr lang="ru-RU" dirty="0"/>
           </a:p>
@@ -4676,6 +4677,859 @@
       </p:grpSpPr>
       <p:sp>
         <p:nvSpPr>
+          <p:cNvPr id="8" name="Rectangle 2"/>
+          <p:cNvSpPr txBox="1">
+            <a:spLocks noGrp="1" noChangeArrowheads="1"/>
+          </p:cNvSpPr>
+          <p:nvPr>
+            <p:ph type="title"/>
+          </p:nvPr>
+        </p:nvSpPr>
+        <p:spPr>
+          <a:xfrm>
+            <a:off x="228600" y="206459"/>
+            <a:ext cx="4800600" cy="792162"/>
+          </a:xfrm>
+          <a:prstGeom prst="rect">
+            <a:avLst/>
+          </a:prstGeom>
+        </p:spPr>
+        <p:txBody>
+          <a:bodyPr vert="horz" lIns="91440" tIns="45720" rIns="91440" bIns="45720" rtlCol="0" anchor="ctr">
+            <a:normAutofit/>
+          </a:bodyPr>
+          <a:lstStyle>
+            <a:lvl1pPr algn="l" defTabSz="914400" rtl="0" eaLnBrk="1" latinLnBrk="0" hangingPunct="1">
+              <a:spcBef>
+                <a:spcPct val="0"/>
+              </a:spcBef>
+              <a:buNone/>
+              <a:defRPr sz="4400" b="0" kern="1200">
+                <a:solidFill>
+                  <a:srgbClr val="54759A"/>
+                </a:solidFill>
+                <a:effectLst/>
+                <a:latin typeface="Trebuchet MS" panose="020B0603020202020204" pitchFamily="34" charset="0"/>
+                <a:ea typeface="+mj-ea"/>
+                <a:cs typeface="+mj-cs"/>
+              </a:defRPr>
+            </a:lvl1pPr>
+          </a:lstStyle>
+          <a:p>
+            <a:r>
+              <a:rPr lang="en-US" dirty="0"/>
+              <a:t>Working with data</a:t>
+            </a:r>
+            <a:endParaRPr lang="en-US" altLang="be-BY" dirty="0"/>
+          </a:p>
+        </p:txBody>
+      </p:sp>
+      <p:sp>
+        <p:nvSpPr>
+          <p:cNvPr id="9" name="Номер слайда 3"/>
+          <p:cNvSpPr>
+            <a:spLocks noGrp="1"/>
+          </p:cNvSpPr>
+          <p:nvPr>
+            <p:ph type="sldNum" sz="quarter" idx="12"/>
+          </p:nvPr>
+        </p:nvSpPr>
+        <p:spPr>
+          <a:xfrm>
+            <a:off x="8381999" y="94079"/>
+            <a:ext cx="531395" cy="365125"/>
+          </a:xfrm>
+        </p:spPr>
+        <p:txBody>
+          <a:bodyPr/>
+          <a:lstStyle/>
+          <a:p>
+            <a:r>
+              <a:rPr lang="en-US" dirty="0" smtClean="0"/>
+              <a:t>10</a:t>
+            </a:r>
+            <a:endParaRPr lang="ru-RU" dirty="0"/>
+          </a:p>
+        </p:txBody>
+      </p:sp>
+      <p:sp>
+        <p:nvSpPr>
+          <p:cNvPr id="11" name="Заголовок 1"/>
+          <p:cNvSpPr txBox="1">
+            <a:spLocks/>
+          </p:cNvSpPr>
+          <p:nvPr/>
+        </p:nvSpPr>
+        <p:spPr>
+          <a:xfrm>
+            <a:off x="366515" y="914400"/>
+            <a:ext cx="8272975" cy="789296"/>
+          </a:xfrm>
+          <a:prstGeom prst="rect">
+            <a:avLst/>
+          </a:prstGeom>
+        </p:spPr>
+        <p:txBody>
+          <a:bodyPr vert="horz" lIns="91440" tIns="45720" rIns="91440" bIns="45720" rtlCol="0" anchor="ctr">
+            <a:noAutofit/>
+          </a:bodyPr>
+          <a:lstStyle>
+            <a:lvl1pPr algn="l" defTabSz="914400" rtl="0" eaLnBrk="1" latinLnBrk="0" hangingPunct="1">
+              <a:lnSpc>
+                <a:spcPct val="90000"/>
+              </a:lnSpc>
+              <a:spcBef>
+                <a:spcPct val="0"/>
+              </a:spcBef>
+              <a:buNone/>
+              <a:defRPr sz="4400" kern="1200">
+                <a:solidFill>
+                  <a:schemeClr val="tx1"/>
+                </a:solidFill>
+                <a:latin typeface="+mj-lt"/>
+                <a:ea typeface="+mj-ea"/>
+                <a:cs typeface="+mj-cs"/>
+              </a:defRPr>
+            </a:lvl1pPr>
+          </a:lstStyle>
+          <a:p>
+            <a:r>
+              <a:rPr lang="en-US" sz="3200" b="1" dirty="0">
+                <a:latin typeface="Trebuchet MS" panose="020B0603020202020204" pitchFamily="34" charset="0"/>
+              </a:rPr>
+              <a:t>Types of </a:t>
+            </a:r>
+            <a:r>
+              <a:rPr lang="en-US" sz="3200" b="1" dirty="0" smtClean="0">
+                <a:latin typeface="Trebuchet MS" panose="020B0603020202020204" pitchFamily="34" charset="0"/>
+              </a:rPr>
+              <a:t>variables and </a:t>
+            </a:r>
+            <a:r>
+              <a:rPr lang="en-US" sz="3200" b="1" dirty="0">
+                <a:latin typeface="Trebuchet MS" panose="020B0603020202020204" pitchFamily="34" charset="0"/>
+              </a:rPr>
+              <a:t>actions</a:t>
+            </a:r>
+            <a:endParaRPr lang="ru-RU" sz="3200" b="1" dirty="0">
+              <a:latin typeface="Trebuchet MS" panose="020B0603020202020204" pitchFamily="34" charset="0"/>
+            </a:endParaRPr>
+          </a:p>
+        </p:txBody>
+      </p:sp>
+      <p:graphicFrame>
+        <p:nvGraphicFramePr>
+          <p:cNvPr id="16" name="Объект 4"/>
+          <p:cNvGraphicFramePr>
+            <a:graphicFrameLocks/>
+          </p:cNvGraphicFramePr>
+          <p:nvPr>
+            <p:extLst>
+              <p:ext uri="{D42A27DB-BD31-4B8C-83A1-F6EECF244321}">
+                <p14:modId xmlns:p14="http://schemas.microsoft.com/office/powerpoint/2010/main" val="1254023904"/>
+              </p:ext>
+            </p:extLst>
+          </p:nvPr>
+        </p:nvGraphicFramePr>
+        <p:xfrm>
+          <a:off x="233288" y="1701432"/>
+          <a:ext cx="8680106" cy="4394567"/>
+        </p:xfrm>
+        <a:graphic>
+          <a:graphicData uri="http://schemas.openxmlformats.org/drawingml/2006/table">
+            <a:tbl>
+              <a:tblPr firstRow="1" bandRow="1">
+                <a:tableStyleId>{5C22544A-7EE6-4342-B048-85BDC9FD1C3A}</a:tableStyleId>
+              </a:tblPr>
+              <a:tblGrid>
+                <a:gridCol w="3500512"/>
+                <a:gridCol w="5179594"/>
+              </a:tblGrid>
+              <a:tr h="4394567">
+                <a:tc>
+                  <a:txBody>
+                    <a:bodyPr/>
+                    <a:lstStyle/>
+                    <a:p>
+                      <a:pPr algn="ctr"/>
+                      <a:r>
+                        <a:rPr lang="en-US" sz="2200" dirty="0" smtClean="0">
+                          <a:solidFill>
+                            <a:schemeClr val="tx1"/>
+                          </a:solidFill>
+                          <a:latin typeface="Trebuchet MS" panose="020B0603020202020204" pitchFamily="34" charset="0"/>
+                        </a:rPr>
+                        <a:t>Types of variables </a:t>
+                      </a:r>
+                    </a:p>
+                    <a:p>
+                      <a:pPr algn="ctr"/>
+                      <a:endParaRPr lang="en-US" sz="2000" kern="1200" dirty="0" smtClean="0">
+                        <a:solidFill>
+                          <a:schemeClr val="tx1"/>
+                        </a:solidFill>
+                        <a:latin typeface="Trebuchet MS" panose="020B0603020202020204" pitchFamily="34" charset="0"/>
+                        <a:ea typeface="+mj-ea"/>
+                        <a:cs typeface="+mj-cs"/>
+                      </a:endParaRPr>
+                    </a:p>
+                    <a:p>
+                      <a:pPr marL="0" indent="0" algn="ctr">
+                        <a:buNone/>
+                      </a:pPr>
+                      <a:r>
+                        <a:rPr lang="en-US" sz="2000" b="0" dirty="0" smtClean="0">
+                          <a:solidFill>
+                            <a:schemeClr val="tx1"/>
+                          </a:solidFill>
+                          <a:latin typeface="Trebuchet MS" panose="020B0603020202020204" pitchFamily="34" charset="0"/>
+                        </a:rPr>
+                        <a:t>Categorical</a:t>
+                      </a:r>
+                    </a:p>
+                    <a:p>
+                      <a:pPr marL="0" indent="0" algn="ctr">
+                        <a:buNone/>
+                      </a:pPr>
+                      <a:endParaRPr lang="en-US" sz="2000" b="0" dirty="0" smtClean="0">
+                        <a:solidFill>
+                          <a:schemeClr val="tx1"/>
+                        </a:solidFill>
+                        <a:latin typeface="Trebuchet MS" panose="020B0603020202020204" pitchFamily="34" charset="0"/>
+                      </a:endParaRPr>
+                    </a:p>
+                    <a:p>
+                      <a:pPr marL="0" indent="0" algn="ctr">
+                        <a:buNone/>
+                      </a:pPr>
+                      <a:endParaRPr lang="ru-RU" sz="2000" b="0" dirty="0" smtClean="0">
+                        <a:solidFill>
+                          <a:schemeClr val="tx1"/>
+                        </a:solidFill>
+                        <a:latin typeface="Trebuchet MS" panose="020B0603020202020204" pitchFamily="34" charset="0"/>
+                      </a:endParaRPr>
+                    </a:p>
+                    <a:p>
+                      <a:pPr marL="0" indent="0" algn="ctr">
+                        <a:buNone/>
+                      </a:pPr>
+                      <a:r>
+                        <a:rPr lang="en-US" sz="2000" b="0" dirty="0" smtClean="0">
+                          <a:solidFill>
+                            <a:schemeClr val="tx1"/>
+                          </a:solidFill>
+                          <a:latin typeface="Trebuchet MS" panose="020B0603020202020204" pitchFamily="34" charset="0"/>
+                        </a:rPr>
+                        <a:t>Text</a:t>
+                      </a:r>
+                    </a:p>
+                    <a:p>
+                      <a:pPr marL="0" indent="0" algn="ctr">
+                        <a:buNone/>
+                      </a:pPr>
+                      <a:endParaRPr lang="en-US" sz="2000" b="0" dirty="0" smtClean="0">
+                        <a:solidFill>
+                          <a:schemeClr val="tx1"/>
+                        </a:solidFill>
+                        <a:latin typeface="Trebuchet MS" panose="020B0603020202020204" pitchFamily="34" charset="0"/>
+                      </a:endParaRPr>
+                    </a:p>
+                    <a:p>
+                      <a:pPr marL="0" indent="0" algn="ctr">
+                        <a:buNone/>
+                      </a:pPr>
+                      <a:endParaRPr lang="en-US" sz="2000" b="0" dirty="0" smtClean="0">
+                        <a:solidFill>
+                          <a:schemeClr val="tx1"/>
+                        </a:solidFill>
+                        <a:latin typeface="Trebuchet MS" panose="020B0603020202020204" pitchFamily="34" charset="0"/>
+                      </a:endParaRPr>
+                    </a:p>
+                    <a:p>
+                      <a:pPr marL="0" indent="0" algn="ctr">
+                        <a:buNone/>
+                      </a:pPr>
+                      <a:endParaRPr lang="en-US" sz="2000" b="0" dirty="0" smtClean="0">
+                        <a:solidFill>
+                          <a:schemeClr val="tx1"/>
+                        </a:solidFill>
+                        <a:latin typeface="Trebuchet MS" panose="020B0603020202020204" pitchFamily="34" charset="0"/>
+                      </a:endParaRPr>
+                    </a:p>
+                    <a:p>
+                      <a:pPr marL="0" indent="0" algn="ctr">
+                        <a:buNone/>
+                      </a:pPr>
+                      <a:endParaRPr lang="en-US" sz="2000" b="0" dirty="0" smtClean="0">
+                        <a:solidFill>
+                          <a:schemeClr val="tx1"/>
+                        </a:solidFill>
+                        <a:latin typeface="Trebuchet MS" panose="020B0603020202020204" pitchFamily="34" charset="0"/>
+                      </a:endParaRPr>
+                    </a:p>
+                    <a:p>
+                      <a:pPr marL="0" indent="0" algn="ctr">
+                        <a:buNone/>
+                      </a:pPr>
+                      <a:endParaRPr lang="en-US" sz="2000" b="0" dirty="0" smtClean="0">
+                        <a:solidFill>
+                          <a:schemeClr val="tx1"/>
+                        </a:solidFill>
+                        <a:latin typeface="Trebuchet MS" panose="020B0603020202020204" pitchFamily="34" charset="0"/>
+                      </a:endParaRPr>
+                    </a:p>
+                    <a:p>
+                      <a:pPr marL="0" indent="0" algn="ctr">
+                        <a:buNone/>
+                      </a:pPr>
+                      <a:r>
+                        <a:rPr lang="en-US" sz="2000" b="0" dirty="0" smtClean="0">
+                          <a:solidFill>
+                            <a:schemeClr val="tx1"/>
+                          </a:solidFill>
+                          <a:latin typeface="Trebuchet MS" panose="020B0603020202020204" pitchFamily="34" charset="0"/>
+                        </a:rPr>
+                        <a:t>Numerical</a:t>
+                      </a:r>
+                      <a:endParaRPr lang="ru-RU" sz="2000" b="0" dirty="0">
+                        <a:solidFill>
+                          <a:schemeClr val="tx1"/>
+                        </a:solidFill>
+                        <a:latin typeface="Trebuchet MS" panose="020B0603020202020204" pitchFamily="34" charset="0"/>
+                      </a:endParaRPr>
+                    </a:p>
+                  </a:txBody>
+                  <a:tcPr marL="68580" marR="68580" marT="34290" marB="34290">
+                    <a:lnL w="12700" cap="flat" cmpd="sng" algn="ctr">
+                      <a:solidFill>
+                        <a:schemeClr val="tx1"/>
+                      </a:solidFill>
+                      <a:prstDash val="solid"/>
+                      <a:round/>
+                      <a:headEnd type="none" w="med" len="med"/>
+                      <a:tailEnd type="none" w="med" len="med"/>
+                    </a:lnL>
+                    <a:lnR w="12700" cap="flat" cmpd="sng" algn="ctr">
+                      <a:solidFill>
+                        <a:schemeClr val="tx1"/>
+                      </a:solidFill>
+                      <a:prstDash val="solid"/>
+                      <a:round/>
+                      <a:headEnd type="none" w="med" len="med"/>
+                      <a:tailEnd type="none" w="med" len="med"/>
+                    </a:lnR>
+                    <a:lnT w="12700" cap="flat" cmpd="sng" algn="ctr">
+                      <a:solidFill>
+                        <a:schemeClr val="tx1"/>
+                      </a:solidFill>
+                      <a:prstDash val="solid"/>
+                      <a:round/>
+                      <a:headEnd type="none" w="med" len="med"/>
+                      <a:tailEnd type="none" w="med" len="med"/>
+                    </a:lnT>
+                    <a:lnB w="12700" cap="flat" cmpd="sng" algn="ctr">
+                      <a:solidFill>
+                        <a:schemeClr val="tx1"/>
+                      </a:solidFill>
+                      <a:prstDash val="solid"/>
+                      <a:round/>
+                      <a:headEnd type="none" w="med" len="med"/>
+                      <a:tailEnd type="none" w="med" len="med"/>
+                    </a:lnB>
+                    <a:noFill/>
+                  </a:tcPr>
+                </a:tc>
+                <a:tc>
+                  <a:txBody>
+                    <a:bodyPr/>
+                    <a:lstStyle/>
+                    <a:p>
+                      <a:pPr marL="0" marR="0" indent="0" algn="ctr" defTabSz="914400" rtl="0" eaLnBrk="1" fontAlgn="auto" latinLnBrk="0" hangingPunct="1">
+                        <a:lnSpc>
+                          <a:spcPct val="100000"/>
+                        </a:lnSpc>
+                        <a:spcBef>
+                          <a:spcPts val="0"/>
+                        </a:spcBef>
+                        <a:spcAft>
+                          <a:spcPts val="0"/>
+                        </a:spcAft>
+                        <a:buClrTx/>
+                        <a:buSzTx/>
+                        <a:buFontTx/>
+                        <a:buNone/>
+                        <a:tabLst/>
+                        <a:defRPr/>
+                      </a:pPr>
+                      <a:r>
+                        <a:rPr lang="en-US" sz="2200" dirty="0" smtClean="0">
+                          <a:solidFill>
+                            <a:schemeClr val="tx1"/>
+                          </a:solidFill>
+                          <a:latin typeface="Trebuchet MS" panose="020B0603020202020204" pitchFamily="34" charset="0"/>
+                        </a:rPr>
+                        <a:t>Actions</a:t>
+                      </a:r>
+                    </a:p>
+                    <a:p>
+                      <a:pPr marL="0" marR="0" indent="0" algn="ctr" defTabSz="914400" rtl="0" eaLnBrk="1" fontAlgn="auto" latinLnBrk="0" hangingPunct="1">
+                        <a:lnSpc>
+                          <a:spcPct val="100000"/>
+                        </a:lnSpc>
+                        <a:spcBef>
+                          <a:spcPts val="0"/>
+                        </a:spcBef>
+                        <a:spcAft>
+                          <a:spcPts val="0"/>
+                        </a:spcAft>
+                        <a:buClrTx/>
+                        <a:buSzTx/>
+                        <a:buFontTx/>
+                        <a:buNone/>
+                        <a:tabLst/>
+                        <a:defRPr/>
+                      </a:pPr>
+                      <a:endParaRPr lang="en-US" sz="2000" dirty="0" smtClean="0">
+                        <a:solidFill>
+                          <a:schemeClr val="tx1"/>
+                        </a:solidFill>
+                        <a:latin typeface="Trebuchet MS" panose="020B0603020202020204" pitchFamily="34" charset="0"/>
+                      </a:endParaRPr>
+                    </a:p>
+                    <a:p>
+                      <a:pPr marL="541338" marR="0" indent="-363538" algn="l" defTabSz="914400" rtl="0" eaLnBrk="1" fontAlgn="auto" latinLnBrk="0" hangingPunct="1">
+                        <a:lnSpc>
+                          <a:spcPct val="100000"/>
+                        </a:lnSpc>
+                        <a:spcBef>
+                          <a:spcPts val="0"/>
+                        </a:spcBef>
+                        <a:spcAft>
+                          <a:spcPts val="0"/>
+                        </a:spcAft>
+                        <a:buClrTx/>
+                        <a:buSzTx/>
+                        <a:buFontTx/>
+                        <a:buNone/>
+                        <a:tabLst>
+                          <a:tab pos="355600" algn="l"/>
+                        </a:tabLst>
+                        <a:defRPr/>
+                      </a:pPr>
+                      <a:r>
+                        <a:rPr lang="en-US" sz="2000" b="0" dirty="0" smtClean="0">
+                          <a:solidFill>
+                            <a:schemeClr val="tx1"/>
+                          </a:solidFill>
+                          <a:latin typeface="Trebuchet MS" panose="020B0603020202020204" pitchFamily="34" charset="0"/>
+                        </a:rPr>
+                        <a:t>Convert to n binary</a:t>
+                      </a:r>
+                      <a:r>
+                        <a:rPr lang="en-US" sz="2000" b="0" baseline="0" dirty="0" smtClean="0">
+                          <a:solidFill>
+                            <a:schemeClr val="tx1"/>
+                          </a:solidFill>
+                          <a:latin typeface="Trebuchet MS" panose="020B0603020202020204" pitchFamily="34" charset="0"/>
+                        </a:rPr>
+                        <a:t> </a:t>
+                      </a:r>
+                      <a:r>
+                        <a:rPr lang="en-US" sz="2000" b="0" baseline="0" dirty="0" err="1" smtClean="0">
+                          <a:solidFill>
+                            <a:schemeClr val="tx1"/>
+                          </a:solidFill>
+                          <a:latin typeface="Trebuchet MS" panose="020B0603020202020204" pitchFamily="34" charset="0"/>
+                        </a:rPr>
+                        <a:t>vars</a:t>
+                      </a:r>
+                      <a:r>
+                        <a:rPr lang="en-US" sz="2000" b="0" baseline="0" dirty="0" smtClean="0">
+                          <a:solidFill>
+                            <a:schemeClr val="tx1"/>
+                          </a:solidFill>
+                          <a:latin typeface="Trebuchet MS" panose="020B0603020202020204" pitchFamily="34" charset="0"/>
+                        </a:rPr>
+                        <a:t> (n – number of labels)</a:t>
+                      </a:r>
+                      <a:endParaRPr lang="en-US" sz="2000" b="0" dirty="0" smtClean="0">
+                        <a:solidFill>
+                          <a:schemeClr val="tx1"/>
+                        </a:solidFill>
+                        <a:latin typeface="Trebuchet MS" panose="020B0603020202020204" pitchFamily="34" charset="0"/>
+                      </a:endParaRPr>
+                    </a:p>
+                    <a:p>
+                      <a:pPr marL="541338" marR="0" indent="-363538" algn="l" defTabSz="914400" rtl="0" eaLnBrk="1" fontAlgn="auto" latinLnBrk="0" hangingPunct="1">
+                        <a:lnSpc>
+                          <a:spcPct val="100000"/>
+                        </a:lnSpc>
+                        <a:spcBef>
+                          <a:spcPts val="0"/>
+                        </a:spcBef>
+                        <a:spcAft>
+                          <a:spcPts val="0"/>
+                        </a:spcAft>
+                        <a:buClrTx/>
+                        <a:buSzTx/>
+                        <a:buFontTx/>
+                        <a:buNone/>
+                        <a:tabLst>
+                          <a:tab pos="355600" algn="l"/>
+                        </a:tabLst>
+                        <a:defRPr/>
+                      </a:pPr>
+                      <a:endParaRPr lang="en-US" sz="2000" b="0" dirty="0" smtClean="0">
+                        <a:solidFill>
+                          <a:schemeClr val="tx1"/>
+                        </a:solidFill>
+                        <a:latin typeface="Trebuchet MS" panose="020B0603020202020204" pitchFamily="34" charset="0"/>
+                      </a:endParaRPr>
+                    </a:p>
+                    <a:p>
+                      <a:pPr marL="541338" marR="0" indent="-363538" algn="l" defTabSz="914400" rtl="0" eaLnBrk="1" fontAlgn="auto" latinLnBrk="0" hangingPunct="1">
+                        <a:lnSpc>
+                          <a:spcPct val="100000"/>
+                        </a:lnSpc>
+                        <a:spcBef>
+                          <a:spcPts val="0"/>
+                        </a:spcBef>
+                        <a:spcAft>
+                          <a:spcPts val="0"/>
+                        </a:spcAft>
+                        <a:buClrTx/>
+                        <a:buSzTx/>
+                        <a:buFontTx/>
+                        <a:buNone/>
+                        <a:tabLst>
+                          <a:tab pos="355600" algn="l"/>
+                        </a:tabLst>
+                        <a:defRPr/>
+                      </a:pPr>
+                      <a:r>
+                        <a:rPr lang="en-US" sz="2000" b="0" i="1" dirty="0" smtClean="0">
+                          <a:solidFill>
+                            <a:schemeClr val="tx1"/>
+                          </a:solidFill>
+                          <a:latin typeface="Trebuchet MS" panose="020B0603020202020204" pitchFamily="34" charset="0"/>
+                        </a:rPr>
+                        <a:t>Options:</a:t>
+                      </a:r>
+                    </a:p>
+                    <a:p>
+                      <a:pPr marL="541338" marR="0" indent="-185738" algn="l" defTabSz="914400" rtl="0" eaLnBrk="1" fontAlgn="auto" latinLnBrk="0" hangingPunct="1">
+                        <a:lnSpc>
+                          <a:spcPct val="100000"/>
+                        </a:lnSpc>
+                        <a:spcBef>
+                          <a:spcPts val="0"/>
+                        </a:spcBef>
+                        <a:spcAft>
+                          <a:spcPts val="0"/>
+                        </a:spcAft>
+                        <a:buClrTx/>
+                        <a:buSzTx/>
+                        <a:buFont typeface="Arial" panose="020B0604020202020204" pitchFamily="34" charset="0"/>
+                        <a:buChar char="•"/>
+                        <a:tabLst>
+                          <a:tab pos="355600" algn="l"/>
+                        </a:tabLst>
+                        <a:defRPr/>
+                      </a:pPr>
+                      <a:r>
+                        <a:rPr lang="en-US" sz="2000" b="0" i="1" dirty="0" smtClean="0">
+                          <a:solidFill>
+                            <a:schemeClr val="tx1"/>
+                          </a:solidFill>
+                          <a:latin typeface="Trebuchet MS" panose="020B0603020202020204" pitchFamily="34" charset="0"/>
+                        </a:rPr>
+                        <a:t>Scrap a pattern and convert</a:t>
+                      </a:r>
+                      <a:r>
+                        <a:rPr lang="en-US" sz="2000" b="0" i="1" baseline="0" dirty="0" smtClean="0">
+                          <a:solidFill>
+                            <a:schemeClr val="tx1"/>
+                          </a:solidFill>
+                          <a:latin typeface="Trebuchet MS" panose="020B0603020202020204" pitchFamily="34" charset="0"/>
+                        </a:rPr>
+                        <a:t> it to n binary </a:t>
+                      </a:r>
+                      <a:r>
+                        <a:rPr lang="en-US" sz="2000" b="0" i="1" baseline="0" dirty="0" err="1" smtClean="0">
+                          <a:solidFill>
+                            <a:schemeClr val="tx1"/>
+                          </a:solidFill>
+                          <a:latin typeface="Trebuchet MS" panose="020B0603020202020204" pitchFamily="34" charset="0"/>
+                        </a:rPr>
+                        <a:t>vars</a:t>
+                      </a:r>
+                      <a:endParaRPr lang="en-US" sz="2000" b="0" i="1" baseline="0" dirty="0" smtClean="0">
+                        <a:solidFill>
+                          <a:schemeClr val="tx1"/>
+                        </a:solidFill>
+                        <a:latin typeface="Trebuchet MS" panose="020B0603020202020204" pitchFamily="34" charset="0"/>
+                      </a:endParaRPr>
+                    </a:p>
+                    <a:p>
+                      <a:pPr marL="541338" marR="0" indent="-185738" algn="l" defTabSz="914400" rtl="0" eaLnBrk="1" fontAlgn="auto" latinLnBrk="0" hangingPunct="1">
+                        <a:lnSpc>
+                          <a:spcPct val="100000"/>
+                        </a:lnSpc>
+                        <a:spcBef>
+                          <a:spcPts val="0"/>
+                        </a:spcBef>
+                        <a:spcAft>
+                          <a:spcPts val="0"/>
+                        </a:spcAft>
+                        <a:buClrTx/>
+                        <a:buSzTx/>
+                        <a:buFont typeface="Arial" panose="020B0604020202020204" pitchFamily="34" charset="0"/>
+                        <a:buChar char="•"/>
+                        <a:tabLst>
+                          <a:tab pos="355600" algn="l"/>
+                        </a:tabLst>
+                        <a:defRPr/>
+                      </a:pPr>
+                      <a:r>
+                        <a:rPr lang="en-US" sz="2000" b="0" i="1" dirty="0" smtClean="0">
+                          <a:solidFill>
+                            <a:schemeClr val="tx1"/>
+                          </a:solidFill>
+                          <a:latin typeface="Trebuchet MS" panose="020B0603020202020204" pitchFamily="34" charset="0"/>
+                        </a:rPr>
+                        <a:t>Convert text to numbers (Word2Vec)</a:t>
+                      </a:r>
+                    </a:p>
+                    <a:p>
+                      <a:pPr marL="541338" marR="0" indent="-185738" algn="l" defTabSz="914400" rtl="0" eaLnBrk="1" fontAlgn="auto" latinLnBrk="0" hangingPunct="1">
+                        <a:lnSpc>
+                          <a:spcPct val="100000"/>
+                        </a:lnSpc>
+                        <a:spcBef>
+                          <a:spcPts val="0"/>
+                        </a:spcBef>
+                        <a:spcAft>
+                          <a:spcPts val="0"/>
+                        </a:spcAft>
+                        <a:buClrTx/>
+                        <a:buSzTx/>
+                        <a:buFont typeface="Arial" panose="020B0604020202020204" pitchFamily="34" charset="0"/>
+                        <a:buChar char="•"/>
+                        <a:tabLst>
+                          <a:tab pos="355600" algn="l"/>
+                        </a:tabLst>
+                        <a:defRPr/>
+                      </a:pPr>
+                      <a:r>
+                        <a:rPr lang="en-US" sz="2000" b="0" i="1" dirty="0" smtClean="0">
+                          <a:solidFill>
+                            <a:schemeClr val="tx1"/>
+                          </a:solidFill>
+                          <a:latin typeface="Trebuchet MS" panose="020B0603020202020204" pitchFamily="34" charset="0"/>
+                        </a:rPr>
+                        <a:t>Drop</a:t>
+                      </a:r>
+                      <a:r>
+                        <a:rPr lang="en-US" sz="2000" b="0" i="1" baseline="0" dirty="0" smtClean="0">
+                          <a:solidFill>
+                            <a:schemeClr val="tx1"/>
+                          </a:solidFill>
+                          <a:latin typeface="Trebuchet MS" panose="020B0603020202020204" pitchFamily="34" charset="0"/>
+                        </a:rPr>
+                        <a:t> text variable</a:t>
+                      </a:r>
+                    </a:p>
+                    <a:p>
+                      <a:pPr marL="541338" marR="0" indent="-185738" algn="l" defTabSz="914400" rtl="0" eaLnBrk="1" fontAlgn="auto" latinLnBrk="0" hangingPunct="1">
+                        <a:lnSpc>
+                          <a:spcPct val="100000"/>
+                        </a:lnSpc>
+                        <a:spcBef>
+                          <a:spcPts val="0"/>
+                        </a:spcBef>
+                        <a:spcAft>
+                          <a:spcPts val="0"/>
+                        </a:spcAft>
+                        <a:buClrTx/>
+                        <a:buSzTx/>
+                        <a:buFont typeface="Arial" panose="020B0604020202020204" pitchFamily="34" charset="0"/>
+                        <a:buChar char="•"/>
+                        <a:tabLst>
+                          <a:tab pos="355600" algn="l"/>
+                        </a:tabLst>
+                        <a:defRPr/>
+                      </a:pPr>
+                      <a:endParaRPr lang="en-US" sz="2000" b="0" i="1" baseline="0" dirty="0" smtClean="0">
+                        <a:solidFill>
+                          <a:schemeClr val="tx1"/>
+                        </a:solidFill>
+                        <a:latin typeface="Trebuchet MS" panose="020B0603020202020204" pitchFamily="34" charset="0"/>
+                      </a:endParaRPr>
+                    </a:p>
+                    <a:p>
+                      <a:pPr marL="355600" marR="0" indent="0" algn="l" defTabSz="914400" rtl="0" eaLnBrk="1" fontAlgn="auto" latinLnBrk="0" hangingPunct="1">
+                        <a:lnSpc>
+                          <a:spcPct val="100000"/>
+                        </a:lnSpc>
+                        <a:spcBef>
+                          <a:spcPts val="0"/>
+                        </a:spcBef>
+                        <a:spcAft>
+                          <a:spcPts val="0"/>
+                        </a:spcAft>
+                        <a:buClrTx/>
+                        <a:buSzTx/>
+                        <a:buFont typeface="Arial" panose="020B0604020202020204" pitchFamily="34" charset="0"/>
+                        <a:buNone/>
+                        <a:tabLst>
+                          <a:tab pos="355600" algn="l"/>
+                        </a:tabLst>
+                        <a:defRPr/>
+                      </a:pPr>
+                      <a:r>
+                        <a:rPr lang="en-US" sz="2000" b="0" i="1" baseline="0" dirty="0" smtClean="0">
+                          <a:solidFill>
+                            <a:schemeClr val="tx1"/>
+                          </a:solidFill>
+                          <a:latin typeface="Trebuchet MS" panose="020B0603020202020204" pitchFamily="34" charset="0"/>
+                        </a:rPr>
+                        <a:t>Standardization = </a:t>
+                      </a:r>
+                      <a:br>
+                        <a:rPr lang="en-US" sz="2000" b="0" i="1" baseline="0" dirty="0" smtClean="0">
+                          <a:solidFill>
+                            <a:schemeClr val="tx1"/>
+                          </a:solidFill>
+                          <a:latin typeface="Trebuchet MS" panose="020B0603020202020204" pitchFamily="34" charset="0"/>
+                        </a:rPr>
+                      </a:br>
+                      <a:r>
+                        <a:rPr lang="en-US" sz="2000" b="0" i="1" baseline="0" dirty="0" smtClean="0">
+                          <a:solidFill>
+                            <a:schemeClr val="tx1"/>
+                          </a:solidFill>
+                          <a:latin typeface="Trebuchet MS" panose="020B0603020202020204" pitchFamily="34" charset="0"/>
+                        </a:rPr>
+                        <a:t>= mean removal +variance scaling</a:t>
+                      </a:r>
+                    </a:p>
+                  </a:txBody>
+                  <a:tcPr marL="68580" marR="68580" marT="34290" marB="34290">
+                    <a:lnL w="12700" cap="flat" cmpd="sng" algn="ctr">
+                      <a:solidFill>
+                        <a:schemeClr val="tx1"/>
+                      </a:solidFill>
+                      <a:prstDash val="solid"/>
+                      <a:round/>
+                      <a:headEnd type="none" w="med" len="med"/>
+                      <a:tailEnd type="none" w="med" len="med"/>
+                    </a:lnL>
+                    <a:lnR w="12700" cap="flat" cmpd="sng" algn="ctr">
+                      <a:solidFill>
+                        <a:schemeClr val="tx1"/>
+                      </a:solidFill>
+                      <a:prstDash val="solid"/>
+                      <a:round/>
+                      <a:headEnd type="none" w="med" len="med"/>
+                      <a:tailEnd type="none" w="med" len="med"/>
+                    </a:lnR>
+                    <a:lnT w="12700" cap="flat" cmpd="sng" algn="ctr">
+                      <a:solidFill>
+                        <a:schemeClr val="tx1"/>
+                      </a:solidFill>
+                      <a:prstDash val="solid"/>
+                      <a:round/>
+                      <a:headEnd type="none" w="med" len="med"/>
+                      <a:tailEnd type="none" w="med" len="med"/>
+                    </a:lnT>
+                    <a:lnB w="12700" cap="flat" cmpd="sng" algn="ctr">
+                      <a:solidFill>
+                        <a:schemeClr val="tx1"/>
+                      </a:solidFill>
+                      <a:prstDash val="solid"/>
+                      <a:round/>
+                      <a:headEnd type="none" w="med" len="med"/>
+                      <a:tailEnd type="none" w="med" len="med"/>
+                    </a:lnB>
+                    <a:noFill/>
+                  </a:tcPr>
+                </a:tc>
+              </a:tr>
+            </a:tbl>
+          </a:graphicData>
+        </a:graphic>
+      </p:graphicFrame>
+      <p:sp>
+        <p:nvSpPr>
+          <p:cNvPr id="10" name="Нижний колонтитул 4"/>
+          <p:cNvSpPr>
+            <a:spLocks noGrp="1"/>
+          </p:cNvSpPr>
+          <p:nvPr>
+            <p:ph type="ftr" sz="quarter" idx="11"/>
+          </p:nvPr>
+        </p:nvSpPr>
+        <p:spPr>
+          <a:xfrm>
+            <a:off x="228600" y="6629400"/>
+            <a:ext cx="6172200" cy="228601"/>
+          </a:xfrm>
+        </p:spPr>
+        <p:txBody>
+          <a:bodyPr/>
+          <a:lstStyle/>
+          <a:p>
+            <a:r>
+              <a:rPr lang="en-US" b="1" dirty="0"/>
+              <a:t>ML-course. </a:t>
+            </a:r>
+            <a:r>
+              <a:rPr lang="en-US" dirty="0" smtClean="0"/>
+              <a:t>Classification</a:t>
+            </a:r>
+            <a:endParaRPr lang="ru-RU" dirty="0"/>
+          </a:p>
+        </p:txBody>
+      </p:sp>
+    </p:spTree>
+    <p:extLst>
+      <p:ext uri="{BB962C8B-B14F-4D97-AF65-F5344CB8AC3E}">
+        <p14:creationId xmlns:p14="http://schemas.microsoft.com/office/powerpoint/2010/main" val="2369015390"/>
+      </p:ext>
+    </p:extLst>
+  </p:cSld>
+  <p:clrMapOvr>
+    <a:masterClrMapping/>
+  </p:clrMapOvr>
+  <p:timing>
+    <p:tnLst>
+      <p:par>
+        <p:cTn id="1" dur="indefinite" restart="never" nodeType="tmRoot"/>
+      </p:par>
+    </p:tnLst>
+  </p:timing>
+</p:sld>
+</file>
+
+<file path=ppt/slides/slide11.xml><?xml version="1.0" encoding="utf-8"?>
+<p:sld xmlns:a="http://schemas.openxmlformats.org/drawingml/2006/main" xmlns:r="http://schemas.openxmlformats.org/officeDocument/2006/relationships" xmlns:p="http://schemas.openxmlformats.org/presentationml/2006/main">
+  <p:cSld>
+    <p:spTree>
+      <p:nvGrpSpPr>
+        <p:cNvPr id="1" name=""/>
+        <p:cNvGrpSpPr/>
+        <p:nvPr/>
+      </p:nvGrpSpPr>
+      <p:grpSpPr>
+        <a:xfrm>
+          <a:off x="0" y="0"/>
+          <a:ext cx="0" cy="0"/>
+          <a:chOff x="0" y="0"/>
+          <a:chExt cx="0" cy="0"/>
+        </a:xfrm>
+      </p:grpSpPr>
+      <p:sp>
+        <p:nvSpPr>
           <p:cNvPr id="3" name="Прямоугольник 2"/>
           <p:cNvSpPr/>
           <p:nvPr/>
@@ -5091,7 +5945,7 @@
 </p:sld>
 </file>
 
-<file path=ppt/slides/slide11.xml><?xml version="1.0" encoding="utf-8"?>
+<file path=ppt/slides/slide12.xml><?xml version="1.0" encoding="utf-8"?>
 <p:sld xmlns:a="http://schemas.openxmlformats.org/drawingml/2006/main" xmlns:r="http://schemas.openxmlformats.org/officeDocument/2006/relationships" xmlns:p="http://schemas.openxmlformats.org/presentationml/2006/main">
   <p:cSld>
     <p:spTree>
@@ -5508,7 +6362,7 @@
 </p:sld>
 </file>
 
-<file path=ppt/slides/slide12.xml><?xml version="1.0" encoding="utf-8"?>
+<file path=ppt/slides/slide13.xml><?xml version="1.0" encoding="utf-8"?>
 <p:sld xmlns:a="http://schemas.openxmlformats.org/drawingml/2006/main" xmlns:r="http://schemas.openxmlformats.org/officeDocument/2006/relationships" xmlns:p="http://schemas.openxmlformats.org/presentationml/2006/main">
   <p:cSld>
     <p:spTree>
@@ -5737,7 +6591,7 @@
             </a:r>
             <a:r>
               <a:rPr lang="en-US" sz="3300" b="1" i="1" dirty="0" smtClean="0"/>
-              <a:t> arrays</a:t>
+              <a:t> array</a:t>
             </a:r>
           </a:p>
           <a:p>
@@ -5758,7 +6612,7 @@
             </a:r>
             <a:r>
               <a:rPr lang="en-US" sz="3300" i="1" dirty="0" err="1" smtClean="0"/>
-              <a:t>n_features</a:t>
+              <a:t>m_features</a:t>
             </a:r>
             <a:r>
               <a:rPr lang="en-US" sz="3300" i="1" dirty="0"/>
@@ -5795,7 +6649,7 @@
             </a:r>
             <a:r>
               <a:rPr lang="en-US" sz="3300" i="1" dirty="0" smtClean="0"/>
-              <a:t> arrays </a:t>
+              <a:t> array</a:t>
             </a:r>
           </a:p>
           <a:p>
@@ -5969,7 +6823,7 @@
 </p:sld>
 </file>
 
-<file path=ppt/slides/slide13.xml><?xml version="1.0" encoding="utf-8"?>
+<file path=ppt/slides/slide14.xml><?xml version="1.0" encoding="utf-8"?>
 <p:sld xmlns:a="http://schemas.openxmlformats.org/drawingml/2006/main" xmlns:r="http://schemas.openxmlformats.org/officeDocument/2006/relationships" xmlns:p="http://schemas.openxmlformats.org/presentationml/2006/main">
   <p:cSld>
     <p:spTree>
@@ -6165,10 +7019,18 @@
           </a:p>
           <a:p>
             <a:r>
-              <a:rPr lang="en-US" dirty="0" err="1" smtClean="0"/>
-              <a:t>classification_titanic.ipynb</a:t>
-            </a:r>
-            <a:endParaRPr lang="ru-RU" dirty="0"/>
+              <a:rPr lang="en-US" sz="2800" dirty="0" err="1" smtClean="0"/>
+              <a:t>classification_titanic</a:t>
+            </a:r>
+            <a:r>
+              <a:rPr lang="ru-RU" sz="2800" dirty="0" smtClean="0"/>
+              <a:t>_</a:t>
+            </a:r>
+            <a:r>
+              <a:rPr lang="en-US" sz="2800" dirty="0" err="1" smtClean="0"/>
+              <a:t>simple.ipynb</a:t>
+            </a:r>
+            <a:endParaRPr lang="ru-RU" sz="2800" dirty="0" smtClean="0"/>
           </a:p>
           <a:p>
             <a:endParaRPr lang="ru-RU" dirty="0"/>
@@ -6227,7 +7089,7 @@
 </p:sld>
 </file>
 
-<file path=ppt/slides/slide14.xml><?xml version="1.0" encoding="utf-8"?>
+<file path=ppt/slides/slide15.xml><?xml version="1.0" encoding="utf-8"?>
 <p:sld xmlns:a="http://schemas.openxmlformats.org/drawingml/2006/main" xmlns:r="http://schemas.openxmlformats.org/officeDocument/2006/relationships" xmlns:p="http://schemas.openxmlformats.org/presentationml/2006/main">
   <p:cSld>
     <p:spTree>
@@ -6589,7 +7451,7 @@
 </p:sld>
 </file>
 
-<file path=ppt/slides/slide15.xml><?xml version="1.0" encoding="utf-8"?>
+<file path=ppt/slides/slide16.xml><?xml version="1.0" encoding="utf-8"?>
 <p:sld xmlns:a="http://schemas.openxmlformats.org/drawingml/2006/main" xmlns:r="http://schemas.openxmlformats.org/officeDocument/2006/relationships" xmlns:p="http://schemas.openxmlformats.org/presentationml/2006/main">
   <p:cSld>
     <p:spTree>
@@ -6608,30 +7470,7 @@
       </p:grpSpPr>
       <p:sp>
         <p:nvSpPr>
-          <p:cNvPr id="2" name="Заголовок 1"/>
-          <p:cNvSpPr>
-            <a:spLocks noGrp="1"/>
-          </p:cNvSpPr>
-          <p:nvPr>
-            <p:ph type="title"/>
-          </p:nvPr>
-        </p:nvSpPr>
-        <p:spPr/>
-        <p:txBody>
-          <a:bodyPr/>
-          <a:lstStyle/>
-          <a:p>
-            <a:r>
-              <a:rPr lang="en-US" dirty="0" smtClean="0"/>
-              <a:t>Classification</a:t>
-            </a:r>
-            <a:endParaRPr lang="be-BY" dirty="0"/>
-          </a:p>
-        </p:txBody>
-      </p:sp>
-      <p:sp>
-        <p:nvSpPr>
-          <p:cNvPr id="4" name="Номер слайда 3"/>
+          <p:cNvPr id="9" name="Номер слайда 3"/>
           <p:cNvSpPr>
             <a:spLocks noGrp="1"/>
           </p:cNvSpPr>
@@ -6639,468 +7478,332 @@
             <p:ph type="sldNum" sz="quarter" idx="12"/>
           </p:nvPr>
         </p:nvSpPr>
-        <p:spPr/>
+        <p:spPr>
+          <a:xfrm>
+            <a:off x="8381999" y="94079"/>
+            <a:ext cx="531395" cy="365125"/>
+          </a:xfrm>
+        </p:spPr>
         <p:txBody>
           <a:bodyPr/>
           <a:lstStyle/>
           <a:p>
-            <a:fld id="{B491C8E4-965C-47C5-86B5-2FEC2000E3F4}" type="slidenum">
-              <a:rPr lang="ru-RU" smtClean="0"/>
-              <a:pPr/>
-              <a:t>15</a:t>
-            </a:fld>
+            <a:r>
+              <a:rPr lang="ru-RU" dirty="0" smtClean="0"/>
+              <a:t>16</a:t>
+            </a:r>
             <a:endParaRPr lang="ru-RU" dirty="0"/>
           </a:p>
         </p:txBody>
       </p:sp>
       <p:sp>
         <p:nvSpPr>
-          <p:cNvPr id="6" name="Rectangle 1026"/>
-          <p:cNvSpPr>
-            <a:spLocks noGrp="1" noChangeArrowheads="1"/>
+          <p:cNvPr id="7" name="Rectangle 3"/>
+          <p:cNvSpPr txBox="1">
+            <a:spLocks noChangeArrowheads="1"/>
           </p:cNvSpPr>
           <p:nvPr/>
         </p:nvSpPr>
-        <p:spPr bwMode="auto">
+        <p:spPr>
           <a:xfrm>
-            <a:off x="869951" y="1038225"/>
-            <a:ext cx="7793037" cy="1462087"/>
+            <a:off x="838200" y="2255962"/>
+            <a:ext cx="7795428" cy="3535238"/>
           </a:xfrm>
           <a:prstGeom prst="rect">
             <a:avLst/>
           </a:prstGeom>
-          <a:noFill/>
-          <a:ln>
-            <a:noFill/>
-          </a:ln>
-          <a:effectLst/>
-          <a:extLst>
-            <a:ext uri="{909E8E84-426E-40DD-AFC4-6F175D3DCCD1}">
-              <a14:hiddenFill xmlns:a14="http://schemas.microsoft.com/office/drawing/2010/main">
-                <a:solidFill>
-                  <a:schemeClr val="accent1"/>
-                </a:solidFill>
-              </a14:hiddenFill>
-            </a:ext>
-            <a:ext uri="{91240B29-F687-4F45-9708-019B960494DF}">
-              <a14:hiddenLine xmlns:a14="http://schemas.microsoft.com/office/drawing/2010/main" w="9525">
+        </p:spPr>
+        <p:txBody>
+          <a:bodyPr vert="horz" lIns="91440" tIns="45720" rIns="91440" bIns="45720" rtlCol="0">
+            <a:normAutofit/>
+          </a:bodyPr>
+          <a:lstStyle>
+            <a:lvl1pPr marL="342900" indent="-342900" algn="l" defTabSz="914400" rtl="0" eaLnBrk="1" latinLnBrk="0" hangingPunct="1">
+              <a:spcBef>
+                <a:spcPct val="20000"/>
+              </a:spcBef>
+              <a:buClr>
+                <a:srgbClr val="7593B3"/>
+              </a:buClr>
+              <a:buFont typeface="Arial" panose="020B0604020202020204" pitchFamily="34" charset="0"/>
+              <a:buChar char="•"/>
+              <a:defRPr sz="3200" kern="1200">
                 <a:solidFill>
                   <a:schemeClr val="tx1"/>
                 </a:solidFill>
-                <a:miter lim="800000"/>
-                <a:headEnd/>
-                <a:tailEnd/>
-              </a14:hiddenLine>
-            </a:ext>
-            <a:ext uri="{AF507438-7753-43E0-B8FC-AC1667EBCBE1}">
-              <a14:hiddenEffects xmlns:a14="http://schemas.microsoft.com/office/drawing/2010/main">
-                <a:effectLst>
-                  <a:outerShdw dist="35921" dir="2700000" algn="ctr" rotWithShape="0">
-                    <a:schemeClr val="bg2"/>
-                  </a:outerShdw>
-                </a:effectLst>
-              </a14:hiddenEffects>
-            </a:ext>
-          </a:extLst>
+                <a:latin typeface="Trebuchet MS" panose="020B0603020202020204" pitchFamily="34" charset="0"/>
+                <a:ea typeface="+mn-ea"/>
+                <a:cs typeface="+mn-cs"/>
+              </a:defRPr>
+            </a:lvl1pPr>
+            <a:lvl2pPr marL="742950" indent="-285750" algn="l" defTabSz="914400" rtl="0" eaLnBrk="1" latinLnBrk="0" hangingPunct="1">
+              <a:spcBef>
+                <a:spcPct val="20000"/>
+              </a:spcBef>
+              <a:buClr>
+                <a:srgbClr val="7593B3"/>
+              </a:buClr>
+              <a:buFont typeface="Arial" panose="020B0604020202020204" pitchFamily="34" charset="0"/>
+              <a:buChar char="–"/>
+              <a:defRPr sz="2800" kern="1200">
+                <a:solidFill>
+                  <a:schemeClr val="tx1"/>
+                </a:solidFill>
+                <a:latin typeface="Trebuchet MS" panose="020B0603020202020204" pitchFamily="34" charset="0"/>
+                <a:ea typeface="+mn-ea"/>
+                <a:cs typeface="+mn-cs"/>
+              </a:defRPr>
+            </a:lvl2pPr>
+            <a:lvl3pPr marL="1143000" indent="-228600" algn="l" defTabSz="914400" rtl="0" eaLnBrk="1" latinLnBrk="0" hangingPunct="1">
+              <a:spcBef>
+                <a:spcPct val="20000"/>
+              </a:spcBef>
+              <a:buFont typeface="Arial" panose="020B0604020202020204" pitchFamily="34" charset="0"/>
+              <a:buChar char="•"/>
+              <a:defRPr sz="2400" kern="1200">
+                <a:solidFill>
+                  <a:schemeClr val="tx1"/>
+                </a:solidFill>
+                <a:latin typeface="Trebuchet MS" panose="020B0603020202020204" pitchFamily="34" charset="0"/>
+                <a:ea typeface="+mn-ea"/>
+                <a:cs typeface="+mn-cs"/>
+              </a:defRPr>
+            </a:lvl3pPr>
+            <a:lvl4pPr marL="1600200" indent="-228600" algn="l" defTabSz="914400" rtl="0" eaLnBrk="1" latinLnBrk="0" hangingPunct="1">
+              <a:spcBef>
+                <a:spcPct val="20000"/>
+              </a:spcBef>
+              <a:buFont typeface="Arial" panose="020B0604020202020204" pitchFamily="34" charset="0"/>
+              <a:buChar char="–"/>
+              <a:defRPr sz="2000" kern="1200">
+                <a:solidFill>
+                  <a:schemeClr val="tx1"/>
+                </a:solidFill>
+                <a:latin typeface="Trebuchet MS" panose="020B0603020202020204" pitchFamily="34" charset="0"/>
+                <a:ea typeface="+mn-ea"/>
+                <a:cs typeface="+mn-cs"/>
+              </a:defRPr>
+            </a:lvl4pPr>
+            <a:lvl5pPr marL="2057400" indent="-228600" algn="l" defTabSz="914400" rtl="0" eaLnBrk="1" latinLnBrk="0" hangingPunct="1">
+              <a:spcBef>
+                <a:spcPct val="20000"/>
+              </a:spcBef>
+              <a:buFont typeface="Arial" panose="020B0604020202020204" pitchFamily="34" charset="0"/>
+              <a:buChar char="»"/>
+              <a:defRPr sz="2000" kern="1200">
+                <a:solidFill>
+                  <a:schemeClr val="tx1"/>
+                </a:solidFill>
+                <a:latin typeface="Trebuchet MS" panose="020B0603020202020204" pitchFamily="34" charset="0"/>
+                <a:ea typeface="+mn-ea"/>
+                <a:cs typeface="+mn-cs"/>
+              </a:defRPr>
+            </a:lvl5pPr>
+            <a:lvl6pPr marL="2514600" indent="-228600" algn="l" defTabSz="914400" rtl="0" eaLnBrk="1" latinLnBrk="0" hangingPunct="1">
+              <a:spcBef>
+                <a:spcPct val="20000"/>
+              </a:spcBef>
+              <a:buFont typeface="Arial" panose="020B0604020202020204" pitchFamily="34" charset="0"/>
+              <a:buChar char="•"/>
+              <a:defRPr sz="2000" kern="1200">
+                <a:solidFill>
+                  <a:schemeClr val="tx1"/>
+                </a:solidFill>
+                <a:latin typeface="+mn-lt"/>
+                <a:ea typeface="+mn-ea"/>
+                <a:cs typeface="+mn-cs"/>
+              </a:defRPr>
+            </a:lvl6pPr>
+            <a:lvl7pPr marL="2971800" indent="-228600" algn="l" defTabSz="914400" rtl="0" eaLnBrk="1" latinLnBrk="0" hangingPunct="1">
+              <a:spcBef>
+                <a:spcPct val="20000"/>
+              </a:spcBef>
+              <a:buFont typeface="Arial" panose="020B0604020202020204" pitchFamily="34" charset="0"/>
+              <a:buChar char="•"/>
+              <a:defRPr sz="2000" kern="1200">
+                <a:solidFill>
+                  <a:schemeClr val="tx1"/>
+                </a:solidFill>
+                <a:latin typeface="+mn-lt"/>
+                <a:ea typeface="+mn-ea"/>
+                <a:cs typeface="+mn-cs"/>
+              </a:defRPr>
+            </a:lvl7pPr>
+            <a:lvl8pPr marL="3429000" indent="-228600" algn="l" defTabSz="914400" rtl="0" eaLnBrk="1" latinLnBrk="0" hangingPunct="1">
+              <a:spcBef>
+                <a:spcPct val="20000"/>
+              </a:spcBef>
+              <a:buFont typeface="Arial" panose="020B0604020202020204" pitchFamily="34" charset="0"/>
+              <a:buChar char="•"/>
+              <a:defRPr sz="2000" kern="1200">
+                <a:solidFill>
+                  <a:schemeClr val="tx1"/>
+                </a:solidFill>
+                <a:latin typeface="+mn-lt"/>
+                <a:ea typeface="+mn-ea"/>
+                <a:cs typeface="+mn-cs"/>
+              </a:defRPr>
+            </a:lvl8pPr>
+            <a:lvl9pPr marL="3886200" indent="-228600" algn="l" defTabSz="914400" rtl="0" eaLnBrk="1" latinLnBrk="0" hangingPunct="1">
+              <a:spcBef>
+                <a:spcPct val="20000"/>
+              </a:spcBef>
+              <a:buFont typeface="Arial" panose="020B0604020202020204" pitchFamily="34" charset="0"/>
+              <a:buChar char="•"/>
+              <a:defRPr sz="2000" kern="1200">
+                <a:solidFill>
+                  <a:schemeClr val="tx1"/>
+                </a:solidFill>
+                <a:latin typeface="+mn-lt"/>
+                <a:ea typeface="+mn-ea"/>
+                <a:cs typeface="+mn-cs"/>
+              </a:defRPr>
+            </a:lvl9pPr>
+          </a:lstStyle>
+          <a:p>
+            <a:r>
+              <a:rPr lang="en-US" b="1" dirty="0"/>
+              <a:t>Generalized Linear Models</a:t>
+            </a:r>
+          </a:p>
+          <a:p>
+            <a:pPr lvl="1"/>
+            <a:r>
+              <a:rPr lang="en-US" dirty="0" smtClean="0"/>
+              <a:t>Logistic regression</a:t>
+            </a:r>
+            <a:endParaRPr lang="en-US" dirty="0"/>
+          </a:p>
+          <a:p>
+            <a:pPr marL="0" lvl="1" indent="0">
+              <a:buNone/>
+            </a:pPr>
+            <a:r>
+              <a:rPr lang="en-US" sz="2400" i="1" dirty="0">
+                <a:solidFill>
+                  <a:srgbClr val="FF0000"/>
+                </a:solidFill>
+              </a:rPr>
+              <a:t>example </a:t>
+            </a:r>
+            <a:r>
+              <a:rPr lang="en-US" sz="2400" i="1" dirty="0" smtClean="0">
+                <a:solidFill>
+                  <a:srgbClr val="FF0000"/>
+                </a:solidFill>
+              </a:rPr>
+              <a:t>in </a:t>
+            </a:r>
+            <a:r>
+              <a:rPr lang="en-US" sz="2400" i="1" dirty="0" err="1" smtClean="0">
+                <a:solidFill>
+                  <a:srgbClr val="FF0000"/>
+                </a:solidFill>
+              </a:rPr>
+              <a:t>classification_titanic_simple.ipynb</a:t>
+            </a:r>
+            <a:endParaRPr lang="en-US" sz="2400" i="1" dirty="0">
+              <a:solidFill>
+                <a:srgbClr val="FF0000"/>
+              </a:solidFill>
+            </a:endParaRPr>
+          </a:p>
+          <a:p>
+            <a:r>
+              <a:rPr lang="en-US" b="1" dirty="0"/>
+              <a:t>Ensemble methods</a:t>
+            </a:r>
+          </a:p>
+          <a:p>
+            <a:pPr lvl="1"/>
+            <a:r>
+              <a:rPr lang="en-US" dirty="0"/>
+              <a:t>Random Forests</a:t>
+            </a:r>
+          </a:p>
+          <a:p>
+            <a:pPr lvl="1"/>
+            <a:r>
+              <a:rPr lang="en-US" dirty="0"/>
+              <a:t>Gradient Tree Boosting</a:t>
+            </a:r>
+          </a:p>
+          <a:p>
+            <a:pPr lvl="1">
+              <a:buFont typeface="Wingdings" panose="05000000000000000000" pitchFamily="2" charset="2"/>
+              <a:buChar char="§"/>
+            </a:pPr>
+            <a:endParaRPr lang="en-US" dirty="0"/>
+          </a:p>
+        </p:txBody>
+      </p:sp>
+      <p:sp>
+        <p:nvSpPr>
+          <p:cNvPr id="12" name="Rectangle 2"/>
+          <p:cNvSpPr txBox="1">
+            <a:spLocks noGrp="1" noChangeArrowheads="1"/>
+          </p:cNvSpPr>
+          <p:nvPr>
+            <p:ph type="title"/>
+          </p:nvPr>
+        </p:nvSpPr>
+        <p:spPr>
+          <a:xfrm>
+            <a:off x="118717" y="242386"/>
+            <a:ext cx="8001000" cy="1546141"/>
+          </a:xfrm>
+          <a:prstGeom prst="rect">
+            <a:avLst/>
+          </a:prstGeom>
         </p:spPr>
         <p:txBody>
-          <a:bodyPr vert="horz" wrap="square" lIns="91440" tIns="45720" rIns="91440" bIns="45720" numCol="1" anchor="b" anchorCtr="0" compatLnSpc="1">
-            <a:prstTxWarp prst="textNoShape">
-              <a:avLst/>
-            </a:prstTxWarp>
+          <a:bodyPr vert="horz" lIns="91440" tIns="45720" rIns="91440" bIns="45720" rtlCol="0" anchor="ctr">
+            <a:normAutofit fontScale="90000"/>
           </a:bodyPr>
           <a:lstStyle>
-            <a:lvl1pPr algn="l" rtl="0" fontAlgn="base">
+            <a:lvl1pPr algn="l" defTabSz="914400" rtl="0" eaLnBrk="1" latinLnBrk="0" hangingPunct="1">
               <a:spcBef>
                 <a:spcPct val="0"/>
               </a:spcBef>
-              <a:spcAft>
-                <a:spcPct val="0"/>
-              </a:spcAft>
-              <a:defRPr sz="4400" kern="1200">
+              <a:buNone/>
+              <a:defRPr sz="4400" b="0" kern="1200">
                 <a:solidFill>
-                  <a:schemeClr val="tx2"/>
+                  <a:srgbClr val="54759A"/>
                 </a:solidFill>
-                <a:latin typeface="+mj-lt"/>
+                <a:effectLst/>
+                <a:latin typeface="Trebuchet MS" panose="020B0603020202020204" pitchFamily="34" charset="0"/>
                 <a:ea typeface="+mj-ea"/>
                 <a:cs typeface="+mj-cs"/>
               </a:defRPr>
             </a:lvl1pPr>
-            <a:lvl2pPr algn="l" rtl="0" fontAlgn="base">
-              <a:spcBef>
-                <a:spcPct val="0"/>
-              </a:spcBef>
-              <a:spcAft>
-                <a:spcPct val="0"/>
-              </a:spcAft>
-              <a:defRPr sz="4400">
-                <a:solidFill>
-                  <a:schemeClr val="tx2"/>
-                </a:solidFill>
-                <a:latin typeface="Tahoma" panose="020B0604030504040204" pitchFamily="34" charset="0"/>
-              </a:defRPr>
-            </a:lvl2pPr>
-            <a:lvl3pPr algn="l" rtl="0" fontAlgn="base">
-              <a:spcBef>
-                <a:spcPct val="0"/>
-              </a:spcBef>
-              <a:spcAft>
-                <a:spcPct val="0"/>
-              </a:spcAft>
-              <a:defRPr sz="4400">
-                <a:solidFill>
-                  <a:schemeClr val="tx2"/>
-                </a:solidFill>
-                <a:latin typeface="Tahoma" panose="020B0604030504040204" pitchFamily="34" charset="0"/>
-              </a:defRPr>
-            </a:lvl3pPr>
-            <a:lvl4pPr algn="l" rtl="0" fontAlgn="base">
-              <a:spcBef>
-                <a:spcPct val="0"/>
-              </a:spcBef>
-              <a:spcAft>
-                <a:spcPct val="0"/>
-              </a:spcAft>
-              <a:defRPr sz="4400">
-                <a:solidFill>
-                  <a:schemeClr val="tx2"/>
-                </a:solidFill>
-                <a:latin typeface="Tahoma" panose="020B0604030504040204" pitchFamily="34" charset="0"/>
-              </a:defRPr>
-            </a:lvl4pPr>
-            <a:lvl5pPr algn="l" rtl="0" fontAlgn="base">
-              <a:spcBef>
-                <a:spcPct val="0"/>
-              </a:spcBef>
-              <a:spcAft>
-                <a:spcPct val="0"/>
-              </a:spcAft>
-              <a:defRPr sz="4400">
-                <a:solidFill>
-                  <a:schemeClr val="tx2"/>
-                </a:solidFill>
-                <a:latin typeface="Tahoma" panose="020B0604030504040204" pitchFamily="34" charset="0"/>
-              </a:defRPr>
-            </a:lvl5pPr>
-            <a:lvl6pPr marL="457200" algn="l" rtl="0" fontAlgn="base">
-              <a:spcBef>
-                <a:spcPct val="0"/>
-              </a:spcBef>
-              <a:spcAft>
-                <a:spcPct val="0"/>
-              </a:spcAft>
-              <a:defRPr sz="4400">
-                <a:solidFill>
-                  <a:schemeClr val="tx2"/>
-                </a:solidFill>
-                <a:latin typeface="Tahoma" panose="020B0604030504040204" pitchFamily="34" charset="0"/>
-              </a:defRPr>
-            </a:lvl6pPr>
-            <a:lvl7pPr marL="914400" algn="l" rtl="0" fontAlgn="base">
-              <a:spcBef>
-                <a:spcPct val="0"/>
-              </a:spcBef>
-              <a:spcAft>
-                <a:spcPct val="0"/>
-              </a:spcAft>
-              <a:defRPr sz="4400">
-                <a:solidFill>
-                  <a:schemeClr val="tx2"/>
-                </a:solidFill>
-                <a:latin typeface="Tahoma" panose="020B0604030504040204" pitchFamily="34" charset="0"/>
-              </a:defRPr>
-            </a:lvl7pPr>
-            <a:lvl8pPr marL="1371600" algn="l" rtl="0" fontAlgn="base">
-              <a:spcBef>
-                <a:spcPct val="0"/>
-              </a:spcBef>
-              <a:spcAft>
-                <a:spcPct val="0"/>
-              </a:spcAft>
-              <a:defRPr sz="4400">
-                <a:solidFill>
-                  <a:schemeClr val="tx2"/>
-                </a:solidFill>
-                <a:latin typeface="Tahoma" panose="020B0604030504040204" pitchFamily="34" charset="0"/>
-              </a:defRPr>
-            </a:lvl8pPr>
-            <a:lvl9pPr marL="1828800" algn="l" rtl="0" fontAlgn="base">
-              <a:spcBef>
-                <a:spcPct val="0"/>
-              </a:spcBef>
-              <a:spcAft>
-                <a:spcPct val="0"/>
-              </a:spcAft>
-              <a:defRPr sz="4400">
-                <a:solidFill>
-                  <a:schemeClr val="tx2"/>
-                </a:solidFill>
-                <a:latin typeface="Tahoma" panose="020B0604030504040204" pitchFamily="34" charset="0"/>
-              </a:defRPr>
-            </a:lvl9pPr>
           </a:lstStyle>
           <a:p>
-            <a:endParaRPr lang="en-US" altLang="be-BY" dirty="0"/>
+            <a:r>
+              <a:rPr lang="en-US" sz="3800" b="1" dirty="0" smtClean="0"/>
+              <a:t>Some models for binary classification</a:t>
+            </a:r>
+            <a:br>
+              <a:rPr lang="en-US" sz="3800" b="1" dirty="0" smtClean="0"/>
+            </a:br>
+            <a:r>
+              <a:rPr lang="en-US" sz="3800" b="1" dirty="0" smtClean="0"/>
+              <a:t>in Python </a:t>
+            </a:r>
+            <a:r>
+              <a:rPr lang="en-US" sz="3800" b="1" dirty="0" err="1" smtClean="0"/>
+              <a:t>scikit</a:t>
+            </a:r>
+            <a:r>
+              <a:rPr lang="en-US" sz="3800" b="1" dirty="0" smtClean="0"/>
+              <a:t>-learn</a:t>
+            </a:r>
+            <a:endParaRPr lang="en-US" altLang="be-BY" sz="3800" b="1" dirty="0"/>
           </a:p>
         </p:txBody>
       </p:sp>
-      <p:graphicFrame>
-        <p:nvGraphicFramePr>
-          <p:cNvPr id="11" name="Объект 4"/>
-          <p:cNvGraphicFramePr>
-            <a:graphicFrameLocks/>
-          </p:cNvGraphicFramePr>
-          <p:nvPr>
-            <p:extLst>
-              <p:ext uri="{D42A27DB-BD31-4B8C-83A1-F6EECF244321}">
-                <p14:modId xmlns:p14="http://schemas.microsoft.com/office/powerpoint/2010/main" val="4225935894"/>
-              </p:ext>
-            </p:extLst>
-          </p:nvPr>
-        </p:nvGraphicFramePr>
-        <p:xfrm>
-          <a:off x="628650" y="2209800"/>
-          <a:ext cx="7886700" cy="3194209"/>
-        </p:xfrm>
-        <a:graphic>
-          <a:graphicData uri="http://schemas.openxmlformats.org/drawingml/2006/table">
-            <a:tbl>
-              <a:tblPr firstRow="1" bandRow="1">
-                <a:tableStyleId>{5C22544A-7EE6-4342-B048-85BDC9FD1C3A}</a:tableStyleId>
-              </a:tblPr>
-              <a:tblGrid>
-                <a:gridCol w="3943350"/>
-                <a:gridCol w="3943350"/>
-              </a:tblGrid>
-              <a:tr h="3194209">
-                <a:tc>
-                  <a:txBody>
-                    <a:bodyPr/>
-                    <a:lstStyle/>
-                    <a:p>
-                      <a:pPr algn="ctr"/>
-                      <a:endParaRPr lang="en-US" sz="3200" kern="1200" dirty="0" smtClean="0">
-                        <a:solidFill>
-                          <a:schemeClr val="tx1"/>
-                        </a:solidFill>
-                        <a:latin typeface="Trebuchet MS" panose="020B0603020202020204" pitchFamily="34" charset="0"/>
-                        <a:ea typeface="+mn-ea"/>
-                        <a:cs typeface="+mn-cs"/>
-                      </a:endParaRPr>
-                    </a:p>
-                    <a:p>
-                      <a:pPr algn="ctr"/>
-                      <a:r>
-                        <a:rPr lang="en-US" sz="3200" kern="1200" dirty="0" smtClean="0">
-                          <a:solidFill>
-                            <a:schemeClr val="tx1"/>
-                          </a:solidFill>
-                          <a:latin typeface="Trebuchet MS" panose="020B0603020202020204" pitchFamily="34" charset="0"/>
-                          <a:ea typeface="+mn-ea"/>
-                          <a:cs typeface="+mn-cs"/>
-                        </a:rPr>
-                        <a:t>Binary</a:t>
-                      </a:r>
-                    </a:p>
-                    <a:p>
-                      <a:pPr algn="ctr"/>
-                      <a:endParaRPr lang="en-US" sz="3200" kern="1200" dirty="0" smtClean="0">
-                        <a:solidFill>
-                          <a:schemeClr val="tx1"/>
-                        </a:solidFill>
-                        <a:latin typeface="Trebuchet MS" panose="020B0603020202020204" pitchFamily="34" charset="0"/>
-                        <a:ea typeface="+mn-ea"/>
-                        <a:cs typeface="+mn-cs"/>
-                      </a:endParaRPr>
-                    </a:p>
-                    <a:p>
-                      <a:pPr algn="ctr"/>
-                      <a:r>
-                        <a:rPr lang="en-US" sz="3200" b="0" kern="1200" dirty="0" smtClean="0">
-                          <a:solidFill>
-                            <a:schemeClr val="tx1"/>
-                          </a:solidFill>
-                          <a:latin typeface="Trebuchet MS" panose="020B0603020202020204" pitchFamily="34" charset="0"/>
-                          <a:ea typeface="+mn-ea"/>
-                          <a:cs typeface="+mn-cs"/>
-                        </a:rPr>
-                        <a:t>2 classes</a:t>
-                      </a:r>
-                    </a:p>
-                    <a:p>
-                      <a:pPr algn="ctr"/>
-                      <a:endParaRPr lang="en-US" sz="3200" kern="1200" dirty="0" smtClean="0">
-                        <a:solidFill>
-                          <a:schemeClr val="tx1"/>
-                        </a:solidFill>
-                        <a:latin typeface="Trebuchet MS" panose="020B0603020202020204" pitchFamily="34" charset="0"/>
-                        <a:ea typeface="+mn-ea"/>
-                        <a:cs typeface="+mn-cs"/>
-                      </a:endParaRPr>
-                    </a:p>
-                    <a:p>
-                      <a:pPr algn="l"/>
-                      <a:endParaRPr lang="ru-RU" sz="3200" kern="1200" dirty="0">
-                        <a:solidFill>
-                          <a:schemeClr val="tx1"/>
-                        </a:solidFill>
-                        <a:latin typeface="Trebuchet MS" panose="020B0603020202020204" pitchFamily="34" charset="0"/>
-                        <a:ea typeface="+mn-ea"/>
-                        <a:cs typeface="+mn-cs"/>
-                      </a:endParaRPr>
-                    </a:p>
-                  </a:txBody>
-                  <a:tcPr marL="68580" marR="68580" marT="34290" marB="34290">
-                    <a:lnL w="12700" cap="flat" cmpd="sng" algn="ctr">
-                      <a:solidFill>
-                        <a:schemeClr val="tx1"/>
-                      </a:solidFill>
-                      <a:prstDash val="solid"/>
-                      <a:round/>
-                      <a:headEnd type="none" w="med" len="med"/>
-                      <a:tailEnd type="none" w="med" len="med"/>
-                    </a:lnL>
-                    <a:lnR w="12700" cap="flat" cmpd="sng" algn="ctr">
-                      <a:solidFill>
-                        <a:schemeClr val="tx1"/>
-                      </a:solidFill>
-                      <a:prstDash val="solid"/>
-                      <a:round/>
-                      <a:headEnd type="none" w="med" len="med"/>
-                      <a:tailEnd type="none" w="med" len="med"/>
-                    </a:lnR>
-                    <a:lnT w="12700" cap="flat" cmpd="sng" algn="ctr">
-                      <a:solidFill>
-                        <a:schemeClr val="tx1"/>
-                      </a:solidFill>
-                      <a:prstDash val="solid"/>
-                      <a:round/>
-                      <a:headEnd type="none" w="med" len="med"/>
-                      <a:tailEnd type="none" w="med" len="med"/>
-                    </a:lnT>
-                    <a:lnB w="12700" cap="flat" cmpd="sng" algn="ctr">
-                      <a:solidFill>
-                        <a:schemeClr val="tx1"/>
-                      </a:solidFill>
-                      <a:prstDash val="solid"/>
-                      <a:round/>
-                      <a:headEnd type="none" w="med" len="med"/>
-                      <a:tailEnd type="none" w="med" len="med"/>
-                    </a:lnB>
-                    <a:noFill/>
-                  </a:tcPr>
-                </a:tc>
-                <a:tc>
-                  <a:txBody>
-                    <a:bodyPr/>
-                    <a:lstStyle/>
-                    <a:p>
-                      <a:pPr algn="ctr"/>
-                      <a:endParaRPr lang="en-US" sz="3200" kern="1200" dirty="0" smtClean="0">
-                        <a:solidFill>
-                          <a:schemeClr val="tx1"/>
-                        </a:solidFill>
-                        <a:latin typeface="Trebuchet MS" panose="020B0603020202020204" pitchFamily="34" charset="0"/>
-                        <a:ea typeface="+mn-ea"/>
-                        <a:cs typeface="+mn-cs"/>
-                      </a:endParaRPr>
-                    </a:p>
-                    <a:p>
-                      <a:pPr algn="ctr"/>
-                      <a:r>
-                        <a:rPr lang="en-US" sz="3200" kern="1200" dirty="0" smtClean="0">
-                          <a:solidFill>
-                            <a:schemeClr val="tx1"/>
-                          </a:solidFill>
-                          <a:latin typeface="Trebuchet MS" panose="020B0603020202020204" pitchFamily="34" charset="0"/>
-                          <a:ea typeface="+mn-ea"/>
-                          <a:cs typeface="+mn-cs"/>
-                        </a:rPr>
-                        <a:t>Multiclass</a:t>
-                      </a:r>
-                    </a:p>
-                    <a:p>
-                      <a:pPr algn="ctr"/>
-                      <a:endParaRPr lang="ru-RU" sz="3200" kern="1200" dirty="0" smtClean="0">
-                        <a:solidFill>
-                          <a:schemeClr val="tx1"/>
-                        </a:solidFill>
-                        <a:latin typeface="Trebuchet MS" panose="020B0603020202020204" pitchFamily="34" charset="0"/>
-                        <a:ea typeface="+mn-ea"/>
-                        <a:cs typeface="+mn-cs"/>
-                      </a:endParaRPr>
-                    </a:p>
-                    <a:p>
-                      <a:pPr algn="ctr"/>
-                      <a:r>
-                        <a:rPr lang="en-US" sz="3200" b="0" kern="1200" dirty="0" smtClean="0">
-                          <a:solidFill>
-                            <a:schemeClr val="tx1"/>
-                          </a:solidFill>
-                          <a:latin typeface="Trebuchet MS" panose="020B0603020202020204" pitchFamily="34" charset="0"/>
-                          <a:ea typeface="+mn-ea"/>
-                          <a:cs typeface="+mn-cs"/>
-                        </a:rPr>
-                        <a:t>more than 2 classes</a:t>
-                      </a:r>
-                      <a:endParaRPr lang="ru-RU" sz="3200" b="0" kern="1200" dirty="0">
-                        <a:solidFill>
-                          <a:schemeClr val="tx1"/>
-                        </a:solidFill>
-                        <a:latin typeface="Trebuchet MS" panose="020B0603020202020204" pitchFamily="34" charset="0"/>
-                        <a:ea typeface="+mn-ea"/>
-                        <a:cs typeface="+mn-cs"/>
-                      </a:endParaRPr>
-                    </a:p>
-                  </a:txBody>
-                  <a:tcPr marL="68580" marR="68580" marT="34290" marB="34290">
-                    <a:lnL w="12700" cap="flat" cmpd="sng" algn="ctr">
-                      <a:solidFill>
-                        <a:schemeClr val="tx1"/>
-                      </a:solidFill>
-                      <a:prstDash val="solid"/>
-                      <a:round/>
-                      <a:headEnd type="none" w="med" len="med"/>
-                      <a:tailEnd type="none" w="med" len="med"/>
-                    </a:lnL>
-                    <a:lnR w="12700" cap="flat" cmpd="sng" algn="ctr">
-                      <a:solidFill>
-                        <a:schemeClr val="tx1"/>
-                      </a:solidFill>
-                      <a:prstDash val="solid"/>
-                      <a:round/>
-                      <a:headEnd type="none" w="med" len="med"/>
-                      <a:tailEnd type="none" w="med" len="med"/>
-                    </a:lnR>
-                    <a:lnT w="12700" cap="flat" cmpd="sng" algn="ctr">
-                      <a:solidFill>
-                        <a:schemeClr val="tx1"/>
-                      </a:solidFill>
-                      <a:prstDash val="solid"/>
-                      <a:round/>
-                      <a:headEnd type="none" w="med" len="med"/>
-                      <a:tailEnd type="none" w="med" len="med"/>
-                    </a:lnT>
-                    <a:lnB w="12700" cap="flat" cmpd="sng" algn="ctr">
-                      <a:solidFill>
-                        <a:schemeClr val="tx1"/>
-                      </a:solidFill>
-                      <a:prstDash val="solid"/>
-                      <a:round/>
-                      <a:headEnd type="none" w="med" len="med"/>
-                      <a:tailEnd type="none" w="med" len="med"/>
-                    </a:lnB>
-                    <a:noFill/>
-                  </a:tcPr>
-                </a:tc>
-              </a:tr>
-            </a:tbl>
-          </a:graphicData>
-        </a:graphic>
-      </p:graphicFrame>
       <p:sp>
         <p:nvSpPr>
-          <p:cNvPr id="7" name="Нижний колонтитул 4"/>
+          <p:cNvPr id="6" name="Нижний колонтитул 4"/>
           <p:cNvSpPr>
             <a:spLocks noGrp="1"/>
           </p:cNvSpPr>
@@ -7133,7 +7836,7 @@
     </p:spTree>
     <p:extLst>
       <p:ext uri="{BB962C8B-B14F-4D97-AF65-F5344CB8AC3E}">
-        <p14:creationId xmlns:p14="http://schemas.microsoft.com/office/powerpoint/2010/main" val="626696442"/>
+        <p14:creationId xmlns:p14="http://schemas.microsoft.com/office/powerpoint/2010/main" val="2525940299"/>
       </p:ext>
     </p:extLst>
   </p:cSld>
@@ -7150,7 +7853,7 @@
 </p:sld>
 </file>
 
-<file path=ppt/slides/slide16.xml><?xml version="1.0" encoding="utf-8"?>
+<file path=ppt/slides/slide17.xml><?xml version="1.0" encoding="utf-8"?>
 <p:sld xmlns:a="http://schemas.openxmlformats.org/drawingml/2006/main" xmlns:r="http://schemas.openxmlformats.org/officeDocument/2006/relationships" xmlns:p="http://schemas.openxmlformats.org/presentationml/2006/main">
   <p:cSld>
     <p:spTree>
@@ -7263,8 +7966,8 @@
           <a:lstStyle/>
           <a:p>
             <a:r>
-              <a:rPr lang="en-US" dirty="0" smtClean="0"/>
-              <a:t>33</a:t>
+              <a:rPr lang="ru-RU" dirty="0" smtClean="0"/>
+              <a:t>17</a:t>
             </a:r>
             <a:endParaRPr lang="ru-RU" dirty="0"/>
           </a:p>
@@ -8374,7 +9077,7 @@
 </p:sld>
 </file>
 
-<file path=ppt/slides/slide17.xml><?xml version="1.0" encoding="utf-8"?>
+<file path=ppt/slides/slide18.xml><?xml version="1.0" encoding="utf-8"?>
 <p:sld xmlns:a="http://schemas.openxmlformats.org/drawingml/2006/main" xmlns:r="http://schemas.openxmlformats.org/officeDocument/2006/relationships" xmlns:p="http://schemas.openxmlformats.org/presentationml/2006/main">
   <p:cSld>
     <p:spTree>
@@ -8457,8 +9160,8 @@
           <a:lstStyle/>
           <a:p>
             <a:r>
-              <a:rPr lang="en-US" dirty="0" smtClean="0"/>
-              <a:t>34</a:t>
+              <a:rPr lang="ru-RU" dirty="0" smtClean="0"/>
+              <a:t>18</a:t>
             </a:r>
             <a:endParaRPr lang="ru-RU" dirty="0"/>
           </a:p>
@@ -8653,7 +9356,461 @@
 </p:sld>
 </file>
 
-<file path=ppt/slides/slide18.xml><?xml version="1.0" encoding="utf-8"?>
+<file path=ppt/slides/slide19.xml><?xml version="1.0" encoding="utf-8"?>
+<p:sld xmlns:a="http://schemas.openxmlformats.org/drawingml/2006/main" xmlns:r="http://schemas.openxmlformats.org/officeDocument/2006/relationships" xmlns:p="http://schemas.openxmlformats.org/presentationml/2006/main">
+  <p:cSld>
+    <p:spTree>
+      <p:nvGrpSpPr>
+        <p:cNvPr id="1" name=""/>
+        <p:cNvGrpSpPr/>
+        <p:nvPr/>
+      </p:nvGrpSpPr>
+      <p:grpSpPr>
+        <a:xfrm>
+          <a:off x="0" y="0"/>
+          <a:ext cx="0" cy="0"/>
+          <a:chOff x="0" y="0"/>
+          <a:chExt cx="0" cy="0"/>
+        </a:xfrm>
+      </p:grpSpPr>
+      <p:sp>
+        <p:nvSpPr>
+          <p:cNvPr id="8" name="Rectangle 2"/>
+          <p:cNvSpPr txBox="1">
+            <a:spLocks noGrp="1" noChangeArrowheads="1"/>
+          </p:cNvSpPr>
+          <p:nvPr>
+            <p:ph type="title"/>
+          </p:nvPr>
+        </p:nvSpPr>
+        <p:spPr>
+          <a:prstGeom prst="rect">
+            <a:avLst/>
+          </a:prstGeom>
+        </p:spPr>
+        <p:txBody>
+          <a:bodyPr vert="horz" lIns="91440" tIns="45720" rIns="91440" bIns="45720" rtlCol="0" anchor="ctr">
+            <a:normAutofit/>
+          </a:bodyPr>
+          <a:lstStyle>
+            <a:lvl1pPr algn="l" defTabSz="914400" rtl="0" eaLnBrk="1" latinLnBrk="0" hangingPunct="1">
+              <a:spcBef>
+                <a:spcPct val="0"/>
+              </a:spcBef>
+              <a:buNone/>
+              <a:defRPr sz="4400" b="0" kern="1200">
+                <a:solidFill>
+                  <a:srgbClr val="54759A"/>
+                </a:solidFill>
+                <a:effectLst/>
+                <a:latin typeface="Trebuchet MS" panose="020B0603020202020204" pitchFamily="34" charset="0"/>
+                <a:ea typeface="+mj-ea"/>
+                <a:cs typeface="+mj-cs"/>
+              </a:defRPr>
+            </a:lvl1pPr>
+          </a:lstStyle>
+          <a:p>
+            <a:r>
+              <a:rPr lang="en-US" dirty="0" smtClean="0"/>
+              <a:t>Regression</a:t>
+            </a:r>
+            <a:endParaRPr lang="en-US" altLang="be-BY" dirty="0"/>
+          </a:p>
+        </p:txBody>
+      </p:sp>
+      <p:sp>
+        <p:nvSpPr>
+          <p:cNvPr id="9" name="Номер слайда 3"/>
+          <p:cNvSpPr>
+            <a:spLocks noGrp="1"/>
+          </p:cNvSpPr>
+          <p:nvPr>
+            <p:ph type="sldNum" sz="quarter" idx="12"/>
+          </p:nvPr>
+        </p:nvSpPr>
+        <p:spPr>
+          <a:xfrm>
+            <a:off x="8381999" y="94079"/>
+            <a:ext cx="531395" cy="365125"/>
+          </a:xfrm>
+        </p:spPr>
+        <p:txBody>
+          <a:bodyPr/>
+          <a:lstStyle/>
+          <a:p>
+            <a:r>
+              <a:rPr lang="ru-RU" dirty="0" smtClean="0"/>
+              <a:t>1</a:t>
+            </a:r>
+            <a:r>
+              <a:rPr lang="en-US" dirty="0" smtClean="0"/>
+              <a:t>9</a:t>
+            </a:r>
+            <a:endParaRPr lang="ru-RU" dirty="0"/>
+          </a:p>
+        </p:txBody>
+      </p:sp>
+      <p:sp>
+        <p:nvSpPr>
+          <p:cNvPr id="5" name="TextBox 4"/>
+          <p:cNvSpPr txBox="1"/>
+          <p:nvPr/>
+        </p:nvSpPr>
+        <p:spPr>
+          <a:xfrm>
+            <a:off x="228600" y="933335"/>
+            <a:ext cx="8001000" cy="954107"/>
+          </a:xfrm>
+          <a:prstGeom prst="rect">
+            <a:avLst/>
+          </a:prstGeom>
+          <a:noFill/>
+        </p:spPr>
+        <p:txBody>
+          <a:bodyPr wrap="square" rtlCol="0">
+            <a:spAutoFit/>
+          </a:bodyPr>
+          <a:lstStyle/>
+          <a:p>
+            <a:r>
+              <a:rPr lang="en-US" sz="2800" b="1" dirty="0">
+                <a:latin typeface="Trebuchet MS" panose="020B0603020202020204" pitchFamily="34" charset="0"/>
+              </a:rPr>
+              <a:t>Decision trees</a:t>
+            </a:r>
+            <a:r>
+              <a:rPr lang="ru-RU" sz="2800" b="1" dirty="0">
+                <a:latin typeface="Trebuchet MS" panose="020B0603020202020204" pitchFamily="34" charset="0"/>
+              </a:rPr>
+              <a:t/>
+            </a:r>
+            <a:br>
+              <a:rPr lang="ru-RU" sz="2800" b="1" dirty="0">
+                <a:latin typeface="Trebuchet MS" panose="020B0603020202020204" pitchFamily="34" charset="0"/>
+              </a:rPr>
+            </a:br>
+            <a:r>
+              <a:rPr lang="en-US" sz="2800" b="1" dirty="0">
+                <a:latin typeface="Trebuchet MS" panose="020B0603020202020204" pitchFamily="34" charset="0"/>
+              </a:rPr>
+              <a:t>Bagging, Random </a:t>
+            </a:r>
+            <a:r>
+              <a:rPr lang="en-US" sz="2800" b="1" dirty="0" err="1" smtClean="0">
+                <a:latin typeface="Trebuchet MS" panose="020B0603020202020204" pitchFamily="34" charset="0"/>
+              </a:rPr>
+              <a:t>Forests,Gradient</a:t>
+            </a:r>
+            <a:r>
+              <a:rPr lang="en-US" sz="2800" b="1" dirty="0" smtClean="0">
+                <a:latin typeface="Trebuchet MS" panose="020B0603020202020204" pitchFamily="34" charset="0"/>
+              </a:rPr>
+              <a:t> Boosting</a:t>
+            </a:r>
+          </a:p>
+        </p:txBody>
+      </p:sp>
+      <p:sp>
+        <p:nvSpPr>
+          <p:cNvPr id="10" name="Нижний колонтитул 4"/>
+          <p:cNvSpPr>
+            <a:spLocks noGrp="1"/>
+          </p:cNvSpPr>
+          <p:nvPr>
+            <p:ph type="ftr" sz="quarter" idx="11"/>
+          </p:nvPr>
+        </p:nvSpPr>
+        <p:spPr>
+          <a:xfrm>
+            <a:off x="228600" y="6629400"/>
+            <a:ext cx="6172200" cy="228601"/>
+          </a:xfrm>
+        </p:spPr>
+        <p:txBody>
+          <a:bodyPr/>
+          <a:lstStyle/>
+          <a:p>
+            <a:r>
+              <a:rPr lang="en-US" b="1" dirty="0"/>
+              <a:t>ML-course. </a:t>
+            </a:r>
+            <a:r>
+              <a:rPr lang="en-US" dirty="0" smtClean="0"/>
+              <a:t>Classification</a:t>
+            </a:r>
+            <a:endParaRPr lang="ru-RU" dirty="0"/>
+          </a:p>
+        </p:txBody>
+      </p:sp>
+      <p:pic>
+        <p:nvPicPr>
+          <p:cNvPr id="12" name="Рисунок 11" descr="https://habrastorage.org/storage/habraeffect/70/89/70897233f8bc327f08a9b4215ccb437f.png">
+            <a:hlinkClick r:id="rId2" tooltip="&quot;Хабрэффект.ру&quot;"/>
+          </p:cNvPr>
+          <p:cNvPicPr>
+            <a:picLocks noChangeAspect="1"/>
+          </p:cNvPicPr>
+          <p:nvPr/>
+        </p:nvPicPr>
+        <p:blipFill>
+          <a:blip r:embed="rId3">
+            <a:extLst>
+              <a:ext uri="{28A0092B-C50C-407E-A947-70E740481C1C}">
+                <a14:useLocalDpi xmlns:a14="http://schemas.microsoft.com/office/drawing/2010/main" val="0"/>
+              </a:ext>
+            </a:extLst>
+          </a:blip>
+          <a:srcRect/>
+          <a:stretch>
+            <a:fillRect/>
+          </a:stretch>
+        </p:blipFill>
+        <p:spPr bwMode="auto">
+          <a:xfrm>
+            <a:off x="1438174" y="1833682"/>
+            <a:ext cx="7475220" cy="4754880"/>
+          </a:xfrm>
+          <a:prstGeom prst="rect">
+            <a:avLst/>
+          </a:prstGeom>
+          <a:noFill/>
+          <a:ln>
+            <a:noFill/>
+          </a:ln>
+        </p:spPr>
+      </p:pic>
+    </p:spTree>
+    <p:extLst>
+      <p:ext uri="{BB962C8B-B14F-4D97-AF65-F5344CB8AC3E}">
+        <p14:creationId xmlns:p14="http://schemas.microsoft.com/office/powerpoint/2010/main" val="626572826"/>
+      </p:ext>
+    </p:extLst>
+  </p:cSld>
+  <p:clrMapOvr>
+    <a:masterClrMapping/>
+  </p:clrMapOvr>
+  <p:timing>
+    <p:tnLst>
+      <p:par>
+        <p:cTn id="1" dur="indefinite" restart="never" nodeType="tmRoot"/>
+      </p:par>
+    </p:tnLst>
+  </p:timing>
+</p:sld>
+</file>
+
+<file path=ppt/slides/slide2.xml><?xml version="1.0" encoding="utf-8"?>
+<p:sld xmlns:a="http://schemas.openxmlformats.org/drawingml/2006/main" xmlns:r="http://schemas.openxmlformats.org/officeDocument/2006/relationships" xmlns:p="http://schemas.openxmlformats.org/presentationml/2006/main">
+  <p:cSld>
+    <p:spTree>
+      <p:nvGrpSpPr>
+        <p:cNvPr id="1" name=""/>
+        <p:cNvGrpSpPr/>
+        <p:nvPr/>
+      </p:nvGrpSpPr>
+      <p:grpSpPr>
+        <a:xfrm>
+          <a:off x="0" y="0"/>
+          <a:ext cx="0" cy="0"/>
+          <a:chOff x="0" y="0"/>
+          <a:chExt cx="0" cy="0"/>
+        </a:xfrm>
+      </p:grpSpPr>
+      <p:sp>
+        <p:nvSpPr>
+          <p:cNvPr id="2" name="Заголовок 1"/>
+          <p:cNvSpPr>
+            <a:spLocks noGrp="1"/>
+          </p:cNvSpPr>
+          <p:nvPr>
+            <p:ph type="title"/>
+          </p:nvPr>
+        </p:nvSpPr>
+        <p:spPr/>
+        <p:txBody>
+          <a:bodyPr/>
+          <a:lstStyle/>
+          <a:p>
+            <a:r>
+              <a:rPr lang="en-US" dirty="0" smtClean="0"/>
+              <a:t>Reference</a:t>
+            </a:r>
+            <a:endParaRPr lang="ru-RU" dirty="0"/>
+          </a:p>
+        </p:txBody>
+      </p:sp>
+      <p:sp>
+        <p:nvSpPr>
+          <p:cNvPr id="3" name="Объект 2"/>
+          <p:cNvSpPr>
+            <a:spLocks noGrp="1"/>
+          </p:cNvSpPr>
+          <p:nvPr>
+            <p:ph idx="1"/>
+          </p:nvPr>
+        </p:nvSpPr>
+        <p:spPr>
+          <a:xfrm>
+            <a:off x="228600" y="1219200"/>
+            <a:ext cx="8686800" cy="2590800"/>
+          </a:xfrm>
+        </p:spPr>
+        <p:txBody>
+          <a:bodyPr/>
+          <a:lstStyle/>
+          <a:p>
+            <a:pPr marL="0" indent="0">
+              <a:buNone/>
+            </a:pPr>
+            <a:r>
+              <a:rPr lang="en-US" i="1" dirty="0"/>
+              <a:t>An Introduction to Statistical Learning</a:t>
+            </a:r>
+            <a:r>
+              <a:rPr lang="en-US" dirty="0"/>
+              <a:t> by Gareth James, Daniela Witten, Trevor Hastie, and Robert </a:t>
+            </a:r>
+            <a:r>
+              <a:rPr lang="en-US" dirty="0" err="1"/>
+              <a:t>Tibshirani</a:t>
+            </a:r>
+            <a:r>
+              <a:rPr lang="en-US" dirty="0"/>
+              <a:t>, </a:t>
+            </a:r>
+            <a:r>
+              <a:rPr lang="en-US" dirty="0">
+                <a:hlinkClick r:id="rId2"/>
+              </a:rPr>
+              <a:t>http://www-bcf.usc.edu/~gareth/ISL/</a:t>
+            </a:r>
+            <a:r>
+              <a:rPr lang="en-US" dirty="0"/>
+              <a:t> </a:t>
+            </a:r>
+            <a:br>
+              <a:rPr lang="en-US" dirty="0"/>
+            </a:br>
+            <a:r>
+              <a:rPr lang="en-US" dirty="0"/>
+              <a:t>(available online for free)</a:t>
+            </a:r>
+            <a:endParaRPr lang="ru-RU" dirty="0"/>
+          </a:p>
+          <a:p>
+            <a:pPr marL="0" indent="0">
+              <a:buNone/>
+            </a:pPr>
+            <a:endParaRPr lang="ru-RU" dirty="0"/>
+          </a:p>
+        </p:txBody>
+      </p:sp>
+      <p:sp>
+        <p:nvSpPr>
+          <p:cNvPr id="4" name="Номер слайда 3"/>
+          <p:cNvSpPr>
+            <a:spLocks noGrp="1"/>
+          </p:cNvSpPr>
+          <p:nvPr>
+            <p:ph type="sldNum" sz="quarter" idx="12"/>
+          </p:nvPr>
+        </p:nvSpPr>
+        <p:spPr/>
+        <p:txBody>
+          <a:bodyPr/>
+          <a:lstStyle/>
+          <a:p>
+            <a:fld id="{B491C8E4-965C-47C5-86B5-2FEC2000E3F4}" type="slidenum">
+              <a:rPr lang="ru-RU" smtClean="0"/>
+              <a:pPr/>
+              <a:t>2</a:t>
+            </a:fld>
+            <a:endParaRPr lang="ru-RU" dirty="0"/>
+          </a:p>
+        </p:txBody>
+      </p:sp>
+      <p:sp>
+        <p:nvSpPr>
+          <p:cNvPr id="5" name="Нижний колонтитул 4"/>
+          <p:cNvSpPr>
+            <a:spLocks noGrp="1"/>
+          </p:cNvSpPr>
+          <p:nvPr>
+            <p:ph type="ftr" sz="quarter" idx="11"/>
+          </p:nvPr>
+        </p:nvSpPr>
+        <p:spPr/>
+        <p:txBody>
+          <a:bodyPr/>
+          <a:lstStyle/>
+          <a:p>
+            <a:r>
+              <a:rPr lang="en-US" b="1" dirty="0"/>
+              <a:t>ML-course. </a:t>
+            </a:r>
+            <a:r>
+              <a:rPr lang="en-US" dirty="0" smtClean="0"/>
+              <a:t>Classification</a:t>
+            </a:r>
+            <a:endParaRPr lang="ru-RU" dirty="0"/>
+          </a:p>
+        </p:txBody>
+      </p:sp>
+      <p:pic>
+        <p:nvPicPr>
+          <p:cNvPr id="1028" name="Picture 4" descr="http://www-bcf.usc.edu/~gareth/ISL/ISL%20Cover%202.jpg"/>
+          <p:cNvPicPr>
+            <a:picLocks noChangeAspect="1" noChangeArrowheads="1"/>
+          </p:cNvPicPr>
+          <p:nvPr/>
+        </p:nvPicPr>
+        <p:blipFill>
+          <a:blip r:embed="rId3" cstate="print">
+            <a:extLst>
+              <a:ext uri="{28A0092B-C50C-407E-A947-70E740481C1C}">
+                <a14:useLocalDpi xmlns:a14="http://schemas.microsoft.com/office/drawing/2010/main" val="0"/>
+              </a:ext>
+            </a:extLst>
+          </a:blip>
+          <a:srcRect/>
+          <a:stretch>
+            <a:fillRect/>
+          </a:stretch>
+        </p:blipFill>
+        <p:spPr bwMode="auto">
+          <a:xfrm>
+            <a:off x="6324600" y="3048000"/>
+            <a:ext cx="1764487" cy="2658466"/>
+          </a:xfrm>
+          <a:prstGeom prst="rect">
+            <a:avLst/>
+          </a:prstGeom>
+          <a:noFill/>
+          <a:extLst>
+            <a:ext uri="{909E8E84-426E-40DD-AFC4-6F175D3DCCD1}">
+              <a14:hiddenFill xmlns:a14="http://schemas.microsoft.com/office/drawing/2010/main">
+                <a:solidFill>
+                  <a:srgbClr val="FFFFFF"/>
+                </a:solidFill>
+              </a14:hiddenFill>
+            </a:ext>
+          </a:extLst>
+        </p:spPr>
+      </p:pic>
+    </p:spTree>
+    <p:extLst>
+      <p:ext uri="{BB962C8B-B14F-4D97-AF65-F5344CB8AC3E}">
+        <p14:creationId xmlns:p14="http://schemas.microsoft.com/office/powerpoint/2010/main" val="481121156"/>
+      </p:ext>
+    </p:extLst>
+  </p:cSld>
+  <p:clrMapOvr>
+    <a:masterClrMapping/>
+  </p:clrMapOvr>
+</p:sld>
+</file>
+
+<file path=ppt/slides/slide20.xml><?xml version="1.0" encoding="utf-8"?>
 <p:sld xmlns:a="http://schemas.openxmlformats.org/drawingml/2006/main" xmlns:r="http://schemas.openxmlformats.org/officeDocument/2006/relationships" xmlns:p="http://schemas.openxmlformats.org/presentationml/2006/main">
   <p:cSld>
     <p:spTree>
@@ -8745,7 +9902,7 @@
           <a:p>
             <a:r>
               <a:rPr lang="en-US" dirty="0" smtClean="0"/>
-              <a:t>35</a:t>
+              <a:t>20</a:t>
             </a:r>
             <a:endParaRPr lang="ru-RU" dirty="0"/>
           </a:p>
@@ -10302,7 +11459,7 @@
 </p:sld>
 </file>
 
-<file path=ppt/slides/slide19.xml><?xml version="1.0" encoding="utf-8"?>
+<file path=ppt/slides/slide21.xml><?xml version="1.0" encoding="utf-8"?>
 <p:sld xmlns:a="http://schemas.openxmlformats.org/drawingml/2006/main" xmlns:r="http://schemas.openxmlformats.org/officeDocument/2006/relationships" xmlns:p="http://schemas.openxmlformats.org/presentationml/2006/main">
   <p:cSld>
     <p:spTree>
@@ -10340,8 +11497,12 @@
           <a:lstStyle/>
           <a:p>
             <a:r>
+              <a:rPr lang="ru-RU" dirty="0" smtClean="0"/>
+              <a:t>2</a:t>
+            </a:r>
+            <a:r>
               <a:rPr lang="en-US" dirty="0" smtClean="0"/>
-              <a:t>36</a:t>
+              <a:t>1</a:t>
             </a:r>
             <a:endParaRPr lang="ru-RU" dirty="0"/>
           </a:p>
@@ -12139,620 +13300,7 @@
 </p:sld>
 </file>
 
-<file path=ppt/slides/slide2.xml><?xml version="1.0" encoding="utf-8"?>
-<p:sld xmlns:a="http://schemas.openxmlformats.org/drawingml/2006/main" xmlns:r="http://schemas.openxmlformats.org/officeDocument/2006/relationships" xmlns:p="http://schemas.openxmlformats.org/presentationml/2006/main">
-  <p:cSld>
-    <p:spTree>
-      <p:nvGrpSpPr>
-        <p:cNvPr id="1" name=""/>
-        <p:cNvGrpSpPr/>
-        <p:nvPr/>
-      </p:nvGrpSpPr>
-      <p:grpSpPr>
-        <a:xfrm>
-          <a:off x="0" y="0"/>
-          <a:ext cx="0" cy="0"/>
-          <a:chOff x="0" y="0"/>
-          <a:chExt cx="0" cy="0"/>
-        </a:xfrm>
-      </p:grpSpPr>
-      <p:sp>
-        <p:nvSpPr>
-          <p:cNvPr id="2" name="Заголовок 1"/>
-          <p:cNvSpPr>
-            <a:spLocks noGrp="1"/>
-          </p:cNvSpPr>
-          <p:nvPr>
-            <p:ph type="title"/>
-          </p:nvPr>
-        </p:nvSpPr>
-        <p:spPr/>
-        <p:txBody>
-          <a:bodyPr/>
-          <a:lstStyle/>
-          <a:p>
-            <a:r>
-              <a:rPr lang="en-US" dirty="0" smtClean="0"/>
-              <a:t>Reference</a:t>
-            </a:r>
-            <a:endParaRPr lang="ru-RU" dirty="0"/>
-          </a:p>
-        </p:txBody>
-      </p:sp>
-      <p:sp>
-        <p:nvSpPr>
-          <p:cNvPr id="3" name="Объект 2"/>
-          <p:cNvSpPr>
-            <a:spLocks noGrp="1"/>
-          </p:cNvSpPr>
-          <p:nvPr>
-            <p:ph idx="1"/>
-          </p:nvPr>
-        </p:nvSpPr>
-        <p:spPr>
-          <a:xfrm>
-            <a:off x="228600" y="1219200"/>
-            <a:ext cx="8686800" cy="2590800"/>
-          </a:xfrm>
-        </p:spPr>
-        <p:txBody>
-          <a:bodyPr/>
-          <a:lstStyle/>
-          <a:p>
-            <a:pPr marL="0" indent="0">
-              <a:buNone/>
-            </a:pPr>
-            <a:r>
-              <a:rPr lang="en-US" i="1" dirty="0"/>
-              <a:t>An Introduction to Statistical Learning</a:t>
-            </a:r>
-            <a:r>
-              <a:rPr lang="en-US" dirty="0"/>
-              <a:t> by Gareth James, Daniela Witten, Trevor Hastie, and Robert </a:t>
-            </a:r>
-            <a:r>
-              <a:rPr lang="en-US" dirty="0" err="1"/>
-              <a:t>Tibshirani</a:t>
-            </a:r>
-            <a:r>
-              <a:rPr lang="en-US" dirty="0"/>
-              <a:t>, </a:t>
-            </a:r>
-            <a:r>
-              <a:rPr lang="en-US" dirty="0">
-                <a:hlinkClick r:id="rId2"/>
-              </a:rPr>
-              <a:t>http://www-bcf.usc.edu/~gareth/ISL/</a:t>
-            </a:r>
-            <a:r>
-              <a:rPr lang="en-US" dirty="0"/>
-              <a:t> </a:t>
-            </a:r>
-            <a:br>
-              <a:rPr lang="en-US" dirty="0"/>
-            </a:br>
-            <a:r>
-              <a:rPr lang="en-US" dirty="0"/>
-              <a:t>(available online for free)</a:t>
-            </a:r>
-            <a:endParaRPr lang="ru-RU" dirty="0"/>
-          </a:p>
-          <a:p>
-            <a:pPr marL="0" indent="0">
-              <a:buNone/>
-            </a:pPr>
-            <a:endParaRPr lang="ru-RU" dirty="0"/>
-          </a:p>
-        </p:txBody>
-      </p:sp>
-      <p:sp>
-        <p:nvSpPr>
-          <p:cNvPr id="4" name="Номер слайда 3"/>
-          <p:cNvSpPr>
-            <a:spLocks noGrp="1"/>
-          </p:cNvSpPr>
-          <p:nvPr>
-            <p:ph type="sldNum" sz="quarter" idx="12"/>
-          </p:nvPr>
-        </p:nvSpPr>
-        <p:spPr/>
-        <p:txBody>
-          <a:bodyPr/>
-          <a:lstStyle/>
-          <a:p>
-            <a:fld id="{B491C8E4-965C-47C5-86B5-2FEC2000E3F4}" type="slidenum">
-              <a:rPr lang="ru-RU" smtClean="0"/>
-              <a:pPr/>
-              <a:t>2</a:t>
-            </a:fld>
-            <a:endParaRPr lang="ru-RU" dirty="0"/>
-          </a:p>
-        </p:txBody>
-      </p:sp>
-      <p:sp>
-        <p:nvSpPr>
-          <p:cNvPr id="5" name="Нижний колонтитул 4"/>
-          <p:cNvSpPr>
-            <a:spLocks noGrp="1"/>
-          </p:cNvSpPr>
-          <p:nvPr>
-            <p:ph type="ftr" sz="quarter" idx="11"/>
-          </p:nvPr>
-        </p:nvSpPr>
-        <p:spPr/>
-        <p:txBody>
-          <a:bodyPr/>
-          <a:lstStyle/>
-          <a:p>
-            <a:r>
-              <a:rPr lang="en-US" b="1" dirty="0"/>
-              <a:t>ML-course. </a:t>
-            </a:r>
-            <a:r>
-              <a:rPr lang="en-US" dirty="0" smtClean="0"/>
-              <a:t>Classification</a:t>
-            </a:r>
-            <a:endParaRPr lang="ru-RU" dirty="0"/>
-          </a:p>
-        </p:txBody>
-      </p:sp>
-      <p:pic>
-        <p:nvPicPr>
-          <p:cNvPr id="1028" name="Picture 4" descr="http://www-bcf.usc.edu/~gareth/ISL/ISL%20Cover%202.jpg"/>
-          <p:cNvPicPr>
-            <a:picLocks noChangeAspect="1" noChangeArrowheads="1"/>
-          </p:cNvPicPr>
-          <p:nvPr/>
-        </p:nvPicPr>
-        <p:blipFill>
-          <a:blip r:embed="rId3" cstate="print">
-            <a:extLst>
-              <a:ext uri="{28A0092B-C50C-407E-A947-70E740481C1C}">
-                <a14:useLocalDpi xmlns:a14="http://schemas.microsoft.com/office/drawing/2010/main" val="0"/>
-              </a:ext>
-            </a:extLst>
-          </a:blip>
-          <a:srcRect/>
-          <a:stretch>
-            <a:fillRect/>
-          </a:stretch>
-        </p:blipFill>
-        <p:spPr bwMode="auto">
-          <a:xfrm>
-            <a:off x="6324600" y="3048000"/>
-            <a:ext cx="1764487" cy="2658466"/>
-          </a:xfrm>
-          <a:prstGeom prst="rect">
-            <a:avLst/>
-          </a:prstGeom>
-          <a:noFill/>
-          <a:extLst>
-            <a:ext uri="{909E8E84-426E-40DD-AFC4-6F175D3DCCD1}">
-              <a14:hiddenFill xmlns:a14="http://schemas.microsoft.com/office/drawing/2010/main">
-                <a:solidFill>
-                  <a:srgbClr val="FFFFFF"/>
-                </a:solidFill>
-              </a14:hiddenFill>
-            </a:ext>
-          </a:extLst>
-        </p:spPr>
-      </p:pic>
-    </p:spTree>
-    <p:extLst>
-      <p:ext uri="{BB962C8B-B14F-4D97-AF65-F5344CB8AC3E}">
-        <p14:creationId xmlns:p14="http://schemas.microsoft.com/office/powerpoint/2010/main" val="481121156"/>
-      </p:ext>
-    </p:extLst>
-  </p:cSld>
-  <p:clrMapOvr>
-    <a:masterClrMapping/>
-  </p:clrMapOvr>
-</p:sld>
-</file>
-
-<file path=ppt/slides/slide20.xml><?xml version="1.0" encoding="utf-8"?>
-<p:sld xmlns:a="http://schemas.openxmlformats.org/drawingml/2006/main" xmlns:r="http://schemas.openxmlformats.org/officeDocument/2006/relationships" xmlns:p="http://schemas.openxmlformats.org/presentationml/2006/main">
-  <p:cSld>
-    <p:spTree>
-      <p:nvGrpSpPr>
-        <p:cNvPr id="1" name=""/>
-        <p:cNvGrpSpPr/>
-        <p:nvPr/>
-      </p:nvGrpSpPr>
-      <p:grpSpPr>
-        <a:xfrm>
-          <a:off x="0" y="0"/>
-          <a:ext cx="0" cy="0"/>
-          <a:chOff x="0" y="0"/>
-          <a:chExt cx="0" cy="0"/>
-        </a:xfrm>
-      </p:grpSpPr>
-      <p:sp>
-        <p:nvSpPr>
-          <p:cNvPr id="9" name="Номер слайда 3"/>
-          <p:cNvSpPr>
-            <a:spLocks noGrp="1"/>
-          </p:cNvSpPr>
-          <p:nvPr>
-            <p:ph type="sldNum" sz="quarter" idx="12"/>
-          </p:nvPr>
-        </p:nvSpPr>
-        <p:spPr>
-          <a:xfrm>
-            <a:off x="8381999" y="94079"/>
-            <a:ext cx="531395" cy="365125"/>
-          </a:xfrm>
-        </p:spPr>
-        <p:txBody>
-          <a:bodyPr/>
-          <a:lstStyle/>
-          <a:p>
-            <a:r>
-              <a:rPr lang="en-US" dirty="0" smtClean="0"/>
-              <a:t>37</a:t>
-            </a:r>
-            <a:endParaRPr lang="ru-RU" dirty="0"/>
-          </a:p>
-        </p:txBody>
-      </p:sp>
-      <p:sp>
-        <p:nvSpPr>
-          <p:cNvPr id="7" name="Rectangle 3"/>
-          <p:cNvSpPr txBox="1">
-            <a:spLocks noChangeArrowheads="1"/>
-          </p:cNvSpPr>
-          <p:nvPr/>
-        </p:nvSpPr>
-        <p:spPr>
-          <a:xfrm>
-            <a:off x="838200" y="2255962"/>
-            <a:ext cx="7795428" cy="3535238"/>
-          </a:xfrm>
-          <a:prstGeom prst="rect">
-            <a:avLst/>
-          </a:prstGeom>
-        </p:spPr>
-        <p:txBody>
-          <a:bodyPr vert="horz" lIns="91440" tIns="45720" rIns="91440" bIns="45720" rtlCol="0">
-            <a:normAutofit/>
-          </a:bodyPr>
-          <a:lstStyle>
-            <a:lvl1pPr marL="342900" indent="-342900" algn="l" defTabSz="914400" rtl="0" eaLnBrk="1" latinLnBrk="0" hangingPunct="1">
-              <a:spcBef>
-                <a:spcPct val="20000"/>
-              </a:spcBef>
-              <a:buClr>
-                <a:srgbClr val="7593B3"/>
-              </a:buClr>
-              <a:buFont typeface="Arial" panose="020B0604020202020204" pitchFamily="34" charset="0"/>
-              <a:buChar char="•"/>
-              <a:defRPr sz="3200" kern="1200">
-                <a:solidFill>
-                  <a:schemeClr val="tx1"/>
-                </a:solidFill>
-                <a:latin typeface="Trebuchet MS" panose="020B0603020202020204" pitchFamily="34" charset="0"/>
-                <a:ea typeface="+mn-ea"/>
-                <a:cs typeface="+mn-cs"/>
-              </a:defRPr>
-            </a:lvl1pPr>
-            <a:lvl2pPr marL="742950" indent="-285750" algn="l" defTabSz="914400" rtl="0" eaLnBrk="1" latinLnBrk="0" hangingPunct="1">
-              <a:spcBef>
-                <a:spcPct val="20000"/>
-              </a:spcBef>
-              <a:buClr>
-                <a:srgbClr val="7593B3"/>
-              </a:buClr>
-              <a:buFont typeface="Arial" panose="020B0604020202020204" pitchFamily="34" charset="0"/>
-              <a:buChar char="–"/>
-              <a:defRPr sz="2800" kern="1200">
-                <a:solidFill>
-                  <a:schemeClr val="tx1"/>
-                </a:solidFill>
-                <a:latin typeface="Trebuchet MS" panose="020B0603020202020204" pitchFamily="34" charset="0"/>
-                <a:ea typeface="+mn-ea"/>
-                <a:cs typeface="+mn-cs"/>
-              </a:defRPr>
-            </a:lvl2pPr>
-            <a:lvl3pPr marL="1143000" indent="-228600" algn="l" defTabSz="914400" rtl="0" eaLnBrk="1" latinLnBrk="0" hangingPunct="1">
-              <a:spcBef>
-                <a:spcPct val="20000"/>
-              </a:spcBef>
-              <a:buFont typeface="Arial" panose="020B0604020202020204" pitchFamily="34" charset="0"/>
-              <a:buChar char="•"/>
-              <a:defRPr sz="2400" kern="1200">
-                <a:solidFill>
-                  <a:schemeClr val="tx1"/>
-                </a:solidFill>
-                <a:latin typeface="Trebuchet MS" panose="020B0603020202020204" pitchFamily="34" charset="0"/>
-                <a:ea typeface="+mn-ea"/>
-                <a:cs typeface="+mn-cs"/>
-              </a:defRPr>
-            </a:lvl3pPr>
-            <a:lvl4pPr marL="1600200" indent="-228600" algn="l" defTabSz="914400" rtl="0" eaLnBrk="1" latinLnBrk="0" hangingPunct="1">
-              <a:spcBef>
-                <a:spcPct val="20000"/>
-              </a:spcBef>
-              <a:buFont typeface="Arial" panose="020B0604020202020204" pitchFamily="34" charset="0"/>
-              <a:buChar char="–"/>
-              <a:defRPr sz="2000" kern="1200">
-                <a:solidFill>
-                  <a:schemeClr val="tx1"/>
-                </a:solidFill>
-                <a:latin typeface="Trebuchet MS" panose="020B0603020202020204" pitchFamily="34" charset="0"/>
-                <a:ea typeface="+mn-ea"/>
-                <a:cs typeface="+mn-cs"/>
-              </a:defRPr>
-            </a:lvl4pPr>
-            <a:lvl5pPr marL="2057400" indent="-228600" algn="l" defTabSz="914400" rtl="0" eaLnBrk="1" latinLnBrk="0" hangingPunct="1">
-              <a:spcBef>
-                <a:spcPct val="20000"/>
-              </a:spcBef>
-              <a:buFont typeface="Arial" panose="020B0604020202020204" pitchFamily="34" charset="0"/>
-              <a:buChar char="»"/>
-              <a:defRPr sz="2000" kern="1200">
-                <a:solidFill>
-                  <a:schemeClr val="tx1"/>
-                </a:solidFill>
-                <a:latin typeface="Trebuchet MS" panose="020B0603020202020204" pitchFamily="34" charset="0"/>
-                <a:ea typeface="+mn-ea"/>
-                <a:cs typeface="+mn-cs"/>
-              </a:defRPr>
-            </a:lvl5pPr>
-            <a:lvl6pPr marL="2514600" indent="-228600" algn="l" defTabSz="914400" rtl="0" eaLnBrk="1" latinLnBrk="0" hangingPunct="1">
-              <a:spcBef>
-                <a:spcPct val="20000"/>
-              </a:spcBef>
-              <a:buFont typeface="Arial" panose="020B0604020202020204" pitchFamily="34" charset="0"/>
-              <a:buChar char="•"/>
-              <a:defRPr sz="2000" kern="1200">
-                <a:solidFill>
-                  <a:schemeClr val="tx1"/>
-                </a:solidFill>
-                <a:latin typeface="+mn-lt"/>
-                <a:ea typeface="+mn-ea"/>
-                <a:cs typeface="+mn-cs"/>
-              </a:defRPr>
-            </a:lvl6pPr>
-            <a:lvl7pPr marL="2971800" indent="-228600" algn="l" defTabSz="914400" rtl="0" eaLnBrk="1" latinLnBrk="0" hangingPunct="1">
-              <a:spcBef>
-                <a:spcPct val="20000"/>
-              </a:spcBef>
-              <a:buFont typeface="Arial" panose="020B0604020202020204" pitchFamily="34" charset="0"/>
-              <a:buChar char="•"/>
-              <a:defRPr sz="2000" kern="1200">
-                <a:solidFill>
-                  <a:schemeClr val="tx1"/>
-                </a:solidFill>
-                <a:latin typeface="+mn-lt"/>
-                <a:ea typeface="+mn-ea"/>
-                <a:cs typeface="+mn-cs"/>
-              </a:defRPr>
-            </a:lvl7pPr>
-            <a:lvl8pPr marL="3429000" indent="-228600" algn="l" defTabSz="914400" rtl="0" eaLnBrk="1" latinLnBrk="0" hangingPunct="1">
-              <a:spcBef>
-                <a:spcPct val="20000"/>
-              </a:spcBef>
-              <a:buFont typeface="Arial" panose="020B0604020202020204" pitchFamily="34" charset="0"/>
-              <a:buChar char="•"/>
-              <a:defRPr sz="2000" kern="1200">
-                <a:solidFill>
-                  <a:schemeClr val="tx1"/>
-                </a:solidFill>
-                <a:latin typeface="+mn-lt"/>
-                <a:ea typeface="+mn-ea"/>
-                <a:cs typeface="+mn-cs"/>
-              </a:defRPr>
-            </a:lvl8pPr>
-            <a:lvl9pPr marL="3886200" indent="-228600" algn="l" defTabSz="914400" rtl="0" eaLnBrk="1" latinLnBrk="0" hangingPunct="1">
-              <a:spcBef>
-                <a:spcPct val="20000"/>
-              </a:spcBef>
-              <a:buFont typeface="Arial" panose="020B0604020202020204" pitchFamily="34" charset="0"/>
-              <a:buChar char="•"/>
-              <a:defRPr sz="2000" kern="1200">
-                <a:solidFill>
-                  <a:schemeClr val="tx1"/>
-                </a:solidFill>
-                <a:latin typeface="+mn-lt"/>
-                <a:ea typeface="+mn-ea"/>
-                <a:cs typeface="+mn-cs"/>
-              </a:defRPr>
-            </a:lvl9pPr>
-          </a:lstStyle>
-          <a:p>
-            <a:r>
-              <a:rPr lang="en-US" b="1" dirty="0"/>
-              <a:t>Generalized Linear Models</a:t>
-            </a:r>
-          </a:p>
-          <a:p>
-            <a:pPr lvl="1"/>
-            <a:r>
-              <a:rPr lang="en-US" dirty="0" smtClean="0"/>
-              <a:t>Logistic regression</a:t>
-            </a:r>
-            <a:endParaRPr lang="en-US" dirty="0"/>
-          </a:p>
-          <a:p>
-            <a:pPr marL="0" lvl="1" indent="0">
-              <a:buNone/>
-            </a:pPr>
-            <a:r>
-              <a:rPr lang="en-US" sz="2400" i="1" dirty="0">
-                <a:solidFill>
-                  <a:srgbClr val="FF0000"/>
-                </a:solidFill>
-              </a:rPr>
-              <a:t>example </a:t>
-            </a:r>
-            <a:r>
-              <a:rPr lang="en-US" sz="2400" i="1" dirty="0" smtClean="0">
-                <a:solidFill>
-                  <a:srgbClr val="FF0000"/>
-                </a:solidFill>
-              </a:rPr>
-              <a:t>in </a:t>
-            </a:r>
-            <a:r>
-              <a:rPr lang="en-US" sz="2400" i="1" dirty="0" err="1" smtClean="0">
-                <a:solidFill>
-                  <a:srgbClr val="FF0000"/>
-                </a:solidFill>
-              </a:rPr>
-              <a:t>classification_titanic_simple.ipynb</a:t>
-            </a:r>
-            <a:endParaRPr lang="en-US" sz="2400" i="1" dirty="0">
-              <a:solidFill>
-                <a:srgbClr val="FF0000"/>
-              </a:solidFill>
-            </a:endParaRPr>
-          </a:p>
-          <a:p>
-            <a:r>
-              <a:rPr lang="en-US" b="1" dirty="0"/>
-              <a:t>Ensemble methods</a:t>
-            </a:r>
-          </a:p>
-          <a:p>
-            <a:pPr lvl="1"/>
-            <a:r>
-              <a:rPr lang="en-US" dirty="0"/>
-              <a:t>Random Forests</a:t>
-            </a:r>
-          </a:p>
-          <a:p>
-            <a:pPr lvl="1"/>
-            <a:r>
-              <a:rPr lang="en-US" dirty="0"/>
-              <a:t>Gradient Tree Boosting</a:t>
-            </a:r>
-          </a:p>
-          <a:p>
-            <a:pPr lvl="1">
-              <a:buFont typeface="Wingdings" panose="05000000000000000000" pitchFamily="2" charset="2"/>
-              <a:buChar char="§"/>
-            </a:pPr>
-            <a:endParaRPr lang="en-US" dirty="0"/>
-          </a:p>
-        </p:txBody>
-      </p:sp>
-      <p:sp>
-        <p:nvSpPr>
-          <p:cNvPr id="12" name="Rectangle 2"/>
-          <p:cNvSpPr txBox="1">
-            <a:spLocks noGrp="1" noChangeArrowheads="1"/>
-          </p:cNvSpPr>
-          <p:nvPr>
-            <p:ph type="title"/>
-          </p:nvPr>
-        </p:nvSpPr>
-        <p:spPr>
-          <a:xfrm>
-            <a:off x="118717" y="242386"/>
-            <a:ext cx="8001000" cy="1546141"/>
-          </a:xfrm>
-          <a:prstGeom prst="rect">
-            <a:avLst/>
-          </a:prstGeom>
-        </p:spPr>
-        <p:txBody>
-          <a:bodyPr vert="horz" lIns="91440" tIns="45720" rIns="91440" bIns="45720" rtlCol="0" anchor="ctr">
-            <a:normAutofit fontScale="90000"/>
-          </a:bodyPr>
-          <a:lstStyle>
-            <a:lvl1pPr algn="l" defTabSz="914400" rtl="0" eaLnBrk="1" latinLnBrk="0" hangingPunct="1">
-              <a:spcBef>
-                <a:spcPct val="0"/>
-              </a:spcBef>
-              <a:buNone/>
-              <a:defRPr sz="4400" b="0" kern="1200">
-                <a:solidFill>
-                  <a:srgbClr val="54759A"/>
-                </a:solidFill>
-                <a:effectLst/>
-                <a:latin typeface="Trebuchet MS" panose="020B0603020202020204" pitchFamily="34" charset="0"/>
-                <a:ea typeface="+mj-ea"/>
-                <a:cs typeface="+mj-cs"/>
-              </a:defRPr>
-            </a:lvl1pPr>
-          </a:lstStyle>
-          <a:p>
-            <a:r>
-              <a:rPr lang="en-US" sz="3800" b="1" dirty="0" smtClean="0"/>
-              <a:t>Some models for binary classification</a:t>
-            </a:r>
-            <a:br>
-              <a:rPr lang="en-US" sz="3800" b="1" dirty="0" smtClean="0"/>
-            </a:br>
-            <a:r>
-              <a:rPr lang="en-US" sz="3800" b="1" dirty="0" smtClean="0"/>
-              <a:t>in Python </a:t>
-            </a:r>
-            <a:r>
-              <a:rPr lang="en-US" sz="3800" b="1" dirty="0" err="1" smtClean="0"/>
-              <a:t>scikit</a:t>
-            </a:r>
-            <a:r>
-              <a:rPr lang="en-US" sz="3800" b="1" dirty="0" smtClean="0"/>
-              <a:t>-learn</a:t>
-            </a:r>
-            <a:endParaRPr lang="en-US" altLang="be-BY" sz="3800" b="1" dirty="0"/>
-          </a:p>
-        </p:txBody>
-      </p:sp>
-      <p:sp>
-        <p:nvSpPr>
-          <p:cNvPr id="6" name="Нижний колонтитул 4"/>
-          <p:cNvSpPr>
-            <a:spLocks noGrp="1"/>
-          </p:cNvSpPr>
-          <p:nvPr>
-            <p:ph type="ftr" sz="quarter" idx="11"/>
-          </p:nvPr>
-        </p:nvSpPr>
-        <p:spPr>
-          <a:xfrm>
-            <a:off x="228600" y="6629400"/>
-            <a:ext cx="6172200" cy="228601"/>
-          </a:xfrm>
-        </p:spPr>
-        <p:txBody>
-          <a:bodyPr/>
-          <a:lstStyle/>
-          <a:p>
-            <a:r>
-              <a:rPr lang="en-US" b="1" dirty="0"/>
-              <a:t>ML-course. </a:t>
-            </a:r>
-            <a:r>
-              <a:rPr lang="en-US" dirty="0" smtClean="0"/>
-              <a:t>Classification</a:t>
-            </a:r>
-            <a:endParaRPr lang="ru-RU" dirty="0"/>
-          </a:p>
-        </p:txBody>
-      </p:sp>
-    </p:spTree>
-    <p:extLst>
-      <p:ext uri="{BB962C8B-B14F-4D97-AF65-F5344CB8AC3E}">
-        <p14:creationId xmlns:p14="http://schemas.microsoft.com/office/powerpoint/2010/main" val="2525940299"/>
-      </p:ext>
-    </p:extLst>
-  </p:cSld>
-  <p:clrMapOvr>
-    <a:masterClrMapping/>
-  </p:clrMapOvr>
-  <p:timing>
-    <p:tnLst>
-      <p:par>
-        <p:cTn id="1" dur="indefinite" restart="never" nodeType="tmRoot"/>
-      </p:par>
-    </p:tnLst>
-  </p:timing>
-</p:sld>
-</file>
-
-<file path=ppt/slides/slide21.xml><?xml version="1.0" encoding="utf-8"?>
+<file path=ppt/slides/slide22.xml><?xml version="1.0" encoding="utf-8"?>
 <p:sld xmlns:a="http://schemas.openxmlformats.org/drawingml/2006/main" xmlns:r="http://schemas.openxmlformats.org/officeDocument/2006/relationships" xmlns:p="http://schemas.openxmlformats.org/presentationml/2006/main">
   <p:cSld>
     <p:spTree>
@@ -12874,8 +13422,12 @@
           <a:lstStyle/>
           <a:p>
             <a:r>
+              <a:rPr lang="ru-RU" dirty="0" smtClean="0"/>
+              <a:t>2</a:t>
+            </a:r>
+            <a:r>
               <a:rPr lang="en-US" dirty="0" smtClean="0"/>
-              <a:t>38</a:t>
+              <a:t>2</a:t>
             </a:r>
             <a:endParaRPr lang="ru-RU" dirty="0"/>
           </a:p>
@@ -12922,8 +13474,8 @@
           <a:p>
             <a:pPr algn="ctr"/>
             <a:r>
-              <a:rPr lang="en-US" sz="3200" b="1" smtClean="0"/>
-              <a:t>Models comparison based on AUC</a:t>
+              <a:rPr lang="en-US" sz="3200" b="1" dirty="0" smtClean="0"/>
+              <a:t>Models comparison based on Accuracy</a:t>
             </a:r>
             <a:endParaRPr lang="ru-RU" sz="3200" b="1" dirty="0"/>
           </a:p>
@@ -12939,7 +13491,7 @@
             <p:ph idx="1"/>
             <p:extLst>
               <p:ext uri="{D42A27DB-BD31-4B8C-83A1-F6EECF244321}">
-                <p14:modId xmlns:p14="http://schemas.microsoft.com/office/powerpoint/2010/main" val="182881024"/>
+                <p14:modId xmlns:p14="http://schemas.microsoft.com/office/powerpoint/2010/main" val="2778025313"/>
               </p:ext>
             </p:extLst>
           </p:nvPr>
@@ -13286,10 +13838,10 @@
                     <a:p>
                       <a:pPr algn="ctr"/>
                       <a:r>
-                        <a:rPr lang="en-US" sz="2400" b="1" dirty="0" smtClean="0">
+                        <a:rPr lang="en-US" sz="2400" b="1" dirty="0" err="1" smtClean="0">
                           <a:latin typeface="Trebuchet MS" panose="020B0603020202020204" pitchFamily="34" charset="0"/>
                         </a:rPr>
-                        <a:t>LR</a:t>
+                        <a:t>LgR</a:t>
                       </a:r>
                       <a:endParaRPr lang="ru-RU" sz="2400" b="1" dirty="0">
                         <a:latin typeface="Trebuchet MS" panose="020B0603020202020204" pitchFamily="34" charset="0"/>
@@ -13434,7 +13986,7 @@
                           <a:ea typeface="+mn-ea"/>
                           <a:cs typeface="+mn-cs"/>
                         </a:rPr>
-                        <a:t>0.8</a:t>
+                        <a:t>0.81</a:t>
                       </a:r>
                       <a:endParaRPr lang="ru-RU" sz="2200" b="0" i="1" kern="1200" dirty="0">
                         <a:solidFill>
@@ -13642,17 +14194,6 @@
                     <a:lstStyle/>
                     <a:p>
                       <a:pPr marL="0" algn="ctr" defTabSz="914400" rtl="0" eaLnBrk="1" latinLnBrk="0" hangingPunct="1"/>
-                      <a:r>
-                        <a:rPr lang="en-US" sz="2400" b="0" i="1" kern="1200" dirty="0" smtClean="0">
-                          <a:solidFill>
-                            <a:schemeClr val="dk1"/>
-                          </a:solidFill>
-                          <a:latin typeface="Trebuchet MS" panose="020B0603020202020204" pitchFamily="34" charset="0"/>
-                          <a:ea typeface="+mn-ea"/>
-                          <a:cs typeface="+mn-cs"/>
-                        </a:rPr>
-                        <a:t>0.88</a:t>
-                      </a:r>
                       <a:endParaRPr lang="ru-RU" sz="2400" b="0" i="1" kern="1200" dirty="0">
                         <a:solidFill>
                           <a:schemeClr val="dk1"/>
@@ -13717,17 +14258,6 @@
                     <a:lstStyle/>
                     <a:p>
                       <a:pPr marL="0" algn="ctr" defTabSz="914400" rtl="0" eaLnBrk="1" latinLnBrk="0" hangingPunct="1"/>
-                      <a:r>
-                        <a:rPr lang="en-US" sz="2400" b="0" i="1" kern="1200" dirty="0" smtClean="0">
-                          <a:solidFill>
-                            <a:schemeClr val="dk1"/>
-                          </a:solidFill>
-                          <a:latin typeface="Trebuchet MS" panose="020B0603020202020204" pitchFamily="34" charset="0"/>
-                          <a:ea typeface="+mn-ea"/>
-                          <a:cs typeface="+mn-cs"/>
-                        </a:rPr>
-                        <a:t>0.84</a:t>
-                      </a:r>
                       <a:endParaRPr lang="ru-RU" sz="2400" b="0" i="1" kern="1200" dirty="0">
                         <a:solidFill>
                           <a:schemeClr val="dk1"/>
@@ -13792,17 +14322,6 @@
                     <a:lstStyle/>
                     <a:p>
                       <a:pPr marL="0" algn="ctr" defTabSz="914400" rtl="0" eaLnBrk="1" latinLnBrk="0" hangingPunct="1"/>
-                      <a:r>
-                        <a:rPr lang="en-US" sz="2400" b="0" i="1" kern="1200" dirty="0" smtClean="0">
-                          <a:solidFill>
-                            <a:schemeClr val="dk1"/>
-                          </a:solidFill>
-                          <a:latin typeface="Trebuchet MS" panose="020B0603020202020204" pitchFamily="34" charset="0"/>
-                          <a:ea typeface="+mn-ea"/>
-                          <a:cs typeface="+mn-cs"/>
-                        </a:rPr>
-                        <a:t>0.8</a:t>
-                      </a:r>
                       <a:endParaRPr lang="ru-RU" sz="2400" b="0" i="1" kern="1200" dirty="0">
                         <a:solidFill>
                           <a:schemeClr val="dk1"/>
@@ -13934,17 +14453,6 @@
                     <a:lstStyle/>
                     <a:p>
                       <a:pPr marL="0" algn="ctr" defTabSz="914400" rtl="0" eaLnBrk="1" latinLnBrk="0" hangingPunct="1"/>
-                      <a:r>
-                        <a:rPr lang="en-US" sz="2400" b="0" i="1" kern="1200" dirty="0" smtClean="0">
-                          <a:solidFill>
-                            <a:schemeClr val="dk1"/>
-                          </a:solidFill>
-                          <a:latin typeface="Trebuchet MS" panose="020B0603020202020204" pitchFamily="34" charset="0"/>
-                          <a:ea typeface="+mn-ea"/>
-                          <a:cs typeface="+mn-cs"/>
-                        </a:rPr>
-                        <a:t>0.87</a:t>
-                      </a:r>
                       <a:endParaRPr lang="ru-RU" sz="2400" b="0" i="1" kern="1200" dirty="0">
                         <a:solidFill>
                           <a:schemeClr val="dk1"/>
@@ -14009,17 +14517,6 @@
                     <a:lstStyle/>
                     <a:p>
                       <a:pPr marL="0" algn="ctr" defTabSz="914400" rtl="0" eaLnBrk="1" latinLnBrk="0" hangingPunct="1"/>
-                      <a:r>
-                        <a:rPr lang="en-US" sz="2400" b="0" i="1" kern="1200" dirty="0" smtClean="0">
-                          <a:solidFill>
-                            <a:schemeClr val="dk1"/>
-                          </a:solidFill>
-                          <a:latin typeface="Trebuchet MS" panose="020B0603020202020204" pitchFamily="34" charset="0"/>
-                          <a:ea typeface="+mn-ea"/>
-                          <a:cs typeface="+mn-cs"/>
-                        </a:rPr>
-                        <a:t>0.84</a:t>
-                      </a:r>
                       <a:endParaRPr lang="ru-RU" sz="2400" b="0" i="1" kern="1200" dirty="0">
                         <a:solidFill>
                           <a:schemeClr val="dk1"/>
@@ -14084,17 +14581,6 @@
                     <a:lstStyle/>
                     <a:p>
                       <a:pPr marL="0" algn="ctr" defTabSz="914400" rtl="0" eaLnBrk="1" latinLnBrk="0" hangingPunct="1"/>
-                      <a:r>
-                        <a:rPr lang="en-US" sz="2400" b="0" i="1" kern="1200" dirty="0" smtClean="0">
-                          <a:solidFill>
-                            <a:schemeClr val="dk1"/>
-                          </a:solidFill>
-                          <a:latin typeface="Trebuchet MS" panose="020B0603020202020204" pitchFamily="34" charset="0"/>
-                          <a:ea typeface="+mn-ea"/>
-                          <a:cs typeface="+mn-cs"/>
-                        </a:rPr>
-                        <a:t>0.79</a:t>
-                      </a:r>
                       <a:endParaRPr lang="ru-RU" sz="2400" b="0" i="1" kern="1200" dirty="0">
                         <a:solidFill>
                           <a:schemeClr val="dk1"/>
@@ -14210,7 +14696,7 @@
 </p:sld>
 </file>
 
-<file path=ppt/slides/slide22.xml><?xml version="1.0" encoding="utf-8"?>
+<file path=ppt/slides/slide23.xml><?xml version="1.0" encoding="utf-8"?>
 <p:sld xmlns:a="http://schemas.openxmlformats.org/drawingml/2006/main" xmlns:r="http://schemas.openxmlformats.org/officeDocument/2006/relationships" xmlns:p="http://schemas.openxmlformats.org/presentationml/2006/main">
   <p:cSld>
     <p:spTree>
@@ -14227,45 +14713,6 @@
           <a:chExt cx="0" cy="0"/>
         </a:xfrm>
       </p:grpSpPr>
-      <p:sp>
-        <p:nvSpPr>
-          <p:cNvPr id="3" name="Прямоугольник 2"/>
-          <p:cNvSpPr/>
-          <p:nvPr/>
-        </p:nvSpPr>
-        <p:spPr>
-          <a:xfrm>
-            <a:off x="457200" y="1225083"/>
-            <a:ext cx="8176428" cy="584775"/>
-          </a:xfrm>
-          <a:prstGeom prst="rect">
-            <a:avLst/>
-          </a:prstGeom>
-        </p:spPr>
-        <p:txBody>
-          <a:bodyPr wrap="square">
-            <a:spAutoFit/>
-          </a:bodyPr>
-          <a:lstStyle/>
-          <a:p>
-            <a:r>
-              <a:rPr lang="en-US" sz="3200" b="1" dirty="0">
-                <a:latin typeface="Trebuchet MS" panose="020B0603020202020204" pitchFamily="34" charset="0"/>
-              </a:rPr>
-              <a:t>Some </a:t>
-            </a:r>
-            <a:r>
-              <a:rPr lang="en-US" sz="3200" b="1" dirty="0" smtClean="0">
-                <a:latin typeface="Trebuchet MS" panose="020B0603020202020204" pitchFamily="34" charset="0"/>
-              </a:rPr>
-              <a:t>models</a:t>
-            </a:r>
-            <a:endParaRPr lang="en-US" sz="3200" b="1" dirty="0">
-              <a:latin typeface="Trebuchet MS" panose="020B0603020202020204" pitchFamily="34" charset="0"/>
-            </a:endParaRPr>
-          </a:p>
-        </p:txBody>
-      </p:sp>
       <p:sp>
         <p:nvSpPr>
           <p:cNvPr id="8" name="Rectangle 2"/>
@@ -14332,8 +14779,12 @@
           <a:lstStyle/>
           <a:p>
             <a:r>
+              <a:rPr lang="ru-RU" dirty="0" smtClean="0"/>
+              <a:t>2</a:t>
+            </a:r>
+            <a:r>
               <a:rPr lang="en-US" dirty="0" smtClean="0"/>
-              <a:t>39</a:t>
+              <a:t>3</a:t>
             </a:r>
             <a:endParaRPr lang="ru-RU" dirty="0"/>
           </a:p>
@@ -14349,8 +14800,8 @@
         </p:nvSpPr>
         <p:spPr>
           <a:xfrm>
-            <a:off x="838200" y="1809858"/>
-            <a:ext cx="7795428" cy="3541235"/>
+            <a:off x="227342" y="1034803"/>
+            <a:ext cx="8387697" cy="4438395"/>
           </a:xfrm>
           <a:prstGeom prst="rect">
             <a:avLst/>
@@ -14504,40 +14955,48 @@
             </a:lvl9pPr>
           </a:lstStyle>
           <a:p>
+            <a:pPr marL="457200" lvl="1" indent="0">
+              <a:buNone/>
+            </a:pPr>
+            <a:r>
+              <a:rPr lang="en-US" b="1" dirty="0"/>
+              <a:t>Some </a:t>
+            </a:r>
+            <a:r>
+              <a:rPr lang="en-US" dirty="0"/>
+              <a:t>classification algorithms naturally permit the use of more than two classes</a:t>
+            </a:r>
+            <a:endParaRPr lang="en-US" b="1" dirty="0"/>
+          </a:p>
+          <a:p>
             <a:pPr lvl="1">
               <a:buFont typeface="Wingdings" panose="05000000000000000000" pitchFamily="2" charset="2"/>
               <a:buChar char="§"/>
             </a:pPr>
             <a:r>
-              <a:rPr lang="en-US" dirty="0"/>
+              <a:rPr lang="en-US" sz="2400" b="1" dirty="0" smtClean="0"/>
               <a:t>Logistic Regression</a:t>
             </a:r>
+            <a:endParaRPr lang="en-US" sz="2400" b="1" dirty="0"/>
           </a:p>
           <a:p>
             <a:pPr lvl="1">
               <a:buFont typeface="Wingdings" panose="05000000000000000000" pitchFamily="2" charset="2"/>
               <a:buChar char="§"/>
             </a:pPr>
-            <a:endParaRPr lang="en-US" sz="2000" dirty="0"/>
-          </a:p>
-          <a:p>
-            <a:pPr lvl="1">
-              <a:buFont typeface="Wingdings" panose="05000000000000000000" pitchFamily="2" charset="2"/>
-              <a:buChar char="§"/>
-            </a:pPr>
-            <a:r>
-              <a:rPr lang="en-US" dirty="0" smtClean="0"/>
+            <a:r>
+              <a:rPr lang="en-US" sz="2400" b="1" dirty="0" smtClean="0"/>
               <a:t>Random </a:t>
             </a:r>
             <a:r>
-              <a:rPr lang="en-US" dirty="0"/>
+              <a:rPr lang="en-US" sz="2400" b="1" dirty="0"/>
               <a:t>Forests, Gradient </a:t>
             </a:r>
             <a:r>
-              <a:rPr lang="en-US" dirty="0" smtClean="0"/>
+              <a:rPr lang="en-US" sz="2400" b="1" dirty="0" smtClean="0"/>
               <a:t>Boosting</a:t>
             </a:r>
-            <a:endParaRPr lang="en-US" dirty="0"/>
+            <a:endParaRPr lang="en-US" sz="2400" b="1" dirty="0"/>
           </a:p>
           <a:p>
             <a:pPr marL="457200" lvl="1" indent="0">
@@ -14559,18 +15018,49 @@
               </a:rPr>
               <a:t>mclass_classification.ipynb</a:t>
             </a:r>
-            <a:endParaRPr lang="en-US" sz="2000" i="1" dirty="0">
+            <a:endParaRPr lang="en-US" sz="2000" i="1" dirty="0" smtClean="0">
               <a:solidFill>
                 <a:srgbClr val="FF0000"/>
               </a:solidFill>
             </a:endParaRPr>
           </a:p>
           <a:p>
+            <a:pPr marL="457200" lvl="1" indent="0">
+              <a:buNone/>
+            </a:pPr>
+            <a:endParaRPr lang="en-US" sz="2000" i="1" dirty="0" smtClean="0">
+              <a:solidFill>
+                <a:srgbClr val="FF0000"/>
+              </a:solidFill>
+            </a:endParaRPr>
+          </a:p>
+          <a:p>
+            <a:pPr marL="457200" lvl="1" indent="0">
+              <a:buNone/>
+            </a:pPr>
+            <a:r>
+              <a:rPr lang="en-US" smtClean="0"/>
+              <a:t>Techniques </a:t>
+            </a:r>
+            <a:r>
+              <a:rPr lang="en-US" dirty="0" smtClean="0"/>
+              <a:t>of transformation to binary</a:t>
+            </a:r>
+            <a:endParaRPr lang="en-US" dirty="0"/>
+          </a:p>
+          <a:p>
             <a:pPr lvl="1">
               <a:buFont typeface="Wingdings" panose="05000000000000000000" pitchFamily="2" charset="2"/>
               <a:buChar char="§"/>
             </a:pPr>
-            <a:endParaRPr lang="en-US" sz="1000" dirty="0" smtClean="0"/>
+            <a:r>
+              <a:rPr lang="en-US" dirty="0" smtClean="0"/>
+              <a:t>One </a:t>
+            </a:r>
+            <a:r>
+              <a:rPr lang="en-US" dirty="0"/>
+              <a:t>vs. All </a:t>
+            </a:r>
           </a:p>
           <a:p>
             <a:pPr lvl="1">
@@ -14583,24 +15073,7 @@
             </a:r>
             <a:r>
               <a:rPr lang="en-US" dirty="0"/>
-              <a:t>vs. All </a:t>
-            </a:r>
-          </a:p>
-          <a:p>
-            <a:pPr lvl="1">
-              <a:buFont typeface="Wingdings" panose="05000000000000000000" pitchFamily="2" charset="2"/>
-              <a:buChar char="§"/>
-            </a:pPr>
-            <a:endParaRPr lang="en-US" sz="2000" dirty="0"/>
-          </a:p>
-          <a:p>
-            <a:pPr lvl="1">
-              <a:buFont typeface="Wingdings" panose="05000000000000000000" pitchFamily="2" charset="2"/>
-              <a:buChar char="§"/>
-            </a:pPr>
-            <a:r>
-              <a:rPr lang="en-US" dirty="0"/>
-              <a:t>One vs. </a:t>
+              <a:t>vs. </a:t>
             </a:r>
             <a:r>
               <a:rPr lang="en-US" dirty="0" smtClean="0"/>
@@ -14745,7 +15218,7 @@
 </p:sld>
 </file>
 
-<file path=ppt/slides/slide23.xml><?xml version="1.0" encoding="utf-8"?>
+<file path=ppt/slides/slide24.xml><?xml version="1.0" encoding="utf-8"?>
 <p:sld xmlns:a="http://schemas.openxmlformats.org/drawingml/2006/main" xmlns:r="http://schemas.openxmlformats.org/officeDocument/2006/relationships" xmlns:p="http://schemas.openxmlformats.org/presentationml/2006/main">
   <p:cSld>
     <p:spTree>
@@ -14832,8 +15305,12 @@
           <a:lstStyle/>
           <a:p>
             <a:r>
+              <a:rPr lang="ru-RU" dirty="0" smtClean="0"/>
+              <a:t>2</a:t>
+            </a:r>
+            <a:r>
               <a:rPr lang="en-US" dirty="0" smtClean="0"/>
-              <a:t>40</a:t>
+              <a:t>4</a:t>
             </a:r>
             <a:endParaRPr lang="ru-RU" dirty="0"/>
           </a:p>
@@ -14848,7 +15325,7 @@
         <p:spPr>
           <a:xfrm>
             <a:off x="381000" y="1066800"/>
-            <a:ext cx="8466667" cy="5355312"/>
+            <a:ext cx="8466667" cy="5663089"/>
           </a:xfrm>
           <a:prstGeom prst="rect">
             <a:avLst/>
@@ -14943,7 +15420,19 @@
               <a:rPr lang="en-US" sz="2000" b="1" dirty="0">
                 <a:latin typeface="Trebuchet MS" panose="020B0603020202020204" pitchFamily="34" charset="0"/>
               </a:rPr>
-              <a:t>2) Change Your Performance Metric</a:t>
+              <a:t>2) </a:t>
+            </a:r>
+            <a:r>
+              <a:rPr lang="en-US" sz="2000" b="1" dirty="0" smtClean="0">
+                <a:latin typeface="Trebuchet MS" panose="020B0603020202020204" pitchFamily="34" charset="0"/>
+              </a:rPr>
+              <a:t>Resample </a:t>
+            </a:r>
+            <a:r>
+              <a:rPr lang="en-US" sz="2000" b="1" dirty="0">
+                <a:latin typeface="Trebuchet MS" panose="020B0603020202020204" pitchFamily="34" charset="0"/>
+              </a:rPr>
+              <a:t>Your Dataset</a:t>
             </a:r>
             <a:endParaRPr lang="ru-RU" sz="2000" dirty="0">
               <a:latin typeface="Trebuchet MS" panose="020B0603020202020204" pitchFamily="34" charset="0"/>
@@ -14951,22 +15440,57 @@
           </a:p>
           <a:p>
             <a:r>
+              <a:rPr lang="ru-RU" sz="2000" b="1" dirty="0" smtClean="0">
+                <a:latin typeface="Trebuchet MS" panose="020B0603020202020204" pitchFamily="34" charset="0"/>
+              </a:rPr>
+              <a:t>3</a:t>
+            </a:r>
+            <a:r>
+              <a:rPr lang="en-US" sz="2000" b="1" dirty="0" smtClean="0">
+                <a:latin typeface="Trebuchet MS" panose="020B0603020202020204" pitchFamily="34" charset="0"/>
+              </a:rPr>
+              <a:t>) </a:t>
+            </a:r>
+            <a:r>
               <a:rPr lang="en-US" sz="2000" b="1" dirty="0">
                 <a:latin typeface="Trebuchet MS" panose="020B0603020202020204" pitchFamily="34" charset="0"/>
               </a:rPr>
-              <a:t>3) Resample Your Dataset</a:t>
+              <a:t>Generate Synthetic </a:t>
+            </a:r>
+            <a:r>
+              <a:rPr lang="en-US" sz="2000" b="1" dirty="0" smtClean="0">
+                <a:latin typeface="Trebuchet MS" panose="020B0603020202020204" pitchFamily="34" charset="0"/>
+              </a:rPr>
+              <a:t>Samples</a:t>
+            </a:r>
+            <a:endParaRPr lang="ru-RU" sz="2000" b="1" dirty="0" smtClean="0">
+              <a:latin typeface="Trebuchet MS" panose="020B0603020202020204" pitchFamily="34" charset="0"/>
+            </a:endParaRPr>
+          </a:p>
+          <a:p>
+            <a:r>
+              <a:rPr lang="ru-RU" sz="2000" b="1" dirty="0" smtClean="0">
+                <a:latin typeface="Trebuchet MS" panose="020B0603020202020204" pitchFamily="34" charset="0"/>
+              </a:rPr>
+              <a:t>4</a:t>
+            </a:r>
+            <a:r>
+              <a:rPr lang="en-US" sz="2000" b="1" dirty="0" smtClean="0">
+                <a:latin typeface="Trebuchet MS" panose="020B0603020202020204" pitchFamily="34" charset="0"/>
+              </a:rPr>
+              <a:t>) Change </a:t>
+            </a:r>
+            <a:r>
+              <a:rPr lang="en-US" sz="2000" b="1" dirty="0">
+                <a:latin typeface="Trebuchet MS" panose="020B0603020202020204" pitchFamily="34" charset="0"/>
+              </a:rPr>
+              <a:t>Your Performance Metric</a:t>
             </a:r>
             <a:endParaRPr lang="ru-RU" sz="2000" dirty="0">
               <a:latin typeface="Trebuchet MS" panose="020B0603020202020204" pitchFamily="34" charset="0"/>
             </a:endParaRPr>
           </a:p>
           <a:p>
-            <a:r>
-              <a:rPr lang="en-US" sz="2000" b="1" dirty="0">
-                <a:latin typeface="Trebuchet MS" panose="020B0603020202020204" pitchFamily="34" charset="0"/>
-              </a:rPr>
-              <a:t>4) Generate Synthetic Samples</a:t>
-            </a:r>
             <a:endParaRPr lang="ru-RU" sz="2000" dirty="0">
               <a:latin typeface="Trebuchet MS" panose="020B0603020202020204" pitchFamily="34" charset="0"/>
             </a:endParaRPr>
@@ -15101,7 +15625,7 @@
 </p:sld>
 </file>
 
-<file path=ppt/slides/slide24.xml><?xml version="1.0" encoding="utf-8"?>
+<file path=ppt/slides/slide25.xml><?xml version="1.0" encoding="utf-8"?>
 <p:sld xmlns:a="http://schemas.openxmlformats.org/drawingml/2006/main" xmlns:r="http://schemas.openxmlformats.org/officeDocument/2006/relationships" xmlns:p="http://schemas.openxmlformats.org/presentationml/2006/main">
   <p:cSld>
     <p:spTree>
@@ -15220,8 +15744,12 @@
           <a:lstStyle/>
           <a:p>
             <a:r>
+              <a:rPr lang="ru-RU" dirty="0" smtClean="0"/>
+              <a:t>2</a:t>
+            </a:r>
+            <a:r>
               <a:rPr lang="en-US" dirty="0" smtClean="0"/>
-              <a:t>41</a:t>
+              <a:t>5</a:t>
             </a:r>
             <a:endParaRPr lang="ru-RU" dirty="0"/>
           </a:p>
@@ -15352,7 +15880,7 @@
 </p:sld>
 </file>
 
-<file path=ppt/slides/slide25.xml><?xml version="1.0" encoding="utf-8"?>
+<file path=ppt/slides/slide26.xml><?xml version="1.0" encoding="utf-8"?>
 <p:sld xmlns:a="http://schemas.openxmlformats.org/drawingml/2006/main" xmlns:r="http://schemas.openxmlformats.org/officeDocument/2006/relationships" xmlns:p="http://schemas.openxmlformats.org/presentationml/2006/main">
   <p:cSld>
     <p:spTree>
@@ -15474,7 +16002,7 @@
             <a:fld id="{B491C8E4-965C-47C5-86B5-2FEC2000E3F4}" type="slidenum">
               <a:rPr lang="ru-RU" smtClean="0"/>
               <a:pPr/>
-              <a:t>25</a:t>
+              <a:t>26</a:t>
             </a:fld>
             <a:endParaRPr lang="ru-RU" dirty="0"/>
           </a:p>
@@ -16916,6 +17444,567 @@
       </p:grpSpPr>
       <p:sp>
         <p:nvSpPr>
+          <p:cNvPr id="2" name="Заголовок 1"/>
+          <p:cNvSpPr>
+            <a:spLocks noGrp="1"/>
+          </p:cNvSpPr>
+          <p:nvPr>
+            <p:ph type="title"/>
+          </p:nvPr>
+        </p:nvSpPr>
+        <p:spPr/>
+        <p:txBody>
+          <a:bodyPr/>
+          <a:lstStyle/>
+          <a:p>
+            <a:r>
+              <a:rPr lang="en-US" dirty="0" smtClean="0"/>
+              <a:t>Classification</a:t>
+            </a:r>
+            <a:endParaRPr lang="be-BY" dirty="0"/>
+          </a:p>
+        </p:txBody>
+      </p:sp>
+      <p:sp>
+        <p:nvSpPr>
+          <p:cNvPr id="4" name="Номер слайда 3"/>
+          <p:cNvSpPr>
+            <a:spLocks noGrp="1"/>
+          </p:cNvSpPr>
+          <p:nvPr>
+            <p:ph type="sldNum" sz="quarter" idx="12"/>
+          </p:nvPr>
+        </p:nvSpPr>
+        <p:spPr/>
+        <p:txBody>
+          <a:bodyPr/>
+          <a:lstStyle/>
+          <a:p>
+            <a:fld id="{B491C8E4-965C-47C5-86B5-2FEC2000E3F4}" type="slidenum">
+              <a:rPr lang="ru-RU" smtClean="0"/>
+              <a:pPr/>
+              <a:t>6</a:t>
+            </a:fld>
+            <a:endParaRPr lang="ru-RU" dirty="0"/>
+          </a:p>
+        </p:txBody>
+      </p:sp>
+      <p:sp>
+        <p:nvSpPr>
+          <p:cNvPr id="6" name="Rectangle 1026"/>
+          <p:cNvSpPr>
+            <a:spLocks noGrp="1" noChangeArrowheads="1"/>
+          </p:cNvSpPr>
+          <p:nvPr/>
+        </p:nvSpPr>
+        <p:spPr bwMode="auto">
+          <a:xfrm>
+            <a:off x="869951" y="1038225"/>
+            <a:ext cx="7793037" cy="1462087"/>
+          </a:xfrm>
+          <a:prstGeom prst="rect">
+            <a:avLst/>
+          </a:prstGeom>
+          <a:noFill/>
+          <a:ln>
+            <a:noFill/>
+          </a:ln>
+          <a:effectLst/>
+          <a:extLst>
+            <a:ext uri="{909E8E84-426E-40DD-AFC4-6F175D3DCCD1}">
+              <a14:hiddenFill xmlns:a14="http://schemas.microsoft.com/office/drawing/2010/main">
+                <a:solidFill>
+                  <a:schemeClr val="accent1"/>
+                </a:solidFill>
+              </a14:hiddenFill>
+            </a:ext>
+            <a:ext uri="{91240B29-F687-4F45-9708-019B960494DF}">
+              <a14:hiddenLine xmlns:a14="http://schemas.microsoft.com/office/drawing/2010/main" w="9525">
+                <a:solidFill>
+                  <a:schemeClr val="tx1"/>
+                </a:solidFill>
+                <a:miter lim="800000"/>
+                <a:headEnd/>
+                <a:tailEnd/>
+              </a14:hiddenLine>
+            </a:ext>
+            <a:ext uri="{AF507438-7753-43E0-B8FC-AC1667EBCBE1}">
+              <a14:hiddenEffects xmlns:a14="http://schemas.microsoft.com/office/drawing/2010/main">
+                <a:effectLst>
+                  <a:outerShdw dist="35921" dir="2700000" algn="ctr" rotWithShape="0">
+                    <a:schemeClr val="bg2"/>
+                  </a:outerShdw>
+                </a:effectLst>
+              </a14:hiddenEffects>
+            </a:ext>
+          </a:extLst>
+        </p:spPr>
+        <p:txBody>
+          <a:bodyPr vert="horz" wrap="square" lIns="91440" tIns="45720" rIns="91440" bIns="45720" numCol="1" anchor="b" anchorCtr="0" compatLnSpc="1">
+            <a:prstTxWarp prst="textNoShape">
+              <a:avLst/>
+            </a:prstTxWarp>
+          </a:bodyPr>
+          <a:lstStyle>
+            <a:lvl1pPr algn="l" rtl="0" fontAlgn="base">
+              <a:spcBef>
+                <a:spcPct val="0"/>
+              </a:spcBef>
+              <a:spcAft>
+                <a:spcPct val="0"/>
+              </a:spcAft>
+              <a:defRPr sz="4400" kern="1200">
+                <a:solidFill>
+                  <a:schemeClr val="tx2"/>
+                </a:solidFill>
+                <a:latin typeface="+mj-lt"/>
+                <a:ea typeface="+mj-ea"/>
+                <a:cs typeface="+mj-cs"/>
+              </a:defRPr>
+            </a:lvl1pPr>
+            <a:lvl2pPr algn="l" rtl="0" fontAlgn="base">
+              <a:spcBef>
+                <a:spcPct val="0"/>
+              </a:spcBef>
+              <a:spcAft>
+                <a:spcPct val="0"/>
+              </a:spcAft>
+              <a:defRPr sz="4400">
+                <a:solidFill>
+                  <a:schemeClr val="tx2"/>
+                </a:solidFill>
+                <a:latin typeface="Tahoma" panose="020B0604030504040204" pitchFamily="34" charset="0"/>
+              </a:defRPr>
+            </a:lvl2pPr>
+            <a:lvl3pPr algn="l" rtl="0" fontAlgn="base">
+              <a:spcBef>
+                <a:spcPct val="0"/>
+              </a:spcBef>
+              <a:spcAft>
+                <a:spcPct val="0"/>
+              </a:spcAft>
+              <a:defRPr sz="4400">
+                <a:solidFill>
+                  <a:schemeClr val="tx2"/>
+                </a:solidFill>
+                <a:latin typeface="Tahoma" panose="020B0604030504040204" pitchFamily="34" charset="0"/>
+              </a:defRPr>
+            </a:lvl3pPr>
+            <a:lvl4pPr algn="l" rtl="0" fontAlgn="base">
+              <a:spcBef>
+                <a:spcPct val="0"/>
+              </a:spcBef>
+              <a:spcAft>
+                <a:spcPct val="0"/>
+              </a:spcAft>
+              <a:defRPr sz="4400">
+                <a:solidFill>
+                  <a:schemeClr val="tx2"/>
+                </a:solidFill>
+                <a:latin typeface="Tahoma" panose="020B0604030504040204" pitchFamily="34" charset="0"/>
+              </a:defRPr>
+            </a:lvl4pPr>
+            <a:lvl5pPr algn="l" rtl="0" fontAlgn="base">
+              <a:spcBef>
+                <a:spcPct val="0"/>
+              </a:spcBef>
+              <a:spcAft>
+                <a:spcPct val="0"/>
+              </a:spcAft>
+              <a:defRPr sz="4400">
+                <a:solidFill>
+                  <a:schemeClr val="tx2"/>
+                </a:solidFill>
+                <a:latin typeface="Tahoma" panose="020B0604030504040204" pitchFamily="34" charset="0"/>
+              </a:defRPr>
+            </a:lvl5pPr>
+            <a:lvl6pPr marL="457200" algn="l" rtl="0" fontAlgn="base">
+              <a:spcBef>
+                <a:spcPct val="0"/>
+              </a:spcBef>
+              <a:spcAft>
+                <a:spcPct val="0"/>
+              </a:spcAft>
+              <a:defRPr sz="4400">
+                <a:solidFill>
+                  <a:schemeClr val="tx2"/>
+                </a:solidFill>
+                <a:latin typeface="Tahoma" panose="020B0604030504040204" pitchFamily="34" charset="0"/>
+              </a:defRPr>
+            </a:lvl6pPr>
+            <a:lvl7pPr marL="914400" algn="l" rtl="0" fontAlgn="base">
+              <a:spcBef>
+                <a:spcPct val="0"/>
+              </a:spcBef>
+              <a:spcAft>
+                <a:spcPct val="0"/>
+              </a:spcAft>
+              <a:defRPr sz="4400">
+                <a:solidFill>
+                  <a:schemeClr val="tx2"/>
+                </a:solidFill>
+                <a:latin typeface="Tahoma" panose="020B0604030504040204" pitchFamily="34" charset="0"/>
+              </a:defRPr>
+            </a:lvl7pPr>
+            <a:lvl8pPr marL="1371600" algn="l" rtl="0" fontAlgn="base">
+              <a:spcBef>
+                <a:spcPct val="0"/>
+              </a:spcBef>
+              <a:spcAft>
+                <a:spcPct val="0"/>
+              </a:spcAft>
+              <a:defRPr sz="4400">
+                <a:solidFill>
+                  <a:schemeClr val="tx2"/>
+                </a:solidFill>
+                <a:latin typeface="Tahoma" panose="020B0604030504040204" pitchFamily="34" charset="0"/>
+              </a:defRPr>
+            </a:lvl8pPr>
+            <a:lvl9pPr marL="1828800" algn="l" rtl="0" fontAlgn="base">
+              <a:spcBef>
+                <a:spcPct val="0"/>
+              </a:spcBef>
+              <a:spcAft>
+                <a:spcPct val="0"/>
+              </a:spcAft>
+              <a:defRPr sz="4400">
+                <a:solidFill>
+                  <a:schemeClr val="tx2"/>
+                </a:solidFill>
+                <a:latin typeface="Tahoma" panose="020B0604030504040204" pitchFamily="34" charset="0"/>
+              </a:defRPr>
+            </a:lvl9pPr>
+          </a:lstStyle>
+          <a:p>
+            <a:endParaRPr lang="en-US" altLang="be-BY" dirty="0"/>
+          </a:p>
+        </p:txBody>
+      </p:sp>
+      <p:graphicFrame>
+        <p:nvGraphicFramePr>
+          <p:cNvPr id="11" name="Объект 4"/>
+          <p:cNvGraphicFramePr>
+            <a:graphicFrameLocks/>
+          </p:cNvGraphicFramePr>
+          <p:nvPr>
+            <p:extLst>
+              <p:ext uri="{D42A27DB-BD31-4B8C-83A1-F6EECF244321}">
+                <p14:modId xmlns:p14="http://schemas.microsoft.com/office/powerpoint/2010/main" val="4225935894"/>
+              </p:ext>
+            </p:extLst>
+          </p:nvPr>
+        </p:nvGraphicFramePr>
+        <p:xfrm>
+          <a:off x="628650" y="2209800"/>
+          <a:ext cx="7886700" cy="3194209"/>
+        </p:xfrm>
+        <a:graphic>
+          <a:graphicData uri="http://schemas.openxmlformats.org/drawingml/2006/table">
+            <a:tbl>
+              <a:tblPr firstRow="1" bandRow="1">
+                <a:tableStyleId>{5C22544A-7EE6-4342-B048-85BDC9FD1C3A}</a:tableStyleId>
+              </a:tblPr>
+              <a:tblGrid>
+                <a:gridCol w="3943350"/>
+                <a:gridCol w="3943350"/>
+              </a:tblGrid>
+              <a:tr h="3194209">
+                <a:tc>
+                  <a:txBody>
+                    <a:bodyPr/>
+                    <a:lstStyle/>
+                    <a:p>
+                      <a:pPr algn="ctr"/>
+                      <a:endParaRPr lang="en-US" sz="3200" kern="1200" dirty="0" smtClean="0">
+                        <a:solidFill>
+                          <a:schemeClr val="tx1"/>
+                        </a:solidFill>
+                        <a:latin typeface="Trebuchet MS" panose="020B0603020202020204" pitchFamily="34" charset="0"/>
+                        <a:ea typeface="+mn-ea"/>
+                        <a:cs typeface="+mn-cs"/>
+                      </a:endParaRPr>
+                    </a:p>
+                    <a:p>
+                      <a:pPr algn="ctr"/>
+                      <a:r>
+                        <a:rPr lang="en-US" sz="3200" kern="1200" dirty="0" smtClean="0">
+                          <a:solidFill>
+                            <a:schemeClr val="tx1"/>
+                          </a:solidFill>
+                          <a:latin typeface="Trebuchet MS" panose="020B0603020202020204" pitchFamily="34" charset="0"/>
+                          <a:ea typeface="+mn-ea"/>
+                          <a:cs typeface="+mn-cs"/>
+                        </a:rPr>
+                        <a:t>Binary</a:t>
+                      </a:r>
+                    </a:p>
+                    <a:p>
+                      <a:pPr algn="ctr"/>
+                      <a:endParaRPr lang="en-US" sz="3200" kern="1200" dirty="0" smtClean="0">
+                        <a:solidFill>
+                          <a:schemeClr val="tx1"/>
+                        </a:solidFill>
+                        <a:latin typeface="Trebuchet MS" panose="020B0603020202020204" pitchFamily="34" charset="0"/>
+                        <a:ea typeface="+mn-ea"/>
+                        <a:cs typeface="+mn-cs"/>
+                      </a:endParaRPr>
+                    </a:p>
+                    <a:p>
+                      <a:pPr algn="ctr"/>
+                      <a:r>
+                        <a:rPr lang="en-US" sz="3200" b="0" kern="1200" dirty="0" smtClean="0">
+                          <a:solidFill>
+                            <a:schemeClr val="tx1"/>
+                          </a:solidFill>
+                          <a:latin typeface="Trebuchet MS" panose="020B0603020202020204" pitchFamily="34" charset="0"/>
+                          <a:ea typeface="+mn-ea"/>
+                          <a:cs typeface="+mn-cs"/>
+                        </a:rPr>
+                        <a:t>2 classes</a:t>
+                      </a:r>
+                    </a:p>
+                    <a:p>
+                      <a:pPr algn="ctr"/>
+                      <a:endParaRPr lang="en-US" sz="3200" kern="1200" dirty="0" smtClean="0">
+                        <a:solidFill>
+                          <a:schemeClr val="tx1"/>
+                        </a:solidFill>
+                        <a:latin typeface="Trebuchet MS" panose="020B0603020202020204" pitchFamily="34" charset="0"/>
+                        <a:ea typeface="+mn-ea"/>
+                        <a:cs typeface="+mn-cs"/>
+                      </a:endParaRPr>
+                    </a:p>
+                    <a:p>
+                      <a:pPr algn="l"/>
+                      <a:endParaRPr lang="ru-RU" sz="3200" kern="1200" dirty="0">
+                        <a:solidFill>
+                          <a:schemeClr val="tx1"/>
+                        </a:solidFill>
+                        <a:latin typeface="Trebuchet MS" panose="020B0603020202020204" pitchFamily="34" charset="0"/>
+                        <a:ea typeface="+mn-ea"/>
+                        <a:cs typeface="+mn-cs"/>
+                      </a:endParaRPr>
+                    </a:p>
+                  </a:txBody>
+                  <a:tcPr marL="68580" marR="68580" marT="34290" marB="34290">
+                    <a:lnL w="12700" cap="flat" cmpd="sng" algn="ctr">
+                      <a:solidFill>
+                        <a:schemeClr val="tx1"/>
+                      </a:solidFill>
+                      <a:prstDash val="solid"/>
+                      <a:round/>
+                      <a:headEnd type="none" w="med" len="med"/>
+                      <a:tailEnd type="none" w="med" len="med"/>
+                    </a:lnL>
+                    <a:lnR w="12700" cap="flat" cmpd="sng" algn="ctr">
+                      <a:solidFill>
+                        <a:schemeClr val="tx1"/>
+                      </a:solidFill>
+                      <a:prstDash val="solid"/>
+                      <a:round/>
+                      <a:headEnd type="none" w="med" len="med"/>
+                      <a:tailEnd type="none" w="med" len="med"/>
+                    </a:lnR>
+                    <a:lnT w="12700" cap="flat" cmpd="sng" algn="ctr">
+                      <a:solidFill>
+                        <a:schemeClr val="tx1"/>
+                      </a:solidFill>
+                      <a:prstDash val="solid"/>
+                      <a:round/>
+                      <a:headEnd type="none" w="med" len="med"/>
+                      <a:tailEnd type="none" w="med" len="med"/>
+                    </a:lnT>
+                    <a:lnB w="12700" cap="flat" cmpd="sng" algn="ctr">
+                      <a:solidFill>
+                        <a:schemeClr val="tx1"/>
+                      </a:solidFill>
+                      <a:prstDash val="solid"/>
+                      <a:round/>
+                      <a:headEnd type="none" w="med" len="med"/>
+                      <a:tailEnd type="none" w="med" len="med"/>
+                    </a:lnB>
+                    <a:noFill/>
+                  </a:tcPr>
+                </a:tc>
+                <a:tc>
+                  <a:txBody>
+                    <a:bodyPr/>
+                    <a:lstStyle/>
+                    <a:p>
+                      <a:pPr algn="ctr"/>
+                      <a:endParaRPr lang="en-US" sz="3200" kern="1200" dirty="0" smtClean="0">
+                        <a:solidFill>
+                          <a:schemeClr val="tx1"/>
+                        </a:solidFill>
+                        <a:latin typeface="Trebuchet MS" panose="020B0603020202020204" pitchFamily="34" charset="0"/>
+                        <a:ea typeface="+mn-ea"/>
+                        <a:cs typeface="+mn-cs"/>
+                      </a:endParaRPr>
+                    </a:p>
+                    <a:p>
+                      <a:pPr algn="ctr"/>
+                      <a:r>
+                        <a:rPr lang="en-US" sz="3200" kern="1200" dirty="0" smtClean="0">
+                          <a:solidFill>
+                            <a:schemeClr val="tx1"/>
+                          </a:solidFill>
+                          <a:latin typeface="Trebuchet MS" panose="020B0603020202020204" pitchFamily="34" charset="0"/>
+                          <a:ea typeface="+mn-ea"/>
+                          <a:cs typeface="+mn-cs"/>
+                        </a:rPr>
+                        <a:t>Multiclass</a:t>
+                      </a:r>
+                    </a:p>
+                    <a:p>
+                      <a:pPr algn="ctr"/>
+                      <a:endParaRPr lang="ru-RU" sz="3200" kern="1200" dirty="0" smtClean="0">
+                        <a:solidFill>
+                          <a:schemeClr val="tx1"/>
+                        </a:solidFill>
+                        <a:latin typeface="Trebuchet MS" panose="020B0603020202020204" pitchFamily="34" charset="0"/>
+                        <a:ea typeface="+mn-ea"/>
+                        <a:cs typeface="+mn-cs"/>
+                      </a:endParaRPr>
+                    </a:p>
+                    <a:p>
+                      <a:pPr algn="ctr"/>
+                      <a:r>
+                        <a:rPr lang="en-US" sz="3200" b="0" kern="1200" dirty="0" smtClean="0">
+                          <a:solidFill>
+                            <a:schemeClr val="tx1"/>
+                          </a:solidFill>
+                          <a:latin typeface="Trebuchet MS" panose="020B0603020202020204" pitchFamily="34" charset="0"/>
+                          <a:ea typeface="+mn-ea"/>
+                          <a:cs typeface="+mn-cs"/>
+                        </a:rPr>
+                        <a:t>more than 2 classes</a:t>
+                      </a:r>
+                      <a:endParaRPr lang="ru-RU" sz="3200" b="0" kern="1200" dirty="0">
+                        <a:solidFill>
+                          <a:schemeClr val="tx1"/>
+                        </a:solidFill>
+                        <a:latin typeface="Trebuchet MS" panose="020B0603020202020204" pitchFamily="34" charset="0"/>
+                        <a:ea typeface="+mn-ea"/>
+                        <a:cs typeface="+mn-cs"/>
+                      </a:endParaRPr>
+                    </a:p>
+                  </a:txBody>
+                  <a:tcPr marL="68580" marR="68580" marT="34290" marB="34290">
+                    <a:lnL w="12700" cap="flat" cmpd="sng" algn="ctr">
+                      <a:solidFill>
+                        <a:schemeClr val="tx1"/>
+                      </a:solidFill>
+                      <a:prstDash val="solid"/>
+                      <a:round/>
+                      <a:headEnd type="none" w="med" len="med"/>
+                      <a:tailEnd type="none" w="med" len="med"/>
+                    </a:lnL>
+                    <a:lnR w="12700" cap="flat" cmpd="sng" algn="ctr">
+                      <a:solidFill>
+                        <a:schemeClr val="tx1"/>
+                      </a:solidFill>
+                      <a:prstDash val="solid"/>
+                      <a:round/>
+                      <a:headEnd type="none" w="med" len="med"/>
+                      <a:tailEnd type="none" w="med" len="med"/>
+                    </a:lnR>
+                    <a:lnT w="12700" cap="flat" cmpd="sng" algn="ctr">
+                      <a:solidFill>
+                        <a:schemeClr val="tx1"/>
+                      </a:solidFill>
+                      <a:prstDash val="solid"/>
+                      <a:round/>
+                      <a:headEnd type="none" w="med" len="med"/>
+                      <a:tailEnd type="none" w="med" len="med"/>
+                    </a:lnT>
+                    <a:lnB w="12700" cap="flat" cmpd="sng" algn="ctr">
+                      <a:solidFill>
+                        <a:schemeClr val="tx1"/>
+                      </a:solidFill>
+                      <a:prstDash val="solid"/>
+                      <a:round/>
+                      <a:headEnd type="none" w="med" len="med"/>
+                      <a:tailEnd type="none" w="med" len="med"/>
+                    </a:lnB>
+                    <a:noFill/>
+                  </a:tcPr>
+                </a:tc>
+              </a:tr>
+            </a:tbl>
+          </a:graphicData>
+        </a:graphic>
+      </p:graphicFrame>
+      <p:sp>
+        <p:nvSpPr>
+          <p:cNvPr id="7" name="Нижний колонтитул 4"/>
+          <p:cNvSpPr>
+            <a:spLocks noGrp="1"/>
+          </p:cNvSpPr>
+          <p:nvPr>
+            <p:ph type="ftr" sz="quarter" idx="11"/>
+          </p:nvPr>
+        </p:nvSpPr>
+        <p:spPr>
+          <a:xfrm>
+            <a:off x="228600" y="6629400"/>
+            <a:ext cx="6172200" cy="228601"/>
+          </a:xfrm>
+        </p:spPr>
+        <p:txBody>
+          <a:bodyPr/>
+          <a:lstStyle/>
+          <a:p>
+            <a:r>
+              <a:rPr lang="en-US" b="1" dirty="0"/>
+              <a:t>ML-course. </a:t>
+            </a:r>
+            <a:r>
+              <a:rPr lang="en-US" dirty="0" smtClean="0"/>
+              <a:t>Classification</a:t>
+            </a:r>
+            <a:endParaRPr lang="ru-RU" dirty="0"/>
+          </a:p>
+        </p:txBody>
+      </p:sp>
+    </p:spTree>
+    <p:extLst>
+      <p:ext uri="{BB962C8B-B14F-4D97-AF65-F5344CB8AC3E}">
+        <p14:creationId xmlns:p14="http://schemas.microsoft.com/office/powerpoint/2010/main" val="626696442"/>
+      </p:ext>
+    </p:extLst>
+  </p:cSld>
+  <p:clrMapOvr>
+    <a:masterClrMapping/>
+  </p:clrMapOvr>
+  <p:timing>
+    <p:tnLst>
+      <p:par>
+        <p:cTn id="1" dur="indefinite" restart="never" nodeType="tmRoot"/>
+      </p:par>
+    </p:tnLst>
+  </p:timing>
+</p:sld>
+</file>
+
+<file path=ppt/slides/slide7.xml><?xml version="1.0" encoding="utf-8"?>
+<p:sld xmlns:a="http://schemas.openxmlformats.org/drawingml/2006/main" xmlns:r="http://schemas.openxmlformats.org/officeDocument/2006/relationships" xmlns:p="http://schemas.openxmlformats.org/presentationml/2006/main">
+  <p:cSld>
+    <p:spTree>
+      <p:nvGrpSpPr>
+        <p:cNvPr id="1" name=""/>
+        <p:cNvGrpSpPr/>
+        <p:nvPr/>
+      </p:nvGrpSpPr>
+      <p:grpSpPr>
+        <a:xfrm>
+          <a:off x="0" y="0"/>
+          <a:ext cx="0" cy="0"/>
+          <a:chOff x="0" y="0"/>
+          <a:chExt cx="0" cy="0"/>
+        </a:xfrm>
+      </p:grpSpPr>
+      <p:sp>
+        <p:nvSpPr>
           <p:cNvPr id="3" name="Прямоугольник 2"/>
           <p:cNvSpPr/>
           <p:nvPr/>
@@ -17270,7 +18359,7 @@
 </p:sld>
 </file>
 
-<file path=ppt/slides/slide7.xml><?xml version="1.0" encoding="utf-8"?>
+<file path=ppt/slides/slide8.xml><?xml version="1.0" encoding="utf-8"?>
 <p:sld xmlns:a="http://schemas.openxmlformats.org/drawingml/2006/main" xmlns:r="http://schemas.openxmlformats.org/officeDocument/2006/relationships" xmlns:p="http://schemas.openxmlformats.org/presentationml/2006/main">
   <p:cSld>
     <p:spTree>
@@ -17665,7 +18754,7 @@
 </p:sld>
 </file>
 
-<file path=ppt/slides/slide8.xml><?xml version="1.0" encoding="utf-8"?>
+<file path=ppt/slides/slide9.xml><?xml version="1.0" encoding="utf-8"?>
 <p:sld xmlns:a="http://schemas.openxmlformats.org/drawingml/2006/main" xmlns:r="http://schemas.openxmlformats.org/officeDocument/2006/relationships" xmlns:p="http://schemas.openxmlformats.org/presentationml/2006/main">
   <p:cSld>
     <p:spTree>
@@ -18076,925 +19165,6 @@
     <p:extLst>
       <p:ext uri="{BB962C8B-B14F-4D97-AF65-F5344CB8AC3E}">
         <p14:creationId xmlns:p14="http://schemas.microsoft.com/office/powerpoint/2010/main" val="2006197607"/>
-      </p:ext>
-    </p:extLst>
-  </p:cSld>
-  <p:clrMapOvr>
-    <a:masterClrMapping/>
-  </p:clrMapOvr>
-  <p:timing>
-    <p:tnLst>
-      <p:par>
-        <p:cTn id="1" dur="indefinite" restart="never" nodeType="tmRoot"/>
-      </p:par>
-    </p:tnLst>
-  </p:timing>
-</p:sld>
-</file>
-
-<file path=ppt/slides/slide9.xml><?xml version="1.0" encoding="utf-8"?>
-<p:sld xmlns:a="http://schemas.openxmlformats.org/drawingml/2006/main" xmlns:r="http://schemas.openxmlformats.org/officeDocument/2006/relationships" xmlns:p="http://schemas.openxmlformats.org/presentationml/2006/main">
-  <p:cSld>
-    <p:spTree>
-      <p:nvGrpSpPr>
-        <p:cNvPr id="1" name=""/>
-        <p:cNvGrpSpPr/>
-        <p:nvPr/>
-      </p:nvGrpSpPr>
-      <p:grpSpPr>
-        <a:xfrm>
-          <a:off x="0" y="0"/>
-          <a:ext cx="0" cy="0"/>
-          <a:chOff x="0" y="0"/>
-          <a:chExt cx="0" cy="0"/>
-        </a:xfrm>
-      </p:grpSpPr>
-      <p:sp>
-        <p:nvSpPr>
-          <p:cNvPr id="8" name="Rectangle 2"/>
-          <p:cNvSpPr txBox="1">
-            <a:spLocks noGrp="1" noChangeArrowheads="1"/>
-          </p:cNvSpPr>
-          <p:nvPr>
-            <p:ph type="title"/>
-          </p:nvPr>
-        </p:nvSpPr>
-        <p:spPr>
-          <a:xfrm>
-            <a:off x="228600" y="206459"/>
-            <a:ext cx="4800600" cy="792162"/>
-          </a:xfrm>
-          <a:prstGeom prst="rect">
-            <a:avLst/>
-          </a:prstGeom>
-        </p:spPr>
-        <p:txBody>
-          <a:bodyPr vert="horz" lIns="91440" tIns="45720" rIns="91440" bIns="45720" rtlCol="0" anchor="ctr">
-            <a:normAutofit/>
-          </a:bodyPr>
-          <a:lstStyle>
-            <a:lvl1pPr algn="l" defTabSz="914400" rtl="0" eaLnBrk="1" latinLnBrk="0" hangingPunct="1">
-              <a:spcBef>
-                <a:spcPct val="0"/>
-              </a:spcBef>
-              <a:buNone/>
-              <a:defRPr sz="4400" b="0" kern="1200">
-                <a:solidFill>
-                  <a:srgbClr val="54759A"/>
-                </a:solidFill>
-                <a:effectLst/>
-                <a:latin typeface="Trebuchet MS" panose="020B0603020202020204" pitchFamily="34" charset="0"/>
-                <a:ea typeface="+mj-ea"/>
-                <a:cs typeface="+mj-cs"/>
-              </a:defRPr>
-            </a:lvl1pPr>
-          </a:lstStyle>
-          <a:p>
-            <a:r>
-              <a:rPr lang="en-US" dirty="0"/>
-              <a:t>Working with data</a:t>
-            </a:r>
-            <a:endParaRPr lang="en-US" altLang="be-BY" dirty="0"/>
-          </a:p>
-        </p:txBody>
-      </p:sp>
-      <p:sp>
-        <p:nvSpPr>
-          <p:cNvPr id="9" name="Номер слайда 3"/>
-          <p:cNvSpPr>
-            <a:spLocks noGrp="1"/>
-          </p:cNvSpPr>
-          <p:nvPr>
-            <p:ph type="sldNum" sz="quarter" idx="12"/>
-          </p:nvPr>
-        </p:nvSpPr>
-        <p:spPr>
-          <a:xfrm>
-            <a:off x="8381999" y="94079"/>
-            <a:ext cx="531395" cy="365125"/>
-          </a:xfrm>
-        </p:spPr>
-        <p:txBody>
-          <a:bodyPr/>
-          <a:lstStyle/>
-          <a:p>
-            <a:r>
-              <a:rPr lang="en-US" dirty="0" smtClean="0"/>
-              <a:t>10</a:t>
-            </a:r>
-            <a:endParaRPr lang="ru-RU" dirty="0"/>
-          </a:p>
-        </p:txBody>
-      </p:sp>
-      <p:sp>
-        <p:nvSpPr>
-          <p:cNvPr id="11" name="Заголовок 1"/>
-          <p:cNvSpPr txBox="1">
-            <a:spLocks/>
-          </p:cNvSpPr>
-          <p:nvPr/>
-        </p:nvSpPr>
-        <p:spPr>
-          <a:xfrm>
-            <a:off x="366515" y="914400"/>
-            <a:ext cx="8272975" cy="789296"/>
-          </a:xfrm>
-          <a:prstGeom prst="rect">
-            <a:avLst/>
-          </a:prstGeom>
-        </p:spPr>
-        <p:txBody>
-          <a:bodyPr vert="horz" lIns="91440" tIns="45720" rIns="91440" bIns="45720" rtlCol="0" anchor="ctr">
-            <a:noAutofit/>
-          </a:bodyPr>
-          <a:lstStyle>
-            <a:lvl1pPr algn="l" defTabSz="914400" rtl="0" eaLnBrk="1" latinLnBrk="0" hangingPunct="1">
-              <a:lnSpc>
-                <a:spcPct val="90000"/>
-              </a:lnSpc>
-              <a:spcBef>
-                <a:spcPct val="0"/>
-              </a:spcBef>
-              <a:buNone/>
-              <a:defRPr sz="4400" kern="1200">
-                <a:solidFill>
-                  <a:schemeClr val="tx1"/>
-                </a:solidFill>
-                <a:latin typeface="+mj-lt"/>
-                <a:ea typeface="+mj-ea"/>
-                <a:cs typeface="+mj-cs"/>
-              </a:defRPr>
-            </a:lvl1pPr>
-          </a:lstStyle>
-          <a:p>
-            <a:r>
-              <a:rPr lang="en-US" sz="3200" b="1" dirty="0">
-                <a:latin typeface="Trebuchet MS" panose="020B0603020202020204" pitchFamily="34" charset="0"/>
-              </a:rPr>
-              <a:t>Types of </a:t>
-            </a:r>
-            <a:r>
-              <a:rPr lang="en-US" sz="3200" b="1" dirty="0" smtClean="0">
-                <a:latin typeface="Trebuchet MS" panose="020B0603020202020204" pitchFamily="34" charset="0"/>
-              </a:rPr>
-              <a:t>variables and </a:t>
-            </a:r>
-            <a:r>
-              <a:rPr lang="en-US" sz="3200" b="1" dirty="0">
-                <a:latin typeface="Trebuchet MS" panose="020B0603020202020204" pitchFamily="34" charset="0"/>
-              </a:rPr>
-              <a:t>actions</a:t>
-            </a:r>
-            <a:endParaRPr lang="ru-RU" sz="3200" b="1" dirty="0">
-              <a:latin typeface="Trebuchet MS" panose="020B0603020202020204" pitchFamily="34" charset="0"/>
-            </a:endParaRPr>
-          </a:p>
-        </p:txBody>
-      </p:sp>
-      <p:graphicFrame>
-        <p:nvGraphicFramePr>
-          <p:cNvPr id="16" name="Объект 4"/>
-          <p:cNvGraphicFramePr>
-            <a:graphicFrameLocks/>
-          </p:cNvGraphicFramePr>
-          <p:nvPr>
-            <p:extLst>
-              <p:ext uri="{D42A27DB-BD31-4B8C-83A1-F6EECF244321}">
-                <p14:modId xmlns:p14="http://schemas.microsoft.com/office/powerpoint/2010/main" val="3650113008"/>
-              </p:ext>
-            </p:extLst>
-          </p:nvPr>
-        </p:nvGraphicFramePr>
-        <p:xfrm>
-          <a:off x="233288" y="1701432"/>
-          <a:ext cx="8680106" cy="4671060"/>
-        </p:xfrm>
-        <a:graphic>
-          <a:graphicData uri="http://schemas.openxmlformats.org/drawingml/2006/table">
-            <a:tbl>
-              <a:tblPr firstRow="1" bandRow="1">
-                <a:tableStyleId>{5C22544A-7EE6-4342-B048-85BDC9FD1C3A}</a:tableStyleId>
-              </a:tblPr>
-              <a:tblGrid>
-                <a:gridCol w="3500512"/>
-                <a:gridCol w="5179594"/>
-              </a:tblGrid>
-              <a:tr h="4394567">
-                <a:tc>
-                  <a:txBody>
-                    <a:bodyPr/>
-                    <a:lstStyle/>
-                    <a:p>
-                      <a:pPr algn="ctr"/>
-                      <a:r>
-                        <a:rPr lang="en-US" sz="2200" dirty="0" smtClean="0">
-                          <a:solidFill>
-                            <a:schemeClr val="tx1"/>
-                          </a:solidFill>
-                          <a:latin typeface="Trebuchet MS" panose="020B0603020202020204" pitchFamily="34" charset="0"/>
-                        </a:rPr>
-                        <a:t>Types of variables </a:t>
-                      </a:r>
-                    </a:p>
-                    <a:p>
-                      <a:pPr algn="ctr"/>
-                      <a:endParaRPr lang="en-US" sz="2000" kern="1200" dirty="0" smtClean="0">
-                        <a:solidFill>
-                          <a:schemeClr val="tx1"/>
-                        </a:solidFill>
-                        <a:latin typeface="Trebuchet MS" panose="020B0603020202020204" pitchFamily="34" charset="0"/>
-                        <a:ea typeface="+mj-ea"/>
-                        <a:cs typeface="+mj-cs"/>
-                      </a:endParaRPr>
-                    </a:p>
-                    <a:p>
-                      <a:pPr marL="0" indent="0" algn="ctr">
-                        <a:buNone/>
-                      </a:pPr>
-                      <a:r>
-                        <a:rPr lang="en-US" sz="2000" b="0" dirty="0" smtClean="0">
-                          <a:solidFill>
-                            <a:schemeClr val="tx1"/>
-                          </a:solidFill>
-                          <a:latin typeface="Trebuchet MS" panose="020B0603020202020204" pitchFamily="34" charset="0"/>
-                        </a:rPr>
-                        <a:t>Categorical</a:t>
-                      </a:r>
-                    </a:p>
-                    <a:p>
-                      <a:pPr marL="0" indent="0" algn="ctr">
-                        <a:buNone/>
-                      </a:pPr>
-                      <a:endParaRPr lang="en-US" sz="2000" b="0" dirty="0" smtClean="0">
-                        <a:solidFill>
-                          <a:schemeClr val="tx1"/>
-                        </a:solidFill>
-                        <a:latin typeface="Trebuchet MS" panose="020B0603020202020204" pitchFamily="34" charset="0"/>
-                      </a:endParaRPr>
-                    </a:p>
-                    <a:p>
-                      <a:pPr marL="0" indent="0" algn="ctr">
-                        <a:buNone/>
-                      </a:pPr>
-                      <a:r>
-                        <a:rPr lang="en-US" sz="2000" b="0" dirty="0" smtClean="0">
-                          <a:solidFill>
-                            <a:schemeClr val="tx1"/>
-                          </a:solidFill>
-                          <a:latin typeface="Trebuchet MS" panose="020B0603020202020204" pitchFamily="34" charset="0"/>
-                        </a:rPr>
-                        <a:t>Text</a:t>
-                      </a:r>
-                    </a:p>
-                    <a:p>
-                      <a:pPr marL="0" indent="0" algn="ctr">
-                        <a:buNone/>
-                      </a:pPr>
-                      <a:endParaRPr lang="en-US" sz="2000" b="0" dirty="0" smtClean="0">
-                        <a:solidFill>
-                          <a:schemeClr val="tx1"/>
-                        </a:solidFill>
-                        <a:latin typeface="Trebuchet MS" panose="020B0603020202020204" pitchFamily="34" charset="0"/>
-                      </a:endParaRPr>
-                    </a:p>
-                    <a:p>
-                      <a:pPr marL="0" indent="0" algn="ctr">
-                        <a:buNone/>
-                      </a:pPr>
-                      <a:endParaRPr lang="en-US" sz="2000" b="0" dirty="0" smtClean="0">
-                        <a:solidFill>
-                          <a:schemeClr val="tx1"/>
-                        </a:solidFill>
-                        <a:latin typeface="Trebuchet MS" panose="020B0603020202020204" pitchFamily="34" charset="0"/>
-                      </a:endParaRPr>
-                    </a:p>
-                    <a:p>
-                      <a:pPr marL="0" indent="0" algn="ctr">
-                        <a:buNone/>
-                      </a:pPr>
-                      <a:endParaRPr lang="en-US" sz="2000" b="0" dirty="0" smtClean="0">
-                        <a:solidFill>
-                          <a:schemeClr val="tx1"/>
-                        </a:solidFill>
-                        <a:latin typeface="Trebuchet MS" panose="020B0603020202020204" pitchFamily="34" charset="0"/>
-                      </a:endParaRPr>
-                    </a:p>
-                    <a:p>
-                      <a:pPr marL="0" indent="0" algn="ctr">
-                        <a:buNone/>
-                      </a:pPr>
-                      <a:endParaRPr lang="en-US" sz="2000" b="0" dirty="0" smtClean="0">
-                        <a:solidFill>
-                          <a:schemeClr val="tx1"/>
-                        </a:solidFill>
-                        <a:latin typeface="Trebuchet MS" panose="020B0603020202020204" pitchFamily="34" charset="0"/>
-                      </a:endParaRPr>
-                    </a:p>
-                    <a:p>
-                      <a:pPr marL="0" indent="0" algn="ctr">
-                        <a:buNone/>
-                      </a:pPr>
-                      <a:endParaRPr lang="en-US" sz="2000" b="0" dirty="0" smtClean="0">
-                        <a:solidFill>
-                          <a:schemeClr val="tx1"/>
-                        </a:solidFill>
-                        <a:latin typeface="Trebuchet MS" panose="020B0603020202020204" pitchFamily="34" charset="0"/>
-                      </a:endParaRPr>
-                    </a:p>
-                    <a:p>
-                      <a:pPr marL="0" indent="0" algn="ctr">
-                        <a:buNone/>
-                      </a:pPr>
-                      <a:endParaRPr lang="en-US" sz="2000" b="0" dirty="0" smtClean="0">
-                        <a:solidFill>
-                          <a:schemeClr val="tx1"/>
-                        </a:solidFill>
-                        <a:latin typeface="Trebuchet MS" panose="020B0603020202020204" pitchFamily="34" charset="0"/>
-                      </a:endParaRPr>
-                    </a:p>
-                    <a:p>
-                      <a:pPr marL="0" indent="0" algn="ctr">
-                        <a:buNone/>
-                      </a:pPr>
-                      <a:r>
-                        <a:rPr lang="en-US" sz="2000" b="0" dirty="0" smtClean="0">
-                          <a:solidFill>
-                            <a:schemeClr val="tx1"/>
-                          </a:solidFill>
-                          <a:latin typeface="Trebuchet MS" panose="020B0603020202020204" pitchFamily="34" charset="0"/>
-                        </a:rPr>
-                        <a:t>Numerical</a:t>
-                      </a:r>
-                      <a:endParaRPr lang="ru-RU" sz="2000" b="0" dirty="0">
-                        <a:solidFill>
-                          <a:schemeClr val="tx1"/>
-                        </a:solidFill>
-                        <a:latin typeface="Trebuchet MS" panose="020B0603020202020204" pitchFamily="34" charset="0"/>
-                      </a:endParaRPr>
-                    </a:p>
-                  </a:txBody>
-                  <a:tcPr marL="68580" marR="68580" marT="34290" marB="34290">
-                    <a:lnL w="12700" cap="flat" cmpd="sng" algn="ctr">
-                      <a:solidFill>
-                        <a:schemeClr val="tx1"/>
-                      </a:solidFill>
-                      <a:prstDash val="solid"/>
-                      <a:round/>
-                      <a:headEnd type="none" w="med" len="med"/>
-                      <a:tailEnd type="none" w="med" len="med"/>
-                    </a:lnL>
-                    <a:lnR w="12700" cap="flat" cmpd="sng" algn="ctr">
-                      <a:solidFill>
-                        <a:schemeClr val="tx1"/>
-                      </a:solidFill>
-                      <a:prstDash val="solid"/>
-                      <a:round/>
-                      <a:headEnd type="none" w="med" len="med"/>
-                      <a:tailEnd type="none" w="med" len="med"/>
-                    </a:lnR>
-                    <a:lnT w="12700" cap="flat" cmpd="sng" algn="ctr">
-                      <a:solidFill>
-                        <a:schemeClr val="tx1"/>
-                      </a:solidFill>
-                      <a:prstDash val="solid"/>
-                      <a:round/>
-                      <a:headEnd type="none" w="med" len="med"/>
-                      <a:tailEnd type="none" w="med" len="med"/>
-                    </a:lnT>
-                    <a:lnB w="12700" cap="flat" cmpd="sng" algn="ctr">
-                      <a:solidFill>
-                        <a:schemeClr val="tx1"/>
-                      </a:solidFill>
-                      <a:prstDash val="solid"/>
-                      <a:round/>
-                      <a:headEnd type="none" w="med" len="med"/>
-                      <a:tailEnd type="none" w="med" len="med"/>
-                    </a:lnB>
-                    <a:noFill/>
-                  </a:tcPr>
-                </a:tc>
-                <a:tc>
-                  <a:txBody>
-                    <a:bodyPr/>
-                    <a:lstStyle/>
-                    <a:p>
-                      <a:pPr marL="0" marR="0" indent="0" algn="ctr" defTabSz="914400" rtl="0" eaLnBrk="1" fontAlgn="auto" latinLnBrk="0" hangingPunct="1">
-                        <a:lnSpc>
-                          <a:spcPct val="100000"/>
-                        </a:lnSpc>
-                        <a:spcBef>
-                          <a:spcPts val="0"/>
-                        </a:spcBef>
-                        <a:spcAft>
-                          <a:spcPts val="0"/>
-                        </a:spcAft>
-                        <a:buClrTx/>
-                        <a:buSzTx/>
-                        <a:buFontTx/>
-                        <a:buNone/>
-                        <a:tabLst/>
-                        <a:defRPr/>
-                      </a:pPr>
-                      <a:r>
-                        <a:rPr lang="en-US" sz="2200" dirty="0" smtClean="0">
-                          <a:solidFill>
-                            <a:schemeClr val="tx1"/>
-                          </a:solidFill>
-                          <a:latin typeface="Trebuchet MS" panose="020B0603020202020204" pitchFamily="34" charset="0"/>
-                        </a:rPr>
-                        <a:t>Actions</a:t>
-                      </a:r>
-                    </a:p>
-                    <a:p>
-                      <a:pPr marL="0" marR="0" indent="0" algn="ctr" defTabSz="914400" rtl="0" eaLnBrk="1" fontAlgn="auto" latinLnBrk="0" hangingPunct="1">
-                        <a:lnSpc>
-                          <a:spcPct val="100000"/>
-                        </a:lnSpc>
-                        <a:spcBef>
-                          <a:spcPts val="0"/>
-                        </a:spcBef>
-                        <a:spcAft>
-                          <a:spcPts val="0"/>
-                        </a:spcAft>
-                        <a:buClrTx/>
-                        <a:buSzTx/>
-                        <a:buFontTx/>
-                        <a:buNone/>
-                        <a:tabLst/>
-                        <a:defRPr/>
-                      </a:pPr>
-                      <a:endParaRPr lang="en-US" sz="2000" dirty="0" smtClean="0">
-                        <a:solidFill>
-                          <a:schemeClr val="tx1"/>
-                        </a:solidFill>
-                        <a:latin typeface="Trebuchet MS" panose="020B0603020202020204" pitchFamily="34" charset="0"/>
-                      </a:endParaRPr>
-                    </a:p>
-                    <a:p>
-                      <a:pPr marL="541338" marR="0" indent="-363538" algn="l" defTabSz="914400" rtl="0" eaLnBrk="1" fontAlgn="auto" latinLnBrk="0" hangingPunct="1">
-                        <a:lnSpc>
-                          <a:spcPct val="100000"/>
-                        </a:lnSpc>
-                        <a:spcBef>
-                          <a:spcPts val="0"/>
-                        </a:spcBef>
-                        <a:spcAft>
-                          <a:spcPts val="0"/>
-                        </a:spcAft>
-                        <a:buClrTx/>
-                        <a:buSzTx/>
-                        <a:buFontTx/>
-                        <a:buNone/>
-                        <a:tabLst>
-                          <a:tab pos="355600" algn="l"/>
-                        </a:tabLst>
-                        <a:defRPr/>
-                      </a:pPr>
-                      <a:r>
-                        <a:rPr lang="en-US" sz="2000" b="0" dirty="0" smtClean="0">
-                          <a:solidFill>
-                            <a:schemeClr val="tx1"/>
-                          </a:solidFill>
-                          <a:latin typeface="Trebuchet MS" panose="020B0603020202020204" pitchFamily="34" charset="0"/>
-                        </a:rPr>
-                        <a:t>Convert to n binary</a:t>
-                      </a:r>
-                      <a:r>
-                        <a:rPr lang="en-US" sz="2000" b="0" baseline="0" dirty="0" smtClean="0">
-                          <a:solidFill>
-                            <a:schemeClr val="tx1"/>
-                          </a:solidFill>
-                          <a:latin typeface="Trebuchet MS" panose="020B0603020202020204" pitchFamily="34" charset="0"/>
-                        </a:rPr>
-                        <a:t> </a:t>
-                      </a:r>
-                      <a:r>
-                        <a:rPr lang="en-US" sz="2000" b="0" baseline="0" dirty="0" err="1" smtClean="0">
-                          <a:solidFill>
-                            <a:schemeClr val="tx1"/>
-                          </a:solidFill>
-                          <a:latin typeface="Trebuchet MS" panose="020B0603020202020204" pitchFamily="34" charset="0"/>
-                        </a:rPr>
-                        <a:t>vars</a:t>
-                      </a:r>
-                      <a:r>
-                        <a:rPr lang="en-US" sz="2000" b="0" baseline="0" dirty="0" smtClean="0">
-                          <a:solidFill>
-                            <a:schemeClr val="tx1"/>
-                          </a:solidFill>
-                          <a:latin typeface="Trebuchet MS" panose="020B0603020202020204" pitchFamily="34" charset="0"/>
-                        </a:rPr>
-                        <a:t> (n – number of labels)</a:t>
-                      </a:r>
-                      <a:endParaRPr lang="en-US" sz="2000" b="0" dirty="0" smtClean="0">
-                        <a:solidFill>
-                          <a:schemeClr val="tx1"/>
-                        </a:solidFill>
-                        <a:latin typeface="Trebuchet MS" panose="020B0603020202020204" pitchFamily="34" charset="0"/>
-                      </a:endParaRPr>
-                    </a:p>
-                    <a:p>
-                      <a:pPr marL="541338" marR="0" indent="-363538" algn="l" defTabSz="914400" rtl="0" eaLnBrk="1" fontAlgn="auto" latinLnBrk="0" hangingPunct="1">
-                        <a:lnSpc>
-                          <a:spcPct val="100000"/>
-                        </a:lnSpc>
-                        <a:spcBef>
-                          <a:spcPts val="0"/>
-                        </a:spcBef>
-                        <a:spcAft>
-                          <a:spcPts val="0"/>
-                        </a:spcAft>
-                        <a:buClrTx/>
-                        <a:buSzTx/>
-                        <a:buFontTx/>
-                        <a:buNone/>
-                        <a:tabLst>
-                          <a:tab pos="355600" algn="l"/>
-                        </a:tabLst>
-                        <a:defRPr/>
-                      </a:pPr>
-                      <a:endParaRPr lang="en-US" sz="2000" b="0" dirty="0" smtClean="0">
-                        <a:solidFill>
-                          <a:schemeClr val="tx1"/>
-                        </a:solidFill>
-                        <a:latin typeface="Trebuchet MS" panose="020B0603020202020204" pitchFamily="34" charset="0"/>
-                      </a:endParaRPr>
-                    </a:p>
-                    <a:p>
-                      <a:pPr marL="541338" marR="0" indent="-363538" algn="l" defTabSz="914400" rtl="0" eaLnBrk="1" fontAlgn="auto" latinLnBrk="0" hangingPunct="1">
-                        <a:lnSpc>
-                          <a:spcPct val="100000"/>
-                        </a:lnSpc>
-                        <a:spcBef>
-                          <a:spcPts val="0"/>
-                        </a:spcBef>
-                        <a:spcAft>
-                          <a:spcPts val="0"/>
-                        </a:spcAft>
-                        <a:buClrTx/>
-                        <a:buSzTx/>
-                        <a:buFontTx/>
-                        <a:buNone/>
-                        <a:tabLst>
-                          <a:tab pos="355600" algn="l"/>
-                        </a:tabLst>
-                        <a:defRPr/>
-                      </a:pPr>
-                      <a:r>
-                        <a:rPr lang="en-US" sz="2000" b="0" i="1" dirty="0" smtClean="0">
-                          <a:solidFill>
-                            <a:schemeClr val="tx1"/>
-                          </a:solidFill>
-                          <a:latin typeface="Trebuchet MS" panose="020B0603020202020204" pitchFamily="34" charset="0"/>
-                        </a:rPr>
-                        <a:t>Options:</a:t>
-                      </a:r>
-                    </a:p>
-                    <a:p>
-                      <a:pPr marL="541338" marR="0" indent="-185738" algn="l" defTabSz="914400" rtl="0" eaLnBrk="1" fontAlgn="auto" latinLnBrk="0" hangingPunct="1">
-                        <a:lnSpc>
-                          <a:spcPct val="100000"/>
-                        </a:lnSpc>
-                        <a:spcBef>
-                          <a:spcPts val="0"/>
-                        </a:spcBef>
-                        <a:spcAft>
-                          <a:spcPts val="0"/>
-                        </a:spcAft>
-                        <a:buClrTx/>
-                        <a:buSzTx/>
-                        <a:buFont typeface="Arial" panose="020B0604020202020204" pitchFamily="34" charset="0"/>
-                        <a:buChar char="•"/>
-                        <a:tabLst>
-                          <a:tab pos="355600" algn="l"/>
-                        </a:tabLst>
-                        <a:defRPr/>
-                      </a:pPr>
-                      <a:r>
-                        <a:rPr lang="en-US" sz="2000" b="0" i="1" dirty="0" smtClean="0">
-                          <a:solidFill>
-                            <a:schemeClr val="tx1"/>
-                          </a:solidFill>
-                          <a:latin typeface="Trebuchet MS" panose="020B0603020202020204" pitchFamily="34" charset="0"/>
-                        </a:rPr>
-                        <a:t>Scrap a pattern and convert</a:t>
-                      </a:r>
-                      <a:r>
-                        <a:rPr lang="en-US" sz="2000" b="0" i="1" baseline="0" dirty="0" smtClean="0">
-                          <a:solidFill>
-                            <a:schemeClr val="tx1"/>
-                          </a:solidFill>
-                          <a:latin typeface="Trebuchet MS" panose="020B0603020202020204" pitchFamily="34" charset="0"/>
-                        </a:rPr>
-                        <a:t> it to n binary </a:t>
-                      </a:r>
-                      <a:r>
-                        <a:rPr lang="en-US" sz="2000" b="0" i="1" baseline="0" dirty="0" err="1" smtClean="0">
-                          <a:solidFill>
-                            <a:schemeClr val="tx1"/>
-                          </a:solidFill>
-                          <a:latin typeface="Trebuchet MS" panose="020B0603020202020204" pitchFamily="34" charset="0"/>
-                        </a:rPr>
-                        <a:t>vars</a:t>
-                      </a:r>
-                      <a:endParaRPr lang="en-US" sz="2000" b="0" i="1" baseline="0" dirty="0" smtClean="0">
-                        <a:solidFill>
-                          <a:schemeClr val="tx1"/>
-                        </a:solidFill>
-                        <a:latin typeface="Trebuchet MS" panose="020B0603020202020204" pitchFamily="34" charset="0"/>
-                      </a:endParaRPr>
-                    </a:p>
-                    <a:p>
-                      <a:pPr marL="541338" marR="0" indent="-185738" algn="l" defTabSz="914400" rtl="0" eaLnBrk="1" fontAlgn="auto" latinLnBrk="0" hangingPunct="1">
-                        <a:lnSpc>
-                          <a:spcPct val="100000"/>
-                        </a:lnSpc>
-                        <a:spcBef>
-                          <a:spcPts val="0"/>
-                        </a:spcBef>
-                        <a:spcAft>
-                          <a:spcPts val="0"/>
-                        </a:spcAft>
-                        <a:buClrTx/>
-                        <a:buSzTx/>
-                        <a:buFont typeface="Arial" panose="020B0604020202020204" pitchFamily="34" charset="0"/>
-                        <a:buChar char="•"/>
-                        <a:tabLst>
-                          <a:tab pos="355600" algn="l"/>
-                        </a:tabLst>
-                        <a:defRPr/>
-                      </a:pPr>
-                      <a:r>
-                        <a:rPr lang="en-US" sz="2000" b="0" i="1" dirty="0" smtClean="0">
-                          <a:solidFill>
-                            <a:schemeClr val="tx1"/>
-                          </a:solidFill>
-                          <a:latin typeface="Trebuchet MS" panose="020B0603020202020204" pitchFamily="34" charset="0"/>
-                        </a:rPr>
-                        <a:t>Convert text to numbers (Word2Vec)</a:t>
-                      </a:r>
-                    </a:p>
-                    <a:p>
-                      <a:pPr marL="541338" marR="0" indent="-185738" algn="l" defTabSz="914400" rtl="0" eaLnBrk="1" fontAlgn="auto" latinLnBrk="0" hangingPunct="1">
-                        <a:lnSpc>
-                          <a:spcPct val="100000"/>
-                        </a:lnSpc>
-                        <a:spcBef>
-                          <a:spcPts val="0"/>
-                        </a:spcBef>
-                        <a:spcAft>
-                          <a:spcPts val="0"/>
-                        </a:spcAft>
-                        <a:buClrTx/>
-                        <a:buSzTx/>
-                        <a:buFont typeface="Arial" panose="020B0604020202020204" pitchFamily="34" charset="0"/>
-                        <a:buChar char="•"/>
-                        <a:tabLst>
-                          <a:tab pos="355600" algn="l"/>
-                        </a:tabLst>
-                        <a:defRPr/>
-                      </a:pPr>
-                      <a:r>
-                        <a:rPr lang="en-US" sz="2000" b="0" i="1" dirty="0" smtClean="0">
-                          <a:solidFill>
-                            <a:schemeClr val="tx1"/>
-                          </a:solidFill>
-                          <a:latin typeface="Trebuchet MS" panose="020B0603020202020204" pitchFamily="34" charset="0"/>
-                        </a:rPr>
-                        <a:t>Drop</a:t>
-                      </a:r>
-                      <a:r>
-                        <a:rPr lang="en-US" sz="2000" b="0" i="1" baseline="0" dirty="0" smtClean="0">
-                          <a:solidFill>
-                            <a:schemeClr val="tx1"/>
-                          </a:solidFill>
-                          <a:latin typeface="Trebuchet MS" panose="020B0603020202020204" pitchFamily="34" charset="0"/>
-                        </a:rPr>
-                        <a:t> text variable</a:t>
-                      </a:r>
-                    </a:p>
-                    <a:p>
-                      <a:pPr marL="541338" marR="0" indent="-185738" algn="l" defTabSz="914400" rtl="0" eaLnBrk="1" fontAlgn="auto" latinLnBrk="0" hangingPunct="1">
-                        <a:lnSpc>
-                          <a:spcPct val="100000"/>
-                        </a:lnSpc>
-                        <a:spcBef>
-                          <a:spcPts val="0"/>
-                        </a:spcBef>
-                        <a:spcAft>
-                          <a:spcPts val="0"/>
-                        </a:spcAft>
-                        <a:buClrTx/>
-                        <a:buSzTx/>
-                        <a:buFont typeface="Arial" panose="020B0604020202020204" pitchFamily="34" charset="0"/>
-                        <a:buChar char="•"/>
-                        <a:tabLst>
-                          <a:tab pos="355600" algn="l"/>
-                        </a:tabLst>
-                        <a:defRPr/>
-                      </a:pPr>
-                      <a:endParaRPr lang="en-US" sz="2000" b="0" i="1" baseline="0" dirty="0" smtClean="0">
-                        <a:solidFill>
-                          <a:schemeClr val="tx1"/>
-                        </a:solidFill>
-                        <a:latin typeface="Trebuchet MS" panose="020B0603020202020204" pitchFamily="34" charset="0"/>
-                      </a:endParaRPr>
-                    </a:p>
-                    <a:p>
-                      <a:pPr marL="355600" marR="0" indent="0" algn="l" defTabSz="914400" rtl="0" eaLnBrk="1" fontAlgn="auto" latinLnBrk="0" hangingPunct="1">
-                        <a:lnSpc>
-                          <a:spcPct val="100000"/>
-                        </a:lnSpc>
-                        <a:spcBef>
-                          <a:spcPts val="0"/>
-                        </a:spcBef>
-                        <a:spcAft>
-                          <a:spcPts val="0"/>
-                        </a:spcAft>
-                        <a:buClrTx/>
-                        <a:buSzTx/>
-                        <a:buFont typeface="Arial" panose="020B0604020202020204" pitchFamily="34" charset="0"/>
-                        <a:buNone/>
-                        <a:tabLst>
-                          <a:tab pos="355600" algn="l"/>
-                        </a:tabLst>
-                        <a:defRPr/>
-                      </a:pPr>
-                      <a:r>
-                        <a:rPr lang="en-US" sz="2000" b="0" i="1" baseline="0" dirty="0" smtClean="0">
-                          <a:solidFill>
-                            <a:schemeClr val="tx1"/>
-                          </a:solidFill>
-                          <a:latin typeface="Trebuchet MS" panose="020B0603020202020204" pitchFamily="34" charset="0"/>
-                        </a:rPr>
-                        <a:t>Scaling ?</a:t>
-                      </a:r>
-                    </a:p>
-                    <a:p>
-                      <a:pPr marL="698500" marR="0" indent="-342900" algn="l" defTabSz="914400" rtl="0" eaLnBrk="1" fontAlgn="auto" latinLnBrk="0" hangingPunct="1">
-                        <a:lnSpc>
-                          <a:spcPct val="100000"/>
-                        </a:lnSpc>
-                        <a:spcBef>
-                          <a:spcPts val="0"/>
-                        </a:spcBef>
-                        <a:spcAft>
-                          <a:spcPts val="0"/>
-                        </a:spcAft>
-                        <a:buClrTx/>
-                        <a:buSzTx/>
-                        <a:buFont typeface="Arial" panose="020B0604020202020204" pitchFamily="34" charset="0"/>
-                        <a:buChar char="•"/>
-                        <a:tabLst>
-                          <a:tab pos="355600" algn="l"/>
-                        </a:tabLst>
-                        <a:defRPr/>
-                      </a:pPr>
-                      <a:r>
-                        <a:rPr lang="en-US" sz="2000" b="0" i="1" baseline="0" dirty="0" smtClean="0">
-                          <a:solidFill>
-                            <a:schemeClr val="tx1"/>
-                          </a:solidFill>
-                          <a:latin typeface="Trebuchet MS" panose="020B0603020202020204" pitchFamily="34" charset="0"/>
-                        </a:rPr>
-                        <a:t>standardization = </a:t>
-                      </a:r>
-                      <a:br>
-                        <a:rPr lang="en-US" sz="2000" b="0" i="1" baseline="0" dirty="0" smtClean="0">
-                          <a:solidFill>
-                            <a:schemeClr val="tx1"/>
-                          </a:solidFill>
-                          <a:latin typeface="Trebuchet MS" panose="020B0603020202020204" pitchFamily="34" charset="0"/>
-                        </a:rPr>
-                      </a:br>
-                      <a:r>
-                        <a:rPr lang="en-US" sz="2000" b="0" i="1" baseline="0" dirty="0" smtClean="0">
-                          <a:solidFill>
-                            <a:schemeClr val="tx1"/>
-                          </a:solidFill>
-                          <a:latin typeface="Trebuchet MS" panose="020B0603020202020204" pitchFamily="34" charset="0"/>
-                        </a:rPr>
-                        <a:t>= mean removal +variance scaling</a:t>
-                      </a:r>
-                    </a:p>
-                    <a:p>
-                      <a:pPr marL="698500" marR="0" indent="-342900" algn="l" defTabSz="914400" rtl="0" eaLnBrk="1" fontAlgn="auto" latinLnBrk="0" hangingPunct="1">
-                        <a:lnSpc>
-                          <a:spcPct val="100000"/>
-                        </a:lnSpc>
-                        <a:spcBef>
-                          <a:spcPts val="0"/>
-                        </a:spcBef>
-                        <a:spcAft>
-                          <a:spcPts val="0"/>
-                        </a:spcAft>
-                        <a:buClrTx/>
-                        <a:buSzTx/>
-                        <a:buFont typeface="Arial" panose="020B0604020202020204" pitchFamily="34" charset="0"/>
-                        <a:buChar char="•"/>
-                        <a:tabLst>
-                          <a:tab pos="355600" algn="l"/>
-                        </a:tabLst>
-                        <a:defRPr/>
-                      </a:pPr>
-                      <a:r>
-                        <a:rPr lang="en-US" sz="2000" b="0" i="1" baseline="0" dirty="0" smtClean="0">
-                          <a:solidFill>
-                            <a:schemeClr val="tx1"/>
-                          </a:solidFill>
-                          <a:latin typeface="Trebuchet MS" panose="020B0603020202020204" pitchFamily="34" charset="0"/>
-                        </a:rPr>
-                        <a:t>Logarithm</a:t>
-                      </a:r>
-                      <a:endParaRPr lang="ru-RU" sz="2000" dirty="0" smtClean="0">
-                        <a:solidFill>
-                          <a:schemeClr val="tx1"/>
-                        </a:solidFill>
-                        <a:latin typeface="Trebuchet MS" panose="020B0603020202020204" pitchFamily="34" charset="0"/>
-                      </a:endParaRPr>
-                    </a:p>
-                  </a:txBody>
-                  <a:tcPr marL="68580" marR="68580" marT="34290" marB="34290">
-                    <a:lnL w="12700" cap="flat" cmpd="sng" algn="ctr">
-                      <a:solidFill>
-                        <a:schemeClr val="tx1"/>
-                      </a:solidFill>
-                      <a:prstDash val="solid"/>
-                      <a:round/>
-                      <a:headEnd type="none" w="med" len="med"/>
-                      <a:tailEnd type="none" w="med" len="med"/>
-                    </a:lnL>
-                    <a:lnR w="12700" cap="flat" cmpd="sng" algn="ctr">
-                      <a:solidFill>
-                        <a:schemeClr val="tx1"/>
-                      </a:solidFill>
-                      <a:prstDash val="solid"/>
-                      <a:round/>
-                      <a:headEnd type="none" w="med" len="med"/>
-                      <a:tailEnd type="none" w="med" len="med"/>
-                    </a:lnR>
-                    <a:lnT w="12700" cap="flat" cmpd="sng" algn="ctr">
-                      <a:solidFill>
-                        <a:schemeClr val="tx1"/>
-                      </a:solidFill>
-                      <a:prstDash val="solid"/>
-                      <a:round/>
-                      <a:headEnd type="none" w="med" len="med"/>
-                      <a:tailEnd type="none" w="med" len="med"/>
-                    </a:lnT>
-                    <a:lnB w="12700" cap="flat" cmpd="sng" algn="ctr">
-                      <a:solidFill>
-                        <a:schemeClr val="tx1"/>
-                      </a:solidFill>
-                      <a:prstDash val="solid"/>
-                      <a:round/>
-                      <a:headEnd type="none" w="med" len="med"/>
-                      <a:tailEnd type="none" w="med" len="med"/>
-                    </a:lnB>
-                    <a:noFill/>
-                  </a:tcPr>
-                </a:tc>
-              </a:tr>
-            </a:tbl>
-          </a:graphicData>
-        </a:graphic>
-      </p:graphicFrame>
-      <p:sp>
-        <p:nvSpPr>
-          <p:cNvPr id="10" name="Нижний колонтитул 4"/>
-          <p:cNvSpPr>
-            <a:spLocks noGrp="1"/>
-          </p:cNvSpPr>
-          <p:nvPr>
-            <p:ph type="ftr" sz="quarter" idx="11"/>
-          </p:nvPr>
-        </p:nvSpPr>
-        <p:spPr>
-          <a:xfrm>
-            <a:off x="228600" y="6629400"/>
-            <a:ext cx="6172200" cy="228601"/>
-          </a:xfrm>
-        </p:spPr>
-        <p:txBody>
-          <a:bodyPr/>
-          <a:lstStyle/>
-          <a:p>
-            <a:r>
-              <a:rPr lang="en-US" b="1" dirty="0"/>
-              <a:t>ML-course. </a:t>
-            </a:r>
-            <a:r>
-              <a:rPr lang="en-US" dirty="0" smtClean="0"/>
-              <a:t>Classification</a:t>
-            </a:r>
-            <a:endParaRPr lang="ru-RU" dirty="0"/>
-          </a:p>
-        </p:txBody>
-      </p:sp>
-    </p:spTree>
-    <p:extLst>
-      <p:ext uri="{BB962C8B-B14F-4D97-AF65-F5344CB8AC3E}">
-        <p14:creationId xmlns:p14="http://schemas.microsoft.com/office/powerpoint/2010/main" val="2369015390"/>
       </p:ext>
     </p:extLst>
   </p:cSld>

--- a/lecture_classification/presentation/lecture_classification.pptx
+++ b/lecture_classification/presentation/lecture_classification.pptx
@@ -236,7 +236,7 @@
           <a:p>
             <a:fld id="{8CCD710B-DBEB-48B9-BE37-6CC35DC50D83}" type="datetimeFigureOut">
               <a:rPr lang="ru-RU" smtClean="0"/>
-              <a:t>30.05.2018</a:t>
+              <a:t>08.10.2018</a:t>
             </a:fld>
             <a:endParaRPr lang="ru-RU"/>
           </a:p>
@@ -401,7 +401,7 @@
           <a:p>
             <a:fld id="{599FBC4C-1749-4424-9522-1B6D127EF272}" type="datetimeFigureOut">
               <a:rPr lang="ru-RU" smtClean="0"/>
-              <a:t>30.05.2018</a:t>
+              <a:t>08.10.2018</a:t>
             </a:fld>
             <a:endParaRPr lang="ru-RU" dirty="0"/>
           </a:p>
@@ -667,6 +667,90 @@
     </a:lvl9pPr>
   </p:notesStyle>
 </p:notesMaster>
+</file>
+
+<file path=ppt/notesSlides/notesSlide1.xml><?xml version="1.0" encoding="utf-8"?>
+<p:notes xmlns:a="http://schemas.openxmlformats.org/drawingml/2006/main" xmlns:r="http://schemas.openxmlformats.org/officeDocument/2006/relationships" xmlns:p="http://schemas.openxmlformats.org/presentationml/2006/main">
+  <p:cSld>
+    <p:spTree>
+      <p:nvGrpSpPr>
+        <p:cNvPr id="1" name=""/>
+        <p:cNvGrpSpPr/>
+        <p:nvPr/>
+      </p:nvGrpSpPr>
+      <p:grpSpPr>
+        <a:xfrm>
+          <a:off x="0" y="0"/>
+          <a:ext cx="0" cy="0"/>
+          <a:chOff x="0" y="0"/>
+          <a:chExt cx="0" cy="0"/>
+        </a:xfrm>
+      </p:grpSpPr>
+      <p:sp>
+        <p:nvSpPr>
+          <p:cNvPr id="2" name="Образ слайда 1"/>
+          <p:cNvSpPr>
+            <a:spLocks noGrp="1" noRot="1" noChangeAspect="1"/>
+          </p:cNvSpPr>
+          <p:nvPr>
+            <p:ph type="sldImg"/>
+          </p:nvPr>
+        </p:nvSpPr>
+        <p:spPr/>
+      </p:sp>
+      <p:sp>
+        <p:nvSpPr>
+          <p:cNvPr id="3" name="Заметки 2"/>
+          <p:cNvSpPr>
+            <a:spLocks noGrp="1"/>
+          </p:cNvSpPr>
+          <p:nvPr>
+            <p:ph type="body" idx="1"/>
+          </p:nvPr>
+        </p:nvSpPr>
+        <p:spPr/>
+        <p:txBody>
+          <a:bodyPr/>
+          <a:lstStyle/>
+          <a:p>
+            <a:endParaRPr lang="ru-RU" dirty="0"/>
+          </a:p>
+        </p:txBody>
+      </p:sp>
+      <p:sp>
+        <p:nvSpPr>
+          <p:cNvPr id="4" name="Номер слайда 3"/>
+          <p:cNvSpPr>
+            <a:spLocks noGrp="1"/>
+          </p:cNvSpPr>
+          <p:nvPr>
+            <p:ph type="sldNum" sz="quarter" idx="10"/>
+          </p:nvPr>
+        </p:nvSpPr>
+        <p:spPr/>
+        <p:txBody>
+          <a:bodyPr/>
+          <a:lstStyle/>
+          <a:p>
+            <a:fld id="{4DFC6225-C8ED-4E9F-A34F-711DD8E7E2B6}" type="slidenum">
+              <a:rPr lang="ru-RU" smtClean="0"/>
+              <a:t>2</a:t>
+            </a:fld>
+            <a:endParaRPr lang="ru-RU" dirty="0"/>
+          </a:p>
+        </p:txBody>
+      </p:sp>
+    </p:spTree>
+    <p:extLst>
+      <p:ext uri="{BB962C8B-B14F-4D97-AF65-F5344CB8AC3E}">
+        <p14:creationId xmlns:p14="http://schemas.microsoft.com/office/powerpoint/2010/main" val="799510043"/>
+      </p:ext>
+    </p:extLst>
+  </p:cSld>
+  <p:clrMapOvr>
+    <a:masterClrMapping/>
+  </p:clrMapOvr>
+</p:notes>
 </file>
 
 <file path=ppt/slideLayouts/slideLayout1.xml><?xml version="1.0" encoding="utf-8"?>
@@ -4621,14 +4705,28 @@
             <p:ph type="ftr" sz="quarter" idx="11"/>
           </p:nvPr>
         </p:nvSpPr>
-        <p:spPr/>
+        <p:spPr>
+          <a:xfrm>
+            <a:off x="685800" y="6356350"/>
+            <a:ext cx="8153400" cy="365125"/>
+          </a:xfrm>
+        </p:spPr>
         <p:txBody>
           <a:bodyPr/>
           <a:lstStyle/>
           <a:p>
+            <a:pPr algn="l"/>
+            <a:r>
+              <a:rPr lang="en-US" b="1" dirty="0"/>
+              <a:t>TENSOR.BY </a:t>
+            </a:r>
             <a:r>
               <a:rPr lang="en-US" b="1" dirty="0" smtClean="0"/>
-              <a:t>ML-course. </a:t>
+              <a:t>						ML-course</a:t>
+            </a:r>
+            <a:r>
+              <a:rPr lang="en-US" b="1" dirty="0" smtClean="0"/>
+              <a:t>. </a:t>
             </a:r>
             <a:r>
               <a:rPr lang="en-US" dirty="0" smtClean="0"/>
@@ -4826,7 +4924,7 @@
           <p:nvPr>
             <p:extLst>
               <p:ext uri="{D42A27DB-BD31-4B8C-83A1-F6EECF244321}">
-                <p14:modId xmlns:p14="http://schemas.microsoft.com/office/powerpoint/2010/main" val="1254023904"/>
+                <p14:modId xmlns:p14="http://schemas.microsoft.com/office/powerpoint/2010/main" val="786516415"/>
               </p:ext>
             </p:extLst>
           </p:nvPr>
@@ -5410,7 +5508,34 @@
                           </a:solidFill>
                           <a:latin typeface="Trebuchet MS" panose="020B0603020202020204" pitchFamily="34" charset="0"/>
                         </a:rPr>
-                        <a:t>= mean removal +variance scaling</a:t>
+                        <a:t>= mean removal +</a:t>
+                      </a:r>
+                      <a:r>
+                        <a:rPr lang="ru-RU" sz="2000" b="0" i="1" baseline="0" smtClean="0">
+                          <a:solidFill>
+                            <a:schemeClr val="tx1"/>
+                          </a:solidFill>
+                          <a:latin typeface="Trebuchet MS" panose="020B0603020202020204" pitchFamily="34" charset="0"/>
+                        </a:rPr>
+                        <a:t> </a:t>
+                      </a:r>
+                      <a:r>
+                        <a:rPr lang="en-US" sz="2000" b="0" i="1" baseline="0" smtClean="0">
+                          <a:solidFill>
+                            <a:schemeClr val="tx1"/>
+                          </a:solidFill>
+                          <a:latin typeface="Trebuchet MS" panose="020B0603020202020204" pitchFamily="34" charset="0"/>
+                        </a:rPr>
+                        <a:t>variance </a:t>
+                      </a:r>
+                      <a:r>
+                        <a:rPr lang="en-US" sz="2000" b="0" i="1" baseline="0" dirty="0" smtClean="0">
+                          <a:solidFill>
+                            <a:schemeClr val="tx1"/>
+                          </a:solidFill>
+                          <a:latin typeface="Trebuchet MS" panose="020B0603020202020204" pitchFamily="34" charset="0"/>
+                        </a:rPr>
+                        <a:t>scaling</a:t>
                       </a:r>
                     </a:p>
                   </a:txBody>
@@ -5461,7 +5586,7 @@
       </p:graphicFrame>
       <p:sp>
         <p:nvSpPr>
-          <p:cNvPr id="10" name="Нижний колонтитул 4"/>
+          <p:cNvPr id="7" name="Нижний колонтитул 4"/>
           <p:cNvSpPr>
             <a:spLocks noGrp="1"/>
           </p:cNvSpPr>
@@ -5472,7 +5597,7 @@
         <p:spPr>
           <a:xfrm>
             <a:off x="228600" y="6629400"/>
-            <a:ext cx="6172200" cy="228601"/>
+            <a:ext cx="7315200" cy="228601"/>
           </a:xfrm>
         </p:spPr>
         <p:txBody>
@@ -5481,7 +5606,15 @@
           <a:p>
             <a:r>
               <a:rPr lang="en-US" b="1" dirty="0"/>
-              <a:t>ML-course. </a:t>
+              <a:t>TENSOR.BY	</a:t>
+            </a:r>
+            <a:r>
+              <a:rPr lang="en-US" b="1" dirty="0" smtClean="0"/>
+              <a:t>			ML-course</a:t>
+            </a:r>
+            <a:r>
+              <a:rPr lang="en-US" b="1" dirty="0"/>
+              <a:t>. </a:t>
             </a:r>
             <a:r>
               <a:rPr lang="en-US" dirty="0" smtClean="0"/>
@@ -5895,7 +6028,7 @@
       </p:sp>
       <p:sp>
         <p:nvSpPr>
-          <p:cNvPr id="11" name="Нижний колонтитул 4"/>
+          <p:cNvPr id="10" name="Нижний колонтитул 4"/>
           <p:cNvSpPr>
             <a:spLocks noGrp="1"/>
           </p:cNvSpPr>
@@ -5906,7 +6039,7 @@
         <p:spPr>
           <a:xfrm>
             <a:off x="228600" y="6629400"/>
-            <a:ext cx="6172200" cy="228601"/>
+            <a:ext cx="7315200" cy="228601"/>
           </a:xfrm>
         </p:spPr>
         <p:txBody>
@@ -5915,7 +6048,15 @@
           <a:p>
             <a:r>
               <a:rPr lang="en-US" b="1" dirty="0"/>
-              <a:t>ML-course. </a:t>
+              <a:t>TENSOR.BY	</a:t>
+            </a:r>
+            <a:r>
+              <a:rPr lang="en-US" b="1" dirty="0" smtClean="0"/>
+              <a:t>			ML-course</a:t>
+            </a:r>
+            <a:r>
+              <a:rPr lang="en-US" b="1" dirty="0"/>
+              <a:t>. </a:t>
             </a:r>
             <a:r>
               <a:rPr lang="en-US" dirty="0" smtClean="0"/>
@@ -6312,7 +6453,7 @@
       </p:sp>
       <p:sp>
         <p:nvSpPr>
-          <p:cNvPr id="7" name="Нижний колонтитул 4"/>
+          <p:cNvPr id="10" name="Нижний колонтитул 4"/>
           <p:cNvSpPr>
             <a:spLocks noGrp="1"/>
           </p:cNvSpPr>
@@ -6323,7 +6464,7 @@
         <p:spPr>
           <a:xfrm>
             <a:off x="228600" y="6629400"/>
-            <a:ext cx="6172200" cy="228601"/>
+            <a:ext cx="7315200" cy="228601"/>
           </a:xfrm>
         </p:spPr>
         <p:txBody>
@@ -6332,7 +6473,15 @@
           <a:p>
             <a:r>
               <a:rPr lang="en-US" b="1" dirty="0"/>
-              <a:t>ML-course. </a:t>
+              <a:t>TENSOR.BY	</a:t>
+            </a:r>
+            <a:r>
+              <a:rPr lang="en-US" b="1" dirty="0" smtClean="0"/>
+              <a:t>			ML-course</a:t>
+            </a:r>
+            <a:r>
+              <a:rPr lang="en-US" b="1" dirty="0"/>
+              <a:t>. </a:t>
             </a:r>
             <a:r>
               <a:rPr lang="en-US" dirty="0" smtClean="0"/>
@@ -6773,7 +6922,7 @@
       </p:sp>
       <p:sp>
         <p:nvSpPr>
-          <p:cNvPr id="8" name="Нижний колонтитул 4"/>
+          <p:cNvPr id="10" name="Нижний колонтитул 4"/>
           <p:cNvSpPr>
             <a:spLocks noGrp="1"/>
           </p:cNvSpPr>
@@ -6784,7 +6933,7 @@
         <p:spPr>
           <a:xfrm>
             <a:off x="228600" y="6629400"/>
-            <a:ext cx="6172200" cy="228601"/>
+            <a:ext cx="7315200" cy="228601"/>
           </a:xfrm>
         </p:spPr>
         <p:txBody>
@@ -6793,7 +6942,15 @@
           <a:p>
             <a:r>
               <a:rPr lang="en-US" b="1" dirty="0"/>
-              <a:t>ML-course. </a:t>
+              <a:t>TENSOR.BY	</a:t>
+            </a:r>
+            <a:r>
+              <a:rPr lang="en-US" b="1" dirty="0" smtClean="0"/>
+              <a:t>			ML-course</a:t>
+            </a:r>
+            <a:r>
+              <a:rPr lang="en-US" b="1" dirty="0"/>
+              <a:t>. </a:t>
             </a:r>
             <a:r>
               <a:rPr lang="en-US" dirty="0" smtClean="0"/>
@@ -7058,11 +7215,146 @@
           <a:lstStyle/>
           <a:p>
             <a:r>
+              <a:rPr lang="en-US" b="1" dirty="0" smtClean="0"/>
+              <a:t>ML-</a:t>
+            </a:r>
+            <a:r>
+              <a:rPr lang="en-US" b="1" dirty="0" err="1" smtClean="0"/>
+              <a:t>coure</a:t>
+            </a:r>
+            <a:r>
               <a:rPr lang="en-US" b="1" dirty="0"/>
-              <a:t>ML-course. </a:t>
+              <a:t>. </a:t>
             </a:r>
             <a:r>
               <a:rPr lang="en-US" dirty="0" smtClean="0"/>
+              <a:t>Classification</a:t>
+            </a:r>
+            <a:endParaRPr lang="ru-RU" dirty="0"/>
+          </a:p>
+        </p:txBody>
+      </p:sp>
+      <p:sp>
+        <p:nvSpPr>
+          <p:cNvPr id="10" name="Нижний колонтитул 4"/>
+          <p:cNvSpPr txBox="1">
+            <a:spLocks/>
+          </p:cNvSpPr>
+          <p:nvPr/>
+        </p:nvSpPr>
+        <p:spPr>
+          <a:xfrm>
+            <a:off x="228600" y="6629400"/>
+            <a:ext cx="7315200" cy="228601"/>
+          </a:xfrm>
+          <a:prstGeom prst="rect">
+            <a:avLst/>
+          </a:prstGeom>
+        </p:spPr>
+        <p:txBody>
+          <a:bodyPr vert="horz" lIns="91440" tIns="45720" rIns="91440" bIns="45720" rtlCol="0" anchor="ctr"/>
+          <a:lstStyle>
+            <a:defPPr>
+              <a:defRPr lang="ru-RU"/>
+            </a:defPPr>
+            <a:lvl1pPr marL="0" algn="l" defTabSz="914400" rtl="0" eaLnBrk="1" latinLnBrk="0" hangingPunct="1">
+              <a:defRPr sz="1200" kern="1200">
+                <a:solidFill>
+                  <a:schemeClr val="bg1"/>
+                </a:solidFill>
+                <a:latin typeface="+mn-lt"/>
+                <a:ea typeface="+mn-ea"/>
+                <a:cs typeface="+mn-cs"/>
+              </a:defRPr>
+            </a:lvl1pPr>
+            <a:lvl2pPr marL="457200" algn="l" defTabSz="914400" rtl="0" eaLnBrk="1" latinLnBrk="0" hangingPunct="1">
+              <a:defRPr sz="1800" kern="1200">
+                <a:solidFill>
+                  <a:schemeClr val="tx1"/>
+                </a:solidFill>
+                <a:latin typeface="+mn-lt"/>
+                <a:ea typeface="+mn-ea"/>
+                <a:cs typeface="+mn-cs"/>
+              </a:defRPr>
+            </a:lvl2pPr>
+            <a:lvl3pPr marL="914400" algn="l" defTabSz="914400" rtl="0" eaLnBrk="1" latinLnBrk="0" hangingPunct="1">
+              <a:defRPr sz="1800" kern="1200">
+                <a:solidFill>
+                  <a:schemeClr val="tx1"/>
+                </a:solidFill>
+                <a:latin typeface="+mn-lt"/>
+                <a:ea typeface="+mn-ea"/>
+                <a:cs typeface="+mn-cs"/>
+              </a:defRPr>
+            </a:lvl3pPr>
+            <a:lvl4pPr marL="1371600" algn="l" defTabSz="914400" rtl="0" eaLnBrk="1" latinLnBrk="0" hangingPunct="1">
+              <a:defRPr sz="1800" kern="1200">
+                <a:solidFill>
+                  <a:schemeClr val="tx1"/>
+                </a:solidFill>
+                <a:latin typeface="+mn-lt"/>
+                <a:ea typeface="+mn-ea"/>
+                <a:cs typeface="+mn-cs"/>
+              </a:defRPr>
+            </a:lvl4pPr>
+            <a:lvl5pPr marL="1828800" algn="l" defTabSz="914400" rtl="0" eaLnBrk="1" latinLnBrk="0" hangingPunct="1">
+              <a:defRPr sz="1800" kern="1200">
+                <a:solidFill>
+                  <a:schemeClr val="tx1"/>
+                </a:solidFill>
+                <a:latin typeface="+mn-lt"/>
+                <a:ea typeface="+mn-ea"/>
+                <a:cs typeface="+mn-cs"/>
+              </a:defRPr>
+            </a:lvl5pPr>
+            <a:lvl6pPr marL="2286000" algn="l" defTabSz="914400" rtl="0" eaLnBrk="1" latinLnBrk="0" hangingPunct="1">
+              <a:defRPr sz="1800" kern="1200">
+                <a:solidFill>
+                  <a:schemeClr val="tx1"/>
+                </a:solidFill>
+                <a:latin typeface="+mn-lt"/>
+                <a:ea typeface="+mn-ea"/>
+                <a:cs typeface="+mn-cs"/>
+              </a:defRPr>
+            </a:lvl6pPr>
+            <a:lvl7pPr marL="2743200" algn="l" defTabSz="914400" rtl="0" eaLnBrk="1" latinLnBrk="0" hangingPunct="1">
+              <a:defRPr sz="1800" kern="1200">
+                <a:solidFill>
+                  <a:schemeClr val="tx1"/>
+                </a:solidFill>
+                <a:latin typeface="+mn-lt"/>
+                <a:ea typeface="+mn-ea"/>
+                <a:cs typeface="+mn-cs"/>
+              </a:defRPr>
+            </a:lvl7pPr>
+            <a:lvl8pPr marL="3200400" algn="l" defTabSz="914400" rtl="0" eaLnBrk="1" latinLnBrk="0" hangingPunct="1">
+              <a:defRPr sz="1800" kern="1200">
+                <a:solidFill>
+                  <a:schemeClr val="tx1"/>
+                </a:solidFill>
+                <a:latin typeface="+mn-lt"/>
+                <a:ea typeface="+mn-ea"/>
+                <a:cs typeface="+mn-cs"/>
+              </a:defRPr>
+            </a:lvl8pPr>
+            <a:lvl9pPr marL="3657600" algn="l" defTabSz="914400" rtl="0" eaLnBrk="1" latinLnBrk="0" hangingPunct="1">
+              <a:defRPr sz="1800" kern="1200">
+                <a:solidFill>
+                  <a:schemeClr val="tx1"/>
+                </a:solidFill>
+                <a:latin typeface="+mn-lt"/>
+                <a:ea typeface="+mn-ea"/>
+                <a:cs typeface="+mn-cs"/>
+              </a:defRPr>
+            </a:lvl9pPr>
+          </a:lstStyle>
+          <a:p>
+            <a:r>
+              <a:rPr lang="en-US" b="1" smtClean="0"/>
+              <a:t>TENSOR.BY				ML-course. </a:t>
+            </a:r>
+            <a:r>
+              <a:rPr lang="en-US" smtClean="0"/>
               <a:t>Classification</a:t>
             </a:r>
             <a:endParaRPr lang="ru-RU" dirty="0"/>
@@ -7401,7 +7693,7 @@
       </p:sp>
       <p:sp>
         <p:nvSpPr>
-          <p:cNvPr id="10" name="Нижний колонтитул 4"/>
+          <p:cNvPr id="6" name="Нижний колонтитул 4"/>
           <p:cNvSpPr>
             <a:spLocks noGrp="1"/>
           </p:cNvSpPr>
@@ -7412,7 +7704,7 @@
         <p:spPr>
           <a:xfrm>
             <a:off x="228600" y="6629400"/>
-            <a:ext cx="6172200" cy="228601"/>
+            <a:ext cx="7315200" cy="228601"/>
           </a:xfrm>
         </p:spPr>
         <p:txBody>
@@ -7421,7 +7713,15 @@
           <a:p>
             <a:r>
               <a:rPr lang="en-US" b="1" dirty="0"/>
-              <a:t>ML-course. </a:t>
+              <a:t>TENSOR.BY	</a:t>
+            </a:r>
+            <a:r>
+              <a:rPr lang="en-US" b="1" dirty="0" smtClean="0"/>
+              <a:t>			ML-course</a:t>
+            </a:r>
+            <a:r>
+              <a:rPr lang="en-US" b="1" dirty="0"/>
+              <a:t>. </a:t>
             </a:r>
             <a:r>
               <a:rPr lang="en-US" dirty="0" smtClean="0"/>
@@ -7803,7 +8103,7 @@
       </p:sp>
       <p:sp>
         <p:nvSpPr>
-          <p:cNvPr id="6" name="Нижний колонтитул 4"/>
+          <p:cNvPr id="10" name="Нижний колонтитул 4"/>
           <p:cNvSpPr>
             <a:spLocks noGrp="1"/>
           </p:cNvSpPr>
@@ -7814,7 +8114,7 @@
         <p:spPr>
           <a:xfrm>
             <a:off x="228600" y="6629400"/>
-            <a:ext cx="6172200" cy="228601"/>
+            <a:ext cx="7315200" cy="228601"/>
           </a:xfrm>
         </p:spPr>
         <p:txBody>
@@ -7823,7 +8123,15 @@
           <a:p>
             <a:r>
               <a:rPr lang="en-US" b="1" dirty="0"/>
-              <a:t>ML-course. </a:t>
+              <a:t>TENSOR.BY	</a:t>
+            </a:r>
+            <a:r>
+              <a:rPr lang="en-US" b="1" dirty="0" smtClean="0"/>
+              <a:t>			ML-course</a:t>
+            </a:r>
+            <a:r>
+              <a:rPr lang="en-US" b="1" dirty="0"/>
+              <a:t>. </a:t>
             </a:r>
             <a:r>
               <a:rPr lang="en-US" dirty="0" smtClean="0"/>
@@ -9027,7 +9335,7 @@
       </p:sp>
       <p:sp>
         <p:nvSpPr>
-          <p:cNvPr id="13" name="Нижний колонтитул 4"/>
+          <p:cNvPr id="14" name="Нижний колонтитул 4"/>
           <p:cNvSpPr>
             <a:spLocks noGrp="1"/>
           </p:cNvSpPr>
@@ -9038,7 +9346,7 @@
         <p:spPr>
           <a:xfrm>
             <a:off x="228600" y="6629400"/>
-            <a:ext cx="6172200" cy="228601"/>
+            <a:ext cx="7315200" cy="228601"/>
           </a:xfrm>
         </p:spPr>
         <p:txBody>
@@ -9047,7 +9355,15 @@
           <a:p>
             <a:r>
               <a:rPr lang="en-US" b="1" dirty="0"/>
-              <a:t>ML-course. </a:t>
+              <a:t>TENSOR.BY	</a:t>
+            </a:r>
+            <a:r>
+              <a:rPr lang="en-US" b="1" dirty="0" smtClean="0"/>
+              <a:t>			ML-course</a:t>
+            </a:r>
+            <a:r>
+              <a:rPr lang="en-US" b="1" dirty="0"/>
+              <a:t>. </a:t>
             </a:r>
             <a:r>
               <a:rPr lang="en-US" dirty="0" smtClean="0"/>
@@ -9306,7 +9622,7 @@
       </p:sp>
       <p:sp>
         <p:nvSpPr>
-          <p:cNvPr id="10" name="Нижний колонтитул 4"/>
+          <p:cNvPr id="11" name="Нижний колонтитул 4"/>
           <p:cNvSpPr>
             <a:spLocks noGrp="1"/>
           </p:cNvSpPr>
@@ -9317,7 +9633,7 @@
         <p:spPr>
           <a:xfrm>
             <a:off x="228600" y="6629400"/>
-            <a:ext cx="6172200" cy="228601"/>
+            <a:ext cx="7315200" cy="228601"/>
           </a:xfrm>
         </p:spPr>
         <p:txBody>
@@ -9326,7 +9642,15 @@
           <a:p>
             <a:r>
               <a:rPr lang="en-US" b="1" dirty="0"/>
-              <a:t>ML-course. </a:t>
+              <a:t>TENSOR.BY	</a:t>
+            </a:r>
+            <a:r>
+              <a:rPr lang="en-US" b="1" dirty="0" smtClean="0"/>
+              <a:t>			ML-course</a:t>
+            </a:r>
+            <a:r>
+              <a:rPr lang="en-US" b="1" dirty="0"/>
+              <a:t>. </a:t>
             </a:r>
             <a:r>
               <a:rPr lang="en-US" dirty="0" smtClean="0"/>
@@ -9510,38 +9834,6 @@
           </a:p>
         </p:txBody>
       </p:sp>
-      <p:sp>
-        <p:nvSpPr>
-          <p:cNvPr id="10" name="Нижний колонтитул 4"/>
-          <p:cNvSpPr>
-            <a:spLocks noGrp="1"/>
-          </p:cNvSpPr>
-          <p:nvPr>
-            <p:ph type="ftr" sz="quarter" idx="11"/>
-          </p:nvPr>
-        </p:nvSpPr>
-        <p:spPr>
-          <a:xfrm>
-            <a:off x="228600" y="6629400"/>
-            <a:ext cx="6172200" cy="228601"/>
-          </a:xfrm>
-        </p:spPr>
-        <p:txBody>
-          <a:bodyPr/>
-          <a:lstStyle/>
-          <a:p>
-            <a:r>
-              <a:rPr lang="en-US" b="1" dirty="0"/>
-              <a:t>ML-course. </a:t>
-            </a:r>
-            <a:r>
-              <a:rPr lang="en-US" dirty="0" smtClean="0"/>
-              <a:t>Classification</a:t>
-            </a:r>
-            <a:endParaRPr lang="ru-RU" dirty="0"/>
-          </a:p>
-        </p:txBody>
-      </p:sp>
       <p:pic>
         <p:nvPicPr>
           <p:cNvPr id="12" name="Рисунок 11" descr="https://habrastorage.org/storage/habraeffect/70/89/70897233f8bc327f08a9b4215ccb437f.png">
@@ -9579,6 +9871,46 @@
           </a:ln>
         </p:spPr>
       </p:pic>
+      <p:sp>
+        <p:nvSpPr>
+          <p:cNvPr id="7" name="Нижний колонтитул 4"/>
+          <p:cNvSpPr>
+            <a:spLocks noGrp="1"/>
+          </p:cNvSpPr>
+          <p:nvPr>
+            <p:ph type="ftr" sz="quarter" idx="11"/>
+          </p:nvPr>
+        </p:nvSpPr>
+        <p:spPr>
+          <a:xfrm>
+            <a:off x="228600" y="6629400"/>
+            <a:ext cx="7315200" cy="228601"/>
+          </a:xfrm>
+        </p:spPr>
+        <p:txBody>
+          <a:bodyPr/>
+          <a:lstStyle/>
+          <a:p>
+            <a:r>
+              <a:rPr lang="en-US" b="1" dirty="0"/>
+              <a:t>TENSOR.BY	</a:t>
+            </a:r>
+            <a:r>
+              <a:rPr lang="en-US" b="1" dirty="0" smtClean="0"/>
+              <a:t>			ML-course</a:t>
+            </a:r>
+            <a:r>
+              <a:rPr lang="en-US" b="1" dirty="0"/>
+              <a:t>. </a:t>
+            </a:r>
+            <a:r>
+              <a:rPr lang="en-US" dirty="0" smtClean="0"/>
+              <a:t>Classification</a:t>
+            </a:r>
+            <a:endParaRPr lang="ru-RU" dirty="0"/>
+          </a:p>
+        </p:txBody>
+      </p:sp>
     </p:spTree>
     <p:extLst>
       <p:ext uri="{BB962C8B-B14F-4D97-AF65-F5344CB8AC3E}">
@@ -9680,7 +10012,7 @@
             </a:r>
             <a:r>
               <a:rPr lang="en-US" dirty="0">
-                <a:hlinkClick r:id="rId2"/>
+                <a:hlinkClick r:id="rId3"/>
               </a:rPr>
               <a:t>http://www-bcf.usc.edu/~gareth/ISL/</a:t>
             </a:r>
@@ -9739,14 +10071,27 @@
             <p:ph type="ftr" sz="quarter" idx="11"/>
           </p:nvPr>
         </p:nvSpPr>
-        <p:spPr/>
+        <p:spPr>
+          <a:xfrm>
+            <a:off x="228600" y="6629400"/>
+            <a:ext cx="7315200" cy="228601"/>
+          </a:xfrm>
+        </p:spPr>
         <p:txBody>
           <a:bodyPr/>
           <a:lstStyle/>
           <a:p>
             <a:r>
               <a:rPr lang="en-US" b="1" dirty="0"/>
-              <a:t>ML-course. </a:t>
+              <a:t>TENSOR.BY	</a:t>
+            </a:r>
+            <a:r>
+              <a:rPr lang="en-US" b="1" dirty="0" smtClean="0"/>
+              <a:t>			ML-course</a:t>
+            </a:r>
+            <a:r>
+              <a:rPr lang="en-US" b="1" dirty="0"/>
+              <a:t>. </a:t>
             </a:r>
             <a:r>
               <a:rPr lang="en-US" dirty="0" smtClean="0"/>
@@ -9765,7 +10110,7 @@
           <p:nvPr/>
         </p:nvPicPr>
         <p:blipFill>
-          <a:blip r:embed="rId3" cstate="print">
+          <a:blip r:embed="rId4" cstate="print">
             <a:extLst>
               <a:ext uri="{28A0092B-C50C-407E-A947-70E740481C1C}">
                 <a14:useLocalDpi xmlns:a14="http://schemas.microsoft.com/office/drawing/2010/main" val="0"/>
@@ -9807,6 +10152,13 @@
   <p:clrMapOvr>
     <a:masterClrMapping/>
   </p:clrMapOvr>
+  <p:timing>
+    <p:tnLst>
+      <p:par>
+        <p:cTn id="1" dur="indefinite" restart="never" nodeType="tmRoot"/>
+      </p:par>
+    </p:tnLst>
+  </p:timing>
 </p:sld>
 </file>
 
@@ -11409,7 +11761,7 @@
       </p:sp>
       <p:sp>
         <p:nvSpPr>
-          <p:cNvPr id="11" name="Нижний колонтитул 4"/>
+          <p:cNvPr id="12" name="Нижний колонтитул 4"/>
           <p:cNvSpPr>
             <a:spLocks noGrp="1"/>
           </p:cNvSpPr>
@@ -11420,7 +11772,7 @@
         <p:spPr>
           <a:xfrm>
             <a:off x="228600" y="6629400"/>
-            <a:ext cx="6172200" cy="228601"/>
+            <a:ext cx="7315200" cy="228601"/>
           </a:xfrm>
         </p:spPr>
         <p:txBody>
@@ -11429,7 +11781,15 @@
           <a:p>
             <a:r>
               <a:rPr lang="en-US" b="1" dirty="0"/>
-              <a:t>ML-course. </a:t>
+              <a:t>TENSOR.BY	</a:t>
+            </a:r>
+            <a:r>
+              <a:rPr lang="en-US" b="1" dirty="0" smtClean="0"/>
+              <a:t>			ML-course</a:t>
+            </a:r>
+            <a:r>
+              <a:rPr lang="en-US" b="1" dirty="0"/>
+              <a:t>. </a:t>
             </a:r>
             <a:r>
               <a:rPr lang="en-US" dirty="0" smtClean="0"/>
@@ -13250,7 +13610,7 @@
       </p:sp>
       <p:sp>
         <p:nvSpPr>
-          <p:cNvPr id="17" name="Нижний колонтитул 4"/>
+          <p:cNvPr id="11" name="Нижний колонтитул 4"/>
           <p:cNvSpPr>
             <a:spLocks noGrp="1"/>
           </p:cNvSpPr>
@@ -13261,7 +13621,7 @@
         <p:spPr>
           <a:xfrm>
             <a:off x="228600" y="6629400"/>
-            <a:ext cx="6172200" cy="228601"/>
+            <a:ext cx="7315200" cy="228601"/>
           </a:xfrm>
         </p:spPr>
         <p:txBody>
@@ -13270,7 +13630,15 @@
           <a:p>
             <a:r>
               <a:rPr lang="en-US" b="1" dirty="0"/>
-              <a:t>ML-course. </a:t>
+              <a:t>TENSOR.BY	</a:t>
+            </a:r>
+            <a:r>
+              <a:rPr lang="en-US" b="1" dirty="0" smtClean="0"/>
+              <a:t>			ML-course</a:t>
+            </a:r>
+            <a:r>
+              <a:rPr lang="en-US" b="1" dirty="0"/>
+              <a:t>. </a:t>
             </a:r>
             <a:r>
               <a:rPr lang="en-US" dirty="0" smtClean="0"/>
@@ -14646,7 +15014,7 @@
       </p:graphicFrame>
       <p:sp>
         <p:nvSpPr>
-          <p:cNvPr id="11" name="Нижний колонтитул 4"/>
+          <p:cNvPr id="10" name="Нижний колонтитул 4"/>
           <p:cNvSpPr>
             <a:spLocks noGrp="1"/>
           </p:cNvSpPr>
@@ -14657,7 +15025,7 @@
         <p:spPr>
           <a:xfrm>
             <a:off x="228600" y="6629400"/>
-            <a:ext cx="6172200" cy="228601"/>
+            <a:ext cx="7315200" cy="228601"/>
           </a:xfrm>
         </p:spPr>
         <p:txBody>
@@ -14666,7 +15034,15 @@
           <a:p>
             <a:r>
               <a:rPr lang="en-US" b="1" dirty="0"/>
-              <a:t>ML-course. </a:t>
+              <a:t>TENSOR.BY	</a:t>
+            </a:r>
+            <a:r>
+              <a:rPr lang="en-US" b="1" dirty="0" smtClean="0"/>
+              <a:t>			ML-course</a:t>
+            </a:r>
+            <a:r>
+              <a:rPr lang="en-US" b="1" dirty="0"/>
+              <a:t>. </a:t>
             </a:r>
             <a:r>
               <a:rPr lang="en-US" dirty="0" smtClean="0"/>
@@ -15168,7 +15544,7 @@
       </p:sp>
       <p:sp>
         <p:nvSpPr>
-          <p:cNvPr id="11" name="Нижний колонтитул 4"/>
+          <p:cNvPr id="10" name="Нижний колонтитул 4"/>
           <p:cNvSpPr>
             <a:spLocks noGrp="1"/>
           </p:cNvSpPr>
@@ -15179,7 +15555,7 @@
         <p:spPr>
           <a:xfrm>
             <a:off x="228600" y="6629400"/>
-            <a:ext cx="6172200" cy="228601"/>
+            <a:ext cx="7315200" cy="228601"/>
           </a:xfrm>
         </p:spPr>
         <p:txBody>
@@ -15188,7 +15564,15 @@
           <a:p>
             <a:r>
               <a:rPr lang="en-US" b="1" dirty="0"/>
-              <a:t>ML-course. </a:t>
+              <a:t>TENSOR.BY	</a:t>
+            </a:r>
+            <a:r>
+              <a:rPr lang="en-US" b="1" dirty="0" smtClean="0"/>
+              <a:t>			ML-course</a:t>
+            </a:r>
+            <a:r>
+              <a:rPr lang="en-US" b="1" dirty="0"/>
+              <a:t>. </a:t>
             </a:r>
             <a:r>
               <a:rPr lang="en-US" dirty="0" smtClean="0"/>
@@ -15575,7 +15959,7 @@
       </p:pic>
       <p:sp>
         <p:nvSpPr>
-          <p:cNvPr id="10" name="Нижний колонтитул 4"/>
+          <p:cNvPr id="7" name="Нижний колонтитул 4"/>
           <p:cNvSpPr>
             <a:spLocks noGrp="1"/>
           </p:cNvSpPr>
@@ -15586,7 +15970,7 @@
         <p:spPr>
           <a:xfrm>
             <a:off x="228600" y="6629400"/>
-            <a:ext cx="6172200" cy="228601"/>
+            <a:ext cx="7315200" cy="228601"/>
           </a:xfrm>
         </p:spPr>
         <p:txBody>
@@ -15595,7 +15979,15 @@
           <a:p>
             <a:r>
               <a:rPr lang="en-US" b="1" dirty="0"/>
-              <a:t>ML-course. </a:t>
+              <a:t>TENSOR.BY	</a:t>
+            </a:r>
+            <a:r>
+              <a:rPr lang="en-US" b="1" dirty="0" smtClean="0"/>
+              <a:t>			ML-course</a:t>
+            </a:r>
+            <a:r>
+              <a:rPr lang="en-US" b="1" dirty="0"/>
+              <a:t>. </a:t>
             </a:r>
             <a:r>
               <a:rPr lang="en-US" dirty="0" smtClean="0"/>
@@ -15830,7 +16222,7 @@
       </p:sp>
       <p:sp>
         <p:nvSpPr>
-          <p:cNvPr id="11" name="Нижний колонтитул 4"/>
+          <p:cNvPr id="7" name="Нижний колонтитул 4"/>
           <p:cNvSpPr>
             <a:spLocks noGrp="1"/>
           </p:cNvSpPr>
@@ -15841,7 +16233,7 @@
         <p:spPr>
           <a:xfrm>
             <a:off x="228600" y="6629400"/>
-            <a:ext cx="6172200" cy="228601"/>
+            <a:ext cx="7315200" cy="228601"/>
           </a:xfrm>
         </p:spPr>
         <p:txBody>
@@ -15850,7 +16242,15 @@
           <a:p>
             <a:r>
               <a:rPr lang="en-US" b="1" dirty="0"/>
-              <a:t>ML-course. </a:t>
+              <a:t>TENSOR.BY	</a:t>
+            </a:r>
+            <a:r>
+              <a:rPr lang="en-US" b="1" dirty="0" smtClean="0"/>
+              <a:t>			ML-course</a:t>
+            </a:r>
+            <a:r>
+              <a:rPr lang="en-US" b="1" dirty="0"/>
+              <a:t>. </a:t>
             </a:r>
             <a:r>
               <a:rPr lang="en-US" dirty="0" smtClean="0"/>
@@ -15954,33 +16354,6 @@
       </p:sp>
       <p:sp>
         <p:nvSpPr>
-          <p:cNvPr id="5" name="Нижний колонтитул 4"/>
-          <p:cNvSpPr>
-            <a:spLocks noGrp="1"/>
-          </p:cNvSpPr>
-          <p:nvPr>
-            <p:ph type="ftr" sz="quarter" idx="11"/>
-          </p:nvPr>
-        </p:nvSpPr>
-        <p:spPr/>
-        <p:txBody>
-          <a:bodyPr/>
-          <a:lstStyle/>
-          <a:p>
-            <a:r>
-              <a:rPr lang="en-US" b="1" dirty="0"/>
-              <a:t>ML-course. </a:t>
-            </a:r>
-            <a:r>
-              <a:rPr lang="en-US" dirty="0"/>
-              <a:t>Classification</a:t>
-            </a:r>
-            <a:endParaRPr lang="ru-RU" dirty="0"/>
-          </a:p>
-        </p:txBody>
-      </p:sp>
-      <p:sp>
-        <p:nvSpPr>
           <p:cNvPr id="4" name="Номер слайда 3"/>
           <p:cNvSpPr>
             <a:spLocks noGrp="1"/>
@@ -16004,6 +16377,46 @@
               <a:pPr/>
               <a:t>26</a:t>
             </a:fld>
+            <a:endParaRPr lang="ru-RU" dirty="0"/>
+          </a:p>
+        </p:txBody>
+      </p:sp>
+      <p:sp>
+        <p:nvSpPr>
+          <p:cNvPr id="6" name="Нижний колонтитул 4"/>
+          <p:cNvSpPr>
+            <a:spLocks noGrp="1"/>
+          </p:cNvSpPr>
+          <p:nvPr>
+            <p:ph type="ftr" sz="quarter" idx="11"/>
+          </p:nvPr>
+        </p:nvSpPr>
+        <p:spPr>
+          <a:xfrm>
+            <a:off x="228600" y="6629400"/>
+            <a:ext cx="7315200" cy="228601"/>
+          </a:xfrm>
+        </p:spPr>
+        <p:txBody>
+          <a:bodyPr/>
+          <a:lstStyle/>
+          <a:p>
+            <a:r>
+              <a:rPr lang="en-US" b="1" dirty="0"/>
+              <a:t>TENSOR.BY	</a:t>
+            </a:r>
+            <a:r>
+              <a:rPr lang="en-US" b="1" dirty="0" smtClean="0"/>
+              <a:t>			ML-course</a:t>
+            </a:r>
+            <a:r>
+              <a:rPr lang="en-US" b="1" dirty="0"/>
+              <a:t>. </a:t>
+            </a:r>
+            <a:r>
+              <a:rPr lang="en-US" dirty="0" smtClean="0"/>
+              <a:t>Classification</a:t>
+            </a:r>
             <a:endParaRPr lang="ru-RU" dirty="0"/>
           </a:p>
         </p:txBody>
@@ -16268,7 +16681,7 @@
       </p:pic>
       <p:sp>
         <p:nvSpPr>
-          <p:cNvPr id="7" name="Нижний колонтитул 4"/>
+          <p:cNvPr id="8" name="Нижний колонтитул 4"/>
           <p:cNvSpPr>
             <a:spLocks noGrp="1"/>
           </p:cNvSpPr>
@@ -16279,7 +16692,7 @@
         <p:spPr>
           <a:xfrm>
             <a:off x="228600" y="6629400"/>
-            <a:ext cx="6172200" cy="228601"/>
+            <a:ext cx="7315200" cy="228601"/>
           </a:xfrm>
         </p:spPr>
         <p:txBody>
@@ -16288,7 +16701,15 @@
           <a:p>
             <a:r>
               <a:rPr lang="en-US" b="1" dirty="0"/>
-              <a:t>ML-course. </a:t>
+              <a:t>TENSOR.BY	</a:t>
+            </a:r>
+            <a:r>
+              <a:rPr lang="en-US" b="1" dirty="0" smtClean="0"/>
+              <a:t>			ML-course</a:t>
+            </a:r>
+            <a:r>
+              <a:rPr lang="en-US" b="1" dirty="0"/>
+              <a:t>. </a:t>
             </a:r>
             <a:r>
               <a:rPr lang="en-US" dirty="0" smtClean="0"/>
@@ -16308,6 +16729,13 @@
   <p:clrMapOvr>
     <a:masterClrMapping/>
   </p:clrMapOvr>
+  <p:timing>
+    <p:tnLst>
+      <p:par>
+        <p:cTn id="1" dur="indefinite" restart="never" nodeType="tmRoot"/>
+      </p:par>
+    </p:tnLst>
+  </p:timing>
 </p:sld>
 </file>
 
@@ -16489,6 +16917,13 @@
   <p:clrMapOvr>
     <a:masterClrMapping/>
   </p:clrMapOvr>
+  <p:timing>
+    <p:tnLst>
+      <p:par>
+        <p:cTn id="1" dur="indefinite" restart="never" nodeType="tmRoot"/>
+      </p:par>
+    </p:tnLst>
+  </p:timing>
 </p:sld>
 </file>
 
@@ -17375,7 +17810,7 @@
       </p:cxnSp>
       <p:sp>
         <p:nvSpPr>
-          <p:cNvPr id="9" name="Нижний колонтитул 4"/>
+          <p:cNvPr id="10" name="Нижний колонтитул 4"/>
           <p:cNvSpPr>
             <a:spLocks noGrp="1"/>
           </p:cNvSpPr>
@@ -17386,7 +17821,7 @@
         <p:spPr>
           <a:xfrm>
             <a:off x="228600" y="6629400"/>
-            <a:ext cx="6172200" cy="228601"/>
+            <a:ext cx="7315200" cy="228601"/>
           </a:xfrm>
         </p:spPr>
         <p:txBody>
@@ -17395,7 +17830,15 @@
           <a:p>
             <a:r>
               <a:rPr lang="en-US" b="1" dirty="0"/>
-              <a:t>ML-course. </a:t>
+              <a:t>TENSOR.BY	</a:t>
+            </a:r>
+            <a:r>
+              <a:rPr lang="en-US" b="1" dirty="0" smtClean="0"/>
+              <a:t>			ML-course</a:t>
+            </a:r>
+            <a:r>
+              <a:rPr lang="en-US" b="1" dirty="0"/>
+              <a:t>. </a:t>
             </a:r>
             <a:r>
               <a:rPr lang="en-US" dirty="0" smtClean="0"/>
@@ -17936,7 +18379,7 @@
       </p:graphicFrame>
       <p:sp>
         <p:nvSpPr>
-          <p:cNvPr id="7" name="Нижний колонтитул 4"/>
+          <p:cNvPr id="8" name="Нижний колонтитул 4"/>
           <p:cNvSpPr>
             <a:spLocks noGrp="1"/>
           </p:cNvSpPr>
@@ -17947,7 +18390,7 @@
         <p:spPr>
           <a:xfrm>
             <a:off x="228600" y="6629400"/>
-            <a:ext cx="6172200" cy="228601"/>
+            <a:ext cx="7315200" cy="228601"/>
           </a:xfrm>
         </p:spPr>
         <p:txBody>
@@ -17956,7 +18399,15 @@
           <a:p>
             <a:r>
               <a:rPr lang="en-US" b="1" dirty="0"/>
-              <a:t>ML-course. </a:t>
+              <a:t>TENSOR.BY	</a:t>
+            </a:r>
+            <a:r>
+              <a:rPr lang="en-US" b="1" dirty="0" smtClean="0"/>
+              <a:t>			ML-course</a:t>
+            </a:r>
+            <a:r>
+              <a:rPr lang="en-US" b="1" dirty="0"/>
+              <a:t>. </a:t>
             </a:r>
             <a:r>
               <a:rPr lang="en-US" dirty="0" smtClean="0"/>
@@ -18309,7 +18760,7 @@
       </p:sp>
       <p:sp>
         <p:nvSpPr>
-          <p:cNvPr id="10" name="Нижний колонтитул 4"/>
+          <p:cNvPr id="11" name="Нижний колонтитул 4"/>
           <p:cNvSpPr>
             <a:spLocks noGrp="1"/>
           </p:cNvSpPr>
@@ -18320,7 +18771,7 @@
         <p:spPr>
           <a:xfrm>
             <a:off x="228600" y="6629400"/>
-            <a:ext cx="6172200" cy="228601"/>
+            <a:ext cx="7315200" cy="228601"/>
           </a:xfrm>
         </p:spPr>
         <p:txBody>
@@ -18329,7 +18780,15 @@
           <a:p>
             <a:r>
               <a:rPr lang="en-US" b="1" dirty="0"/>
-              <a:t>ML-course. </a:t>
+              <a:t>TENSOR.BY	</a:t>
+            </a:r>
+            <a:r>
+              <a:rPr lang="en-US" b="1" dirty="0" smtClean="0"/>
+              <a:t>			ML-course</a:t>
+            </a:r>
+            <a:r>
+              <a:rPr lang="en-US" b="1" dirty="0"/>
+              <a:t>. </a:t>
             </a:r>
             <a:r>
               <a:rPr lang="en-US" dirty="0" smtClean="0"/>
@@ -18704,7 +19163,7 @@
       </p:sp>
       <p:sp>
         <p:nvSpPr>
-          <p:cNvPr id="10" name="Нижний колонтитул 4"/>
+          <p:cNvPr id="6" name="Нижний колонтитул 4"/>
           <p:cNvSpPr>
             <a:spLocks noGrp="1"/>
           </p:cNvSpPr>
@@ -18715,7 +19174,7 @@
         <p:spPr>
           <a:xfrm>
             <a:off x="228600" y="6629400"/>
-            <a:ext cx="6172200" cy="228601"/>
+            <a:ext cx="7315200" cy="228601"/>
           </a:xfrm>
         </p:spPr>
         <p:txBody>
@@ -18724,7 +19183,15 @@
           <a:p>
             <a:r>
               <a:rPr lang="en-US" b="1" dirty="0"/>
-              <a:t>ML-course. </a:t>
+              <a:t>TENSOR.BY	</a:t>
+            </a:r>
+            <a:r>
+              <a:rPr lang="en-US" b="1" dirty="0" smtClean="0"/>
+              <a:t>			ML-course</a:t>
+            </a:r>
+            <a:r>
+              <a:rPr lang="en-US" b="1" dirty="0"/>
+              <a:t>. </a:t>
             </a:r>
             <a:r>
               <a:rPr lang="en-US" dirty="0" smtClean="0"/>
@@ -19131,7 +19598,7 @@
       </p:sp>
       <p:sp>
         <p:nvSpPr>
-          <p:cNvPr id="16" name="Нижний колонтитул 4"/>
+          <p:cNvPr id="15" name="Нижний колонтитул 4"/>
           <p:cNvSpPr>
             <a:spLocks noGrp="1"/>
           </p:cNvSpPr>
@@ -19142,7 +19609,7 @@
         <p:spPr>
           <a:xfrm>
             <a:off x="228600" y="6629400"/>
-            <a:ext cx="6172200" cy="228601"/>
+            <a:ext cx="7315200" cy="228601"/>
           </a:xfrm>
         </p:spPr>
         <p:txBody>
@@ -19151,7 +19618,15 @@
           <a:p>
             <a:r>
               <a:rPr lang="en-US" b="1" dirty="0"/>
-              <a:t>ML-course. </a:t>
+              <a:t>TENSOR.BY	</a:t>
+            </a:r>
+            <a:r>
+              <a:rPr lang="en-US" b="1" dirty="0" smtClean="0"/>
+              <a:t>			ML-course</a:t>
+            </a:r>
+            <a:r>
+              <a:rPr lang="en-US" b="1" dirty="0"/>
+              <a:t>. </a:t>
             </a:r>
             <a:r>
               <a:rPr lang="en-US" dirty="0" smtClean="0"/>
